--- a/Produkt.pptx
+++ b/Produkt.pptx
@@ -11,11 +11,11 @@
     <p:sldId id="256" r:id="rId2"/>
     <p:sldId id="263" r:id="rId3"/>
     <p:sldId id="260" r:id="rId4"/>
-    <p:sldId id="264" r:id="rId5"/>
-    <p:sldId id="257" r:id="rId6"/>
-    <p:sldId id="259" r:id="rId7"/>
-    <p:sldId id="258" r:id="rId8"/>
-    <p:sldId id="266" r:id="rId9"/>
+    <p:sldId id="258" r:id="rId5"/>
+    <p:sldId id="266" r:id="rId6"/>
+    <p:sldId id="264" r:id="rId7"/>
+    <p:sldId id="257" r:id="rId8"/>
+    <p:sldId id="259" r:id="rId9"/>
     <p:sldId id="261" r:id="rId10"/>
   </p:sldIdLst>
   <p:sldSz cx="12192000" cy="6858000"/>
@@ -871,7 +871,7 @@
 </file>
 
 <file path=ppt/diagrams/colors2.xml><?xml version="1.0" encoding="utf-8"?>
-<dgm:colorsDef xmlns:dgm="http://schemas.openxmlformats.org/drawingml/2006/diagram" xmlns:a="http://schemas.openxmlformats.org/drawingml/2006/main" uniqueId="urn:microsoft.com/office/officeart/2005/8/colors/accent1_2">
+<dgm:colorsDef xmlns:dgm="http://schemas.openxmlformats.org/drawingml/2006/diagram" xmlns:a="http://schemas.openxmlformats.org/drawingml/2006/main" uniqueId="urn:microsoft.com/office/officeart/2018/5/colors/Iconchunking_neutralbg_accent1_2">
   <dgm:title val=""/>
   <dgm:desc val=""/>
   <dgm:catLst>
@@ -906,7 +906,9 @@
       <a:schemeClr val="accent1"/>
     </dgm:fillClrLst>
     <dgm:linClrLst meth="repeat">
-      <a:schemeClr val="lt1"/>
+      <a:schemeClr val="lt1">
+        <a:alpha val="0"/>
+      </a:schemeClr>
     </dgm:linClrLst>
     <dgm:effectClrLst/>
     <dgm:txLinClrLst/>
@@ -1533,8 +1535,8 @@
   </dgm:styleLbl>
   <dgm:styleLbl name="bgShp">
     <dgm:fillClrLst meth="repeat">
-      <a:schemeClr val="accent1">
-        <a:tint val="40000"/>
+      <a:schemeClr val="bg1">
+        <a:lumMod val="95000"/>
       </a:schemeClr>
     </dgm:fillClrLst>
     <dgm:linClrLst meth="repeat">
@@ -2367,7 +2369,7 @@
 </file>
 
 <file path=ppt/diagrams/colors4.xml><?xml version="1.0" encoding="utf-8"?>
-<dgm:colorsDef xmlns:dgm="http://schemas.openxmlformats.org/drawingml/2006/diagram" xmlns:a="http://schemas.openxmlformats.org/drawingml/2006/main" uniqueId="urn:microsoft.com/office/officeart/2018/5/colors/Iconchunking_neutralbg_accent1_2">
+<dgm:colorsDef xmlns:dgm="http://schemas.openxmlformats.org/drawingml/2006/diagram" xmlns:a="http://schemas.openxmlformats.org/drawingml/2006/main" uniqueId="urn:microsoft.com/office/officeart/2005/8/colors/accent1_2">
   <dgm:title val=""/>
   <dgm:desc val=""/>
   <dgm:catLst>
@@ -2402,9 +2404,7 @@
       <a:schemeClr val="accent1"/>
     </dgm:fillClrLst>
     <dgm:linClrLst meth="repeat">
-      <a:schemeClr val="lt1">
-        <a:alpha val="0"/>
-      </a:schemeClr>
+      <a:schemeClr val="lt1"/>
     </dgm:linClrLst>
     <dgm:effectClrLst/>
     <dgm:txLinClrLst/>
@@ -3031,8 +3031,8 @@
   </dgm:styleLbl>
   <dgm:styleLbl name="bgShp">
     <dgm:fillClrLst meth="repeat">
-      <a:schemeClr val="bg1">
-        <a:lumMod val="95000"/>
+      <a:schemeClr val="accent1">
+        <a:tint val="40000"/>
       </a:schemeClr>
     </dgm:fillClrLst>
     <dgm:linClrLst meth="repeat">
@@ -3296,308 +3296,6 @@
 </file>
 
 <file path=ppt/diagrams/data2.xml><?xml version="1.0" encoding="utf-8"?>
-<dgm:dataModel xmlns:dgm="http://schemas.openxmlformats.org/drawingml/2006/diagram" xmlns:a="http://schemas.openxmlformats.org/drawingml/2006/main">
-  <dgm:ptLst>
-    <dgm:pt modelId="{4AF8DB8F-0585-470B-805E-2DE1851124BA}" type="doc">
-      <dgm:prSet loTypeId="urn:microsoft.com/office/officeart/2008/layout/LinedList" loCatId="list" qsTypeId="urn:microsoft.com/office/officeart/2005/8/quickstyle/simple2" qsCatId="simple" csTypeId="urn:microsoft.com/office/officeart/2005/8/colors/accent1_2" csCatId="accent1" phldr="1"/>
-      <dgm:spPr/>
-      <dgm:t>
-        <a:bodyPr/>
-        <a:lstStyle/>
-        <a:p>
-          <a:endParaRPr lang="en-US"/>
-        </a:p>
-      </dgm:t>
-    </dgm:pt>
-    <dgm:pt modelId="{553AA338-73E7-4FFF-9525-76A8E1CAD171}">
-      <dgm:prSet/>
-      <dgm:spPr/>
-      <dgm:t>
-        <a:bodyPr/>
-        <a:lstStyle/>
-        <a:p>
-          <a:r>
-            <a:rPr lang="en-US" dirty="0"/>
-            <a:t>Kon</a:t>
-          </a:r>
-          <a:r>
-            <a:rPr lang="sk-SK" dirty="0"/>
-            <a:t>š</a:t>
-          </a:r>
-          <a:r>
-            <a:rPr lang="en-US" dirty="0"/>
-            <a:t>tantn</a:t>
-          </a:r>
-          <a:r>
-            <a:rPr lang="sk-SK" dirty="0"/>
-            <a:t>ý</a:t>
-          </a:r>
-          <a:r>
-            <a:rPr lang="en-US" dirty="0"/>
-            <a:t> bit rate (CBR)</a:t>
-          </a:r>
-        </a:p>
-      </dgm:t>
-    </dgm:pt>
-    <dgm:pt modelId="{698A351A-387E-48B4-81DB-A11EA891FC5C}" type="parTrans" cxnId="{CF74D657-1A89-4715-BC5D-47DAC4B8927B}">
-      <dgm:prSet/>
-      <dgm:spPr/>
-      <dgm:t>
-        <a:bodyPr/>
-        <a:lstStyle/>
-        <a:p>
-          <a:endParaRPr lang="en-US"/>
-        </a:p>
-      </dgm:t>
-    </dgm:pt>
-    <dgm:pt modelId="{5552F5E7-B4F2-4060-B48B-615AA6D53EFC}" type="sibTrans" cxnId="{CF74D657-1A89-4715-BC5D-47DAC4B8927B}">
-      <dgm:prSet/>
-      <dgm:spPr/>
-      <dgm:t>
-        <a:bodyPr/>
-        <a:lstStyle/>
-        <a:p>
-          <a:endParaRPr lang="en-US"/>
-        </a:p>
-      </dgm:t>
-    </dgm:pt>
-    <dgm:pt modelId="{CD538EA9-D394-4882-B3F1-287AD5FFD126}">
-      <dgm:prSet/>
-      <dgm:spPr/>
-      <dgm:t>
-        <a:bodyPr/>
-        <a:lstStyle/>
-        <a:p>
-          <a:r>
-            <a:rPr lang="en-US" dirty="0"/>
-            <a:t>Variabiln</a:t>
-          </a:r>
-          <a:r>
-            <a:rPr lang="sk-SK" dirty="0"/>
-            <a:t>ý</a:t>
-          </a:r>
-          <a:r>
-            <a:rPr lang="en-US" dirty="0"/>
-            <a:t> bit rate/Realtime (VBR-RT)</a:t>
-          </a:r>
-        </a:p>
-      </dgm:t>
-    </dgm:pt>
-    <dgm:pt modelId="{458A113F-F8E4-484A-AF29-54C9ACC746FF}" type="parTrans" cxnId="{225BBB7F-7350-4B30-B3C0-CD142F1ECBED}">
-      <dgm:prSet/>
-      <dgm:spPr/>
-      <dgm:t>
-        <a:bodyPr/>
-        <a:lstStyle/>
-        <a:p>
-          <a:endParaRPr lang="en-US"/>
-        </a:p>
-      </dgm:t>
-    </dgm:pt>
-    <dgm:pt modelId="{DCACAAD9-67AE-42C7-AF87-3B2923077C3A}" type="sibTrans" cxnId="{225BBB7F-7350-4B30-B3C0-CD142F1ECBED}">
-      <dgm:prSet/>
-      <dgm:spPr/>
-      <dgm:t>
-        <a:bodyPr/>
-        <a:lstStyle/>
-        <a:p>
-          <a:endParaRPr lang="en-US"/>
-        </a:p>
-      </dgm:t>
-    </dgm:pt>
-    <dgm:pt modelId="{57CE525E-D65D-4996-8B3C-2F38A05F44F0}">
-      <dgm:prSet/>
-      <dgm:spPr/>
-      <dgm:t>
-        <a:bodyPr/>
-        <a:lstStyle/>
-        <a:p>
-          <a:r>
-            <a:rPr lang="en-US" dirty="0"/>
-            <a:t>Variabiln</a:t>
-          </a:r>
-          <a:r>
-            <a:rPr lang="sk-SK" dirty="0"/>
-            <a:t>ý</a:t>
-          </a:r>
-          <a:r>
-            <a:rPr lang="en-US" dirty="0"/>
-            <a:t> bit rate/Non-Realtime (VBR-NRT)</a:t>
-          </a:r>
-        </a:p>
-      </dgm:t>
-    </dgm:pt>
-    <dgm:pt modelId="{6F99648C-3A2D-4771-BFF7-DEB063482EAA}" type="parTrans" cxnId="{85F99B59-DD31-4F64-B334-369C99EE9B09}">
-      <dgm:prSet/>
-      <dgm:spPr/>
-      <dgm:t>
-        <a:bodyPr/>
-        <a:lstStyle/>
-        <a:p>
-          <a:endParaRPr lang="en-US"/>
-        </a:p>
-      </dgm:t>
-    </dgm:pt>
-    <dgm:pt modelId="{965FC65E-C6E7-4A57-AF6F-27C86645A0F0}" type="sibTrans" cxnId="{85F99B59-DD31-4F64-B334-369C99EE9B09}">
-      <dgm:prSet/>
-      <dgm:spPr/>
-      <dgm:t>
-        <a:bodyPr/>
-        <a:lstStyle/>
-        <a:p>
-          <a:endParaRPr lang="en-US"/>
-        </a:p>
-      </dgm:t>
-    </dgm:pt>
-    <dgm:pt modelId="{2B31F997-B2F4-4A7D-986A-11488B0DD155}">
-      <dgm:prSet/>
-      <dgm:spPr/>
-      <dgm:t>
-        <a:bodyPr/>
-        <a:lstStyle/>
-        <a:p>
-          <a:r>
-            <a:rPr lang="en-US" dirty="0"/>
-            <a:t>Unspecified bit rate (UBR) alebo Available bit rate (ABR)</a:t>
-          </a:r>
-        </a:p>
-      </dgm:t>
-    </dgm:pt>
-    <dgm:pt modelId="{2F658F19-B43C-4E6D-A46B-E21C2FE9074B}" type="parTrans" cxnId="{F8BAC669-CE61-44D5-BF58-DA5B2FA91191}">
-      <dgm:prSet/>
-      <dgm:spPr/>
-      <dgm:t>
-        <a:bodyPr/>
-        <a:lstStyle/>
-        <a:p>
-          <a:endParaRPr lang="en-US"/>
-        </a:p>
-      </dgm:t>
-    </dgm:pt>
-    <dgm:pt modelId="{31EBA4DE-E104-44F5-879B-4F3A007CFB79}" type="sibTrans" cxnId="{F8BAC669-CE61-44D5-BF58-DA5B2FA91191}">
-      <dgm:prSet/>
-      <dgm:spPr/>
-      <dgm:t>
-        <a:bodyPr/>
-        <a:lstStyle/>
-        <a:p>
-          <a:endParaRPr lang="en-US"/>
-        </a:p>
-      </dgm:t>
-    </dgm:pt>
-    <dgm:pt modelId="{5511BE07-7DE5-4793-8F9A-0A7F45BCF85E}" type="pres">
-      <dgm:prSet presAssocID="{4AF8DB8F-0585-470B-805E-2DE1851124BA}" presName="vert0" presStyleCnt="0">
-        <dgm:presLayoutVars>
-          <dgm:dir/>
-          <dgm:animOne val="branch"/>
-          <dgm:animLvl val="lvl"/>
-        </dgm:presLayoutVars>
-      </dgm:prSet>
-      <dgm:spPr/>
-    </dgm:pt>
-    <dgm:pt modelId="{BFEF3873-DE5A-47F6-85F5-4BAEA70AB3D3}" type="pres">
-      <dgm:prSet presAssocID="{553AA338-73E7-4FFF-9525-76A8E1CAD171}" presName="thickLine" presStyleLbl="alignNode1" presStyleIdx="0" presStyleCnt="4"/>
-      <dgm:spPr/>
-    </dgm:pt>
-    <dgm:pt modelId="{2F46DCE4-643F-4E4E-B598-CF25E94DE2DD}" type="pres">
-      <dgm:prSet presAssocID="{553AA338-73E7-4FFF-9525-76A8E1CAD171}" presName="horz1" presStyleCnt="0"/>
-      <dgm:spPr/>
-    </dgm:pt>
-    <dgm:pt modelId="{3AD7A471-B75F-40B4-A3ED-5326C5E068A4}" type="pres">
-      <dgm:prSet presAssocID="{553AA338-73E7-4FFF-9525-76A8E1CAD171}" presName="tx1" presStyleLbl="revTx" presStyleIdx="0" presStyleCnt="4"/>
-      <dgm:spPr/>
-    </dgm:pt>
-    <dgm:pt modelId="{8E29C7DC-88FE-4301-B2CF-5D6DCD8D4371}" type="pres">
-      <dgm:prSet presAssocID="{553AA338-73E7-4FFF-9525-76A8E1CAD171}" presName="vert1" presStyleCnt="0"/>
-      <dgm:spPr/>
-    </dgm:pt>
-    <dgm:pt modelId="{34BE8415-C41F-4DCB-AD0E-28FD24A56BFA}" type="pres">
-      <dgm:prSet presAssocID="{CD538EA9-D394-4882-B3F1-287AD5FFD126}" presName="thickLine" presStyleLbl="alignNode1" presStyleIdx="1" presStyleCnt="4"/>
-      <dgm:spPr/>
-    </dgm:pt>
-    <dgm:pt modelId="{565138B8-F816-499D-ABC7-61147136DBE9}" type="pres">
-      <dgm:prSet presAssocID="{CD538EA9-D394-4882-B3F1-287AD5FFD126}" presName="horz1" presStyleCnt="0"/>
-      <dgm:spPr/>
-    </dgm:pt>
-    <dgm:pt modelId="{32C98E83-B95B-45F1-B9EA-AF14C66125D1}" type="pres">
-      <dgm:prSet presAssocID="{CD538EA9-D394-4882-B3F1-287AD5FFD126}" presName="tx1" presStyleLbl="revTx" presStyleIdx="1" presStyleCnt="4"/>
-      <dgm:spPr/>
-    </dgm:pt>
-    <dgm:pt modelId="{0F59BA00-8481-49B9-8DD3-44276E147BE0}" type="pres">
-      <dgm:prSet presAssocID="{CD538EA9-D394-4882-B3F1-287AD5FFD126}" presName="vert1" presStyleCnt="0"/>
-      <dgm:spPr/>
-    </dgm:pt>
-    <dgm:pt modelId="{939ED899-3CAC-4855-B010-FACC2F12BC22}" type="pres">
-      <dgm:prSet presAssocID="{57CE525E-D65D-4996-8B3C-2F38A05F44F0}" presName="thickLine" presStyleLbl="alignNode1" presStyleIdx="2" presStyleCnt="4"/>
-      <dgm:spPr/>
-    </dgm:pt>
-    <dgm:pt modelId="{7CAC1A98-CC60-442F-BF54-39644FAC6CC3}" type="pres">
-      <dgm:prSet presAssocID="{57CE525E-D65D-4996-8B3C-2F38A05F44F0}" presName="horz1" presStyleCnt="0"/>
-      <dgm:spPr/>
-    </dgm:pt>
-    <dgm:pt modelId="{5F2341C0-CF16-4FB9-89FD-47FC9E074C5E}" type="pres">
-      <dgm:prSet presAssocID="{57CE525E-D65D-4996-8B3C-2F38A05F44F0}" presName="tx1" presStyleLbl="revTx" presStyleIdx="2" presStyleCnt="4"/>
-      <dgm:spPr/>
-    </dgm:pt>
-    <dgm:pt modelId="{4C37BFFE-254A-4F7C-9966-06AD51D64490}" type="pres">
-      <dgm:prSet presAssocID="{57CE525E-D65D-4996-8B3C-2F38A05F44F0}" presName="vert1" presStyleCnt="0"/>
-      <dgm:spPr/>
-    </dgm:pt>
-    <dgm:pt modelId="{680131EB-448E-43A1-9834-F72C891879A4}" type="pres">
-      <dgm:prSet presAssocID="{2B31F997-B2F4-4A7D-986A-11488B0DD155}" presName="thickLine" presStyleLbl="alignNode1" presStyleIdx="3" presStyleCnt="4"/>
-      <dgm:spPr/>
-    </dgm:pt>
-    <dgm:pt modelId="{E36FA8A7-983E-4109-BAD3-6B74A572F168}" type="pres">
-      <dgm:prSet presAssocID="{2B31F997-B2F4-4A7D-986A-11488B0DD155}" presName="horz1" presStyleCnt="0"/>
-      <dgm:spPr/>
-    </dgm:pt>
-    <dgm:pt modelId="{F2A2D04F-BD20-410C-866D-9549921A5CC0}" type="pres">
-      <dgm:prSet presAssocID="{2B31F997-B2F4-4A7D-986A-11488B0DD155}" presName="tx1" presStyleLbl="revTx" presStyleIdx="3" presStyleCnt="4"/>
-      <dgm:spPr/>
-    </dgm:pt>
-    <dgm:pt modelId="{17B44F41-DD62-442C-BA37-97D5D8E31F99}" type="pres">
-      <dgm:prSet presAssocID="{2B31F997-B2F4-4A7D-986A-11488B0DD155}" presName="vert1" presStyleCnt="0"/>
-      <dgm:spPr/>
-    </dgm:pt>
-  </dgm:ptLst>
-  <dgm:cxnLst>
-    <dgm:cxn modelId="{19ED2A30-BBD5-46B2-8482-36813FBC9769}" type="presOf" srcId="{553AA338-73E7-4FFF-9525-76A8E1CAD171}" destId="{3AD7A471-B75F-40B4-A3ED-5326C5E068A4}" srcOrd="0" destOrd="0" presId="urn:microsoft.com/office/officeart/2008/layout/LinedList"/>
-    <dgm:cxn modelId="{F8BAC669-CE61-44D5-BF58-DA5B2FA91191}" srcId="{4AF8DB8F-0585-470B-805E-2DE1851124BA}" destId="{2B31F997-B2F4-4A7D-986A-11488B0DD155}" srcOrd="3" destOrd="0" parTransId="{2F658F19-B43C-4E6D-A46B-E21C2FE9074B}" sibTransId="{31EBA4DE-E104-44F5-879B-4F3A007CFB79}"/>
-    <dgm:cxn modelId="{CF74D657-1A89-4715-BC5D-47DAC4B8927B}" srcId="{4AF8DB8F-0585-470B-805E-2DE1851124BA}" destId="{553AA338-73E7-4FFF-9525-76A8E1CAD171}" srcOrd="0" destOrd="0" parTransId="{698A351A-387E-48B4-81DB-A11EA891FC5C}" sibTransId="{5552F5E7-B4F2-4060-B48B-615AA6D53EFC}"/>
-    <dgm:cxn modelId="{85F99B59-DD31-4F64-B334-369C99EE9B09}" srcId="{4AF8DB8F-0585-470B-805E-2DE1851124BA}" destId="{57CE525E-D65D-4996-8B3C-2F38A05F44F0}" srcOrd="2" destOrd="0" parTransId="{6F99648C-3A2D-4771-BFF7-DEB063482EAA}" sibTransId="{965FC65E-C6E7-4A57-AF6F-27C86645A0F0}"/>
-    <dgm:cxn modelId="{225BBB7F-7350-4B30-B3C0-CD142F1ECBED}" srcId="{4AF8DB8F-0585-470B-805E-2DE1851124BA}" destId="{CD538EA9-D394-4882-B3F1-287AD5FFD126}" srcOrd="1" destOrd="0" parTransId="{458A113F-F8E4-484A-AF29-54C9ACC746FF}" sibTransId="{DCACAAD9-67AE-42C7-AF87-3B2923077C3A}"/>
-    <dgm:cxn modelId="{D2B6EEBA-B60A-4DCE-B2B6-E03A0C68D443}" type="presOf" srcId="{CD538EA9-D394-4882-B3F1-287AD5FFD126}" destId="{32C98E83-B95B-45F1-B9EA-AF14C66125D1}" srcOrd="0" destOrd="0" presId="urn:microsoft.com/office/officeart/2008/layout/LinedList"/>
-    <dgm:cxn modelId="{809095D3-460F-4FD3-97B6-0928EFFAD39C}" type="presOf" srcId="{4AF8DB8F-0585-470B-805E-2DE1851124BA}" destId="{5511BE07-7DE5-4793-8F9A-0A7F45BCF85E}" srcOrd="0" destOrd="0" presId="urn:microsoft.com/office/officeart/2008/layout/LinedList"/>
-    <dgm:cxn modelId="{B4AD07ED-F4B0-4B48-840D-36B101DB84EC}" type="presOf" srcId="{2B31F997-B2F4-4A7D-986A-11488B0DD155}" destId="{F2A2D04F-BD20-410C-866D-9549921A5CC0}" srcOrd="0" destOrd="0" presId="urn:microsoft.com/office/officeart/2008/layout/LinedList"/>
-    <dgm:cxn modelId="{A37CEBF8-BF0A-4085-B4EA-9CDF504830D2}" type="presOf" srcId="{57CE525E-D65D-4996-8B3C-2F38A05F44F0}" destId="{5F2341C0-CF16-4FB9-89FD-47FC9E074C5E}" srcOrd="0" destOrd="0" presId="urn:microsoft.com/office/officeart/2008/layout/LinedList"/>
-    <dgm:cxn modelId="{2DF78E96-4E0E-4C90-A7C8-704845EF3B9B}" type="presParOf" srcId="{5511BE07-7DE5-4793-8F9A-0A7F45BCF85E}" destId="{BFEF3873-DE5A-47F6-85F5-4BAEA70AB3D3}" srcOrd="0" destOrd="0" presId="urn:microsoft.com/office/officeart/2008/layout/LinedList"/>
-    <dgm:cxn modelId="{9966E17E-D603-42EF-83DC-A76A34244805}" type="presParOf" srcId="{5511BE07-7DE5-4793-8F9A-0A7F45BCF85E}" destId="{2F46DCE4-643F-4E4E-B598-CF25E94DE2DD}" srcOrd="1" destOrd="0" presId="urn:microsoft.com/office/officeart/2008/layout/LinedList"/>
-    <dgm:cxn modelId="{400BFB2F-C807-40EF-BC55-6782FDA31B3D}" type="presParOf" srcId="{2F46DCE4-643F-4E4E-B598-CF25E94DE2DD}" destId="{3AD7A471-B75F-40B4-A3ED-5326C5E068A4}" srcOrd="0" destOrd="0" presId="urn:microsoft.com/office/officeart/2008/layout/LinedList"/>
-    <dgm:cxn modelId="{E2BB3CAA-24E3-48DD-90C6-0A93B8886317}" type="presParOf" srcId="{2F46DCE4-643F-4E4E-B598-CF25E94DE2DD}" destId="{8E29C7DC-88FE-4301-B2CF-5D6DCD8D4371}" srcOrd="1" destOrd="0" presId="urn:microsoft.com/office/officeart/2008/layout/LinedList"/>
-    <dgm:cxn modelId="{749ABCE0-2CBB-4F5B-8117-D96C7E66536E}" type="presParOf" srcId="{5511BE07-7DE5-4793-8F9A-0A7F45BCF85E}" destId="{34BE8415-C41F-4DCB-AD0E-28FD24A56BFA}" srcOrd="2" destOrd="0" presId="urn:microsoft.com/office/officeart/2008/layout/LinedList"/>
-    <dgm:cxn modelId="{DF337282-17BB-4B88-B530-90243FB392C8}" type="presParOf" srcId="{5511BE07-7DE5-4793-8F9A-0A7F45BCF85E}" destId="{565138B8-F816-499D-ABC7-61147136DBE9}" srcOrd="3" destOrd="0" presId="urn:microsoft.com/office/officeart/2008/layout/LinedList"/>
-    <dgm:cxn modelId="{6481E2FE-959B-4354-A59E-A50EBFE108F3}" type="presParOf" srcId="{565138B8-F816-499D-ABC7-61147136DBE9}" destId="{32C98E83-B95B-45F1-B9EA-AF14C66125D1}" srcOrd="0" destOrd="0" presId="urn:microsoft.com/office/officeart/2008/layout/LinedList"/>
-    <dgm:cxn modelId="{CC4EA4C4-9FDD-4F17-AAA9-9A791C26E873}" type="presParOf" srcId="{565138B8-F816-499D-ABC7-61147136DBE9}" destId="{0F59BA00-8481-49B9-8DD3-44276E147BE0}" srcOrd="1" destOrd="0" presId="urn:microsoft.com/office/officeart/2008/layout/LinedList"/>
-    <dgm:cxn modelId="{B7A27A49-B7DC-4182-9D94-B433AC72019A}" type="presParOf" srcId="{5511BE07-7DE5-4793-8F9A-0A7F45BCF85E}" destId="{939ED899-3CAC-4855-B010-FACC2F12BC22}" srcOrd="4" destOrd="0" presId="urn:microsoft.com/office/officeart/2008/layout/LinedList"/>
-    <dgm:cxn modelId="{9B2BBEFC-373C-4E4F-AC4F-73C16A927C13}" type="presParOf" srcId="{5511BE07-7DE5-4793-8F9A-0A7F45BCF85E}" destId="{7CAC1A98-CC60-442F-BF54-39644FAC6CC3}" srcOrd="5" destOrd="0" presId="urn:microsoft.com/office/officeart/2008/layout/LinedList"/>
-    <dgm:cxn modelId="{20AB5EFE-8B1F-4C1A-8AA4-9E397A99808A}" type="presParOf" srcId="{7CAC1A98-CC60-442F-BF54-39644FAC6CC3}" destId="{5F2341C0-CF16-4FB9-89FD-47FC9E074C5E}" srcOrd="0" destOrd="0" presId="urn:microsoft.com/office/officeart/2008/layout/LinedList"/>
-    <dgm:cxn modelId="{FC355558-2953-4DC0-8169-FA5425B4D353}" type="presParOf" srcId="{7CAC1A98-CC60-442F-BF54-39644FAC6CC3}" destId="{4C37BFFE-254A-4F7C-9966-06AD51D64490}" srcOrd="1" destOrd="0" presId="urn:microsoft.com/office/officeart/2008/layout/LinedList"/>
-    <dgm:cxn modelId="{422D045C-0F33-4C8B-8DA4-92436E9B50D5}" type="presParOf" srcId="{5511BE07-7DE5-4793-8F9A-0A7F45BCF85E}" destId="{680131EB-448E-43A1-9834-F72C891879A4}" srcOrd="6" destOrd="0" presId="urn:microsoft.com/office/officeart/2008/layout/LinedList"/>
-    <dgm:cxn modelId="{B43721C3-6E08-468E-84ED-1CE27F2EE9C0}" type="presParOf" srcId="{5511BE07-7DE5-4793-8F9A-0A7F45BCF85E}" destId="{E36FA8A7-983E-4109-BAD3-6B74A572F168}" srcOrd="7" destOrd="0" presId="urn:microsoft.com/office/officeart/2008/layout/LinedList"/>
-    <dgm:cxn modelId="{ABB17C0D-BD51-4379-841F-6B6F1A8F4CEE}" type="presParOf" srcId="{E36FA8A7-983E-4109-BAD3-6B74A572F168}" destId="{F2A2D04F-BD20-410C-866D-9549921A5CC0}" srcOrd="0" destOrd="0" presId="urn:microsoft.com/office/officeart/2008/layout/LinedList"/>
-    <dgm:cxn modelId="{C2768A33-E548-41F3-A6E8-4971B242F67F}" type="presParOf" srcId="{E36FA8A7-983E-4109-BAD3-6B74A572F168}" destId="{17B44F41-DD62-442C-BA37-97D5D8E31F99}" srcOrd="1" destOrd="0" presId="urn:microsoft.com/office/officeart/2008/layout/LinedList"/>
-  </dgm:cxnLst>
-  <dgm:bg/>
-  <dgm:whole/>
-  <dgm:extLst>
-    <a:ext uri="http://schemas.microsoft.com/office/drawing/2008/diagram">
-      <dsp:dataModelExt xmlns:dsp="http://schemas.microsoft.com/office/drawing/2008/diagram" relId="rId7" minVer="http://schemas.openxmlformats.org/drawingml/2006/diagram"/>
-    </a:ext>
-  </dgm:extLst>
-</dgm:dataModel>
-</file>
-
-<file path=ppt/diagrams/data3.xml><?xml version="1.0" encoding="utf-8"?>
 <dgm:dataModel xmlns:dgm="http://schemas.openxmlformats.org/drawingml/2006/diagram" xmlns:a="http://schemas.openxmlformats.org/drawingml/2006/main">
   <dgm:ptLst>
     <dgm:pt modelId="{566B023F-292B-4440-80AE-DAE813F22DA8}" type="doc">
@@ -4029,7 +3727,7 @@
 </dgm:dataModel>
 </file>
 
-<file path=ppt/diagrams/data4.xml><?xml version="1.0" encoding="utf-8"?>
+<file path=ppt/diagrams/data3.xml><?xml version="1.0" encoding="utf-8"?>
 <dgm:dataModel xmlns:dgm="http://schemas.openxmlformats.org/drawingml/2006/diagram" xmlns:a="http://schemas.openxmlformats.org/drawingml/2006/main">
   <dgm:ptLst>
     <dgm:pt modelId="{566B023F-292B-4440-80AE-DAE813F22DA8}" type="doc">
@@ -4057,15 +3755,7 @@
           </a:pPr>
           <a:r>
             <a:rPr lang="sk-SK" sz="2100" dirty="0"/>
-            <a:t>Dosiahnutie </a:t>
-          </a:r>
-          <a:r>
-            <a:rPr lang="sk-SK" sz="2100" dirty="0" err="1"/>
-            <a:t>QoS</a:t>
-          </a:r>
-          <a:r>
-            <a:rPr lang="sk-SK" sz="2100" dirty="0"/>
-            <a:t> má zložitý mechanizmus.</a:t>
+            <a:t>Dosiahnutie QoS má zložitý mechanizmus.</a:t>
           </a:r>
           <a:endParaRPr lang="en-US" sz="2100" dirty="0"/>
         </a:p>
@@ -4149,15 +3839,7 @@
           </a:pPr>
           <a:r>
             <a:rPr lang="sk-SK" sz="2100" dirty="0"/>
-            <a:t>Môže dôjsť k strate bunky v dôsledku </a:t>
-          </a:r>
-          <a:r>
-            <a:rPr lang="sk-SK" sz="2100" dirty="0" err="1"/>
-            <a:t>kongescie</a:t>
-          </a:r>
-          <a:r>
-            <a:rPr lang="sk-SK" sz="2100" dirty="0"/>
-            <a:t>.</a:t>
+            <a:t>Môže dôjsť k strate bunky v dôsledku kongescie.</a:t>
           </a:r>
           <a:endParaRPr lang="en-US" sz="2100" dirty="0"/>
         </a:p>
@@ -4199,15 +3881,7 @@
           </a:pPr>
           <a:r>
             <a:rPr lang="sk-SK" sz="2100" dirty="0"/>
-            <a:t>V porovnaní s hardvérom LAN sú </a:t>
-          </a:r>
-          <a:r>
-            <a:rPr lang="sk-SK" sz="2100" dirty="0" err="1"/>
-            <a:t>switche</a:t>
-          </a:r>
-          <a:r>
-            <a:rPr lang="sk-SK" sz="2100" dirty="0"/>
-            <a:t> ATM veľmi drahé.</a:t>
+            <a:t>V porovnaní s hardvérom LAN sú switche ATM veľmi drahé.</a:t>
           </a:r>
           <a:endParaRPr lang="en-US" sz="2100" dirty="0"/>
         </a:p>
@@ -4249,7 +3923,7 @@
       <dgm:spPr/>
     </dgm:pt>
     <dgm:pt modelId="{62659A2F-44D5-4DF7-BB00-640AFBFC297E}" type="pres">
-      <dgm:prSet presAssocID="{7561EE5C-7253-4AFA-A419-F9C63F4F33CD}" presName="bgRect" presStyleLbl="bgShp" presStyleIdx="0" presStyleCnt="4"/>
+      <dgm:prSet presAssocID="{7561EE5C-7253-4AFA-A419-F9C63F4F33CD}" presName="bgRect" presStyleLbl="bgShp" presStyleIdx="0" presStyleCnt="4" custScaleY="91254"/>
       <dgm:spPr/>
     </dgm:pt>
     <dgm:pt modelId="{1E4DC89C-EDDA-4AF6-8178-92179FA7FA19}" type="pres">
@@ -4297,7 +3971,7 @@
       <dgm:spPr/>
     </dgm:pt>
     <dgm:pt modelId="{07D3DB1D-F1B7-4728-902E-05ADBA8ED57C}" type="pres">
-      <dgm:prSet presAssocID="{B4204588-4498-4E70-8B22-BA0D2B83E419}" presName="bgRect" presStyleLbl="bgShp" presStyleIdx="1" presStyleCnt="4"/>
+      <dgm:prSet presAssocID="{B4204588-4498-4E70-8B22-BA0D2B83E419}" presName="bgRect" presStyleLbl="bgShp" presStyleIdx="1" presStyleCnt="4" custScaleY="91254"/>
       <dgm:spPr/>
     </dgm:pt>
     <dgm:pt modelId="{3C65422D-A668-4CD5-9630-9E1A2FA68F19}" type="pres">
@@ -4345,7 +4019,7 @@
       <dgm:spPr/>
     </dgm:pt>
     <dgm:pt modelId="{759E1707-3D4A-49E5-8DBC-B84C28A6F117}" type="pres">
-      <dgm:prSet presAssocID="{4BB1DCB5-1474-4560-998C-0FDA348C5942}" presName="bgRect" presStyleLbl="bgShp" presStyleIdx="2" presStyleCnt="4"/>
+      <dgm:prSet presAssocID="{4BB1DCB5-1474-4560-998C-0FDA348C5942}" presName="bgRect" presStyleLbl="bgShp" presStyleIdx="2" presStyleCnt="4" custScaleY="91254"/>
       <dgm:spPr/>
     </dgm:pt>
     <dgm:pt modelId="{F0F264EF-161D-4A93-BD25-D40E5002A56D}" type="pres">
@@ -4396,7 +4070,7 @@
       <dgm:spPr/>
     </dgm:pt>
     <dgm:pt modelId="{035157CF-2F7D-45EB-B361-BA7B81490E3B}" type="pres">
-      <dgm:prSet presAssocID="{B640900A-F3B9-40CE-973F-510227C5073D}" presName="bgRect" presStyleLbl="bgShp" presStyleIdx="3" presStyleCnt="4"/>
+      <dgm:prSet presAssocID="{B640900A-F3B9-40CE-973F-510227C5073D}" presName="bgRect" presStyleLbl="bgShp" presStyleIdx="3" presStyleCnt="4" custScaleY="91254"/>
       <dgm:spPr/>
     </dgm:pt>
     <dgm:pt modelId="{62AD3BF5-2F4A-4DF2-8F71-4B18E0C1E026}" type="pres">
@@ -4469,6 +4143,308 @@
     <dgm:cxn modelId="{6DC9BA09-CC47-40A5-B79A-19165563DDB1}" type="presParOf" srcId="{C7C443CE-2D6C-400E-BBBF-8F62B2F57A57}" destId="{62AD3BF5-2F4A-4DF2-8F71-4B18E0C1E026}" srcOrd="1" destOrd="0" presId="urn:microsoft.com/office/officeart/2018/2/layout/IconVerticalSolidList"/>
     <dgm:cxn modelId="{71789478-DAFD-446E-A1B1-A87C622F91F7}" type="presParOf" srcId="{C7C443CE-2D6C-400E-BBBF-8F62B2F57A57}" destId="{6BC11119-7E5A-4867-B931-D8C2BD40D58C}" srcOrd="2" destOrd="0" presId="urn:microsoft.com/office/officeart/2018/2/layout/IconVerticalSolidList"/>
     <dgm:cxn modelId="{21619887-6F15-468D-83F5-07B56830D8CF}" type="presParOf" srcId="{C7C443CE-2D6C-400E-BBBF-8F62B2F57A57}" destId="{0C06C2EF-8394-4F7A-8349-C9B551A4755A}" srcOrd="3" destOrd="0" presId="urn:microsoft.com/office/officeart/2018/2/layout/IconVerticalSolidList"/>
+  </dgm:cxnLst>
+  <dgm:bg/>
+  <dgm:whole/>
+  <dgm:extLst>
+    <a:ext uri="http://schemas.microsoft.com/office/drawing/2008/diagram">
+      <dsp:dataModelExt xmlns:dsp="http://schemas.microsoft.com/office/drawing/2008/diagram" relId="rId7" minVer="http://schemas.openxmlformats.org/drawingml/2006/diagram"/>
+    </a:ext>
+  </dgm:extLst>
+</dgm:dataModel>
+</file>
+
+<file path=ppt/diagrams/data4.xml><?xml version="1.0" encoding="utf-8"?>
+<dgm:dataModel xmlns:dgm="http://schemas.openxmlformats.org/drawingml/2006/diagram" xmlns:a="http://schemas.openxmlformats.org/drawingml/2006/main">
+  <dgm:ptLst>
+    <dgm:pt modelId="{4AF8DB8F-0585-470B-805E-2DE1851124BA}" type="doc">
+      <dgm:prSet loTypeId="urn:microsoft.com/office/officeart/2008/layout/LinedList" loCatId="list" qsTypeId="urn:microsoft.com/office/officeart/2005/8/quickstyle/simple2" qsCatId="simple" csTypeId="urn:microsoft.com/office/officeart/2005/8/colors/accent1_2" csCatId="accent1" phldr="1"/>
+      <dgm:spPr/>
+      <dgm:t>
+        <a:bodyPr/>
+        <a:lstStyle/>
+        <a:p>
+          <a:endParaRPr lang="en-US"/>
+        </a:p>
+      </dgm:t>
+    </dgm:pt>
+    <dgm:pt modelId="{553AA338-73E7-4FFF-9525-76A8E1CAD171}">
+      <dgm:prSet/>
+      <dgm:spPr/>
+      <dgm:t>
+        <a:bodyPr/>
+        <a:lstStyle/>
+        <a:p>
+          <a:r>
+            <a:rPr lang="en-US" dirty="0"/>
+            <a:t>Kon</a:t>
+          </a:r>
+          <a:r>
+            <a:rPr lang="sk-SK" dirty="0"/>
+            <a:t>š</a:t>
+          </a:r>
+          <a:r>
+            <a:rPr lang="en-US" dirty="0"/>
+            <a:t>tantn</a:t>
+          </a:r>
+          <a:r>
+            <a:rPr lang="sk-SK" dirty="0"/>
+            <a:t>ý</a:t>
+          </a:r>
+          <a:r>
+            <a:rPr lang="en-US" dirty="0"/>
+            <a:t> bit rate (CBR)</a:t>
+          </a:r>
+        </a:p>
+      </dgm:t>
+    </dgm:pt>
+    <dgm:pt modelId="{698A351A-387E-48B4-81DB-A11EA891FC5C}" type="parTrans" cxnId="{CF74D657-1A89-4715-BC5D-47DAC4B8927B}">
+      <dgm:prSet/>
+      <dgm:spPr/>
+      <dgm:t>
+        <a:bodyPr/>
+        <a:lstStyle/>
+        <a:p>
+          <a:endParaRPr lang="en-US"/>
+        </a:p>
+      </dgm:t>
+    </dgm:pt>
+    <dgm:pt modelId="{5552F5E7-B4F2-4060-B48B-615AA6D53EFC}" type="sibTrans" cxnId="{CF74D657-1A89-4715-BC5D-47DAC4B8927B}">
+      <dgm:prSet/>
+      <dgm:spPr/>
+      <dgm:t>
+        <a:bodyPr/>
+        <a:lstStyle/>
+        <a:p>
+          <a:endParaRPr lang="en-US"/>
+        </a:p>
+      </dgm:t>
+    </dgm:pt>
+    <dgm:pt modelId="{CD538EA9-D394-4882-B3F1-287AD5FFD126}">
+      <dgm:prSet/>
+      <dgm:spPr/>
+      <dgm:t>
+        <a:bodyPr/>
+        <a:lstStyle/>
+        <a:p>
+          <a:r>
+            <a:rPr lang="en-US" dirty="0"/>
+            <a:t>Variabiln</a:t>
+          </a:r>
+          <a:r>
+            <a:rPr lang="sk-SK" dirty="0"/>
+            <a:t>ý</a:t>
+          </a:r>
+          <a:r>
+            <a:rPr lang="en-US" dirty="0"/>
+            <a:t> bit rate/Realtime (VBR-RT)</a:t>
+          </a:r>
+        </a:p>
+      </dgm:t>
+    </dgm:pt>
+    <dgm:pt modelId="{458A113F-F8E4-484A-AF29-54C9ACC746FF}" type="parTrans" cxnId="{225BBB7F-7350-4B30-B3C0-CD142F1ECBED}">
+      <dgm:prSet/>
+      <dgm:spPr/>
+      <dgm:t>
+        <a:bodyPr/>
+        <a:lstStyle/>
+        <a:p>
+          <a:endParaRPr lang="en-US"/>
+        </a:p>
+      </dgm:t>
+    </dgm:pt>
+    <dgm:pt modelId="{DCACAAD9-67AE-42C7-AF87-3B2923077C3A}" type="sibTrans" cxnId="{225BBB7F-7350-4B30-B3C0-CD142F1ECBED}">
+      <dgm:prSet/>
+      <dgm:spPr/>
+      <dgm:t>
+        <a:bodyPr/>
+        <a:lstStyle/>
+        <a:p>
+          <a:endParaRPr lang="en-US"/>
+        </a:p>
+      </dgm:t>
+    </dgm:pt>
+    <dgm:pt modelId="{57CE525E-D65D-4996-8B3C-2F38A05F44F0}">
+      <dgm:prSet/>
+      <dgm:spPr/>
+      <dgm:t>
+        <a:bodyPr/>
+        <a:lstStyle/>
+        <a:p>
+          <a:r>
+            <a:rPr lang="en-US" dirty="0"/>
+            <a:t>Variabiln</a:t>
+          </a:r>
+          <a:r>
+            <a:rPr lang="sk-SK" dirty="0"/>
+            <a:t>ý</a:t>
+          </a:r>
+          <a:r>
+            <a:rPr lang="en-US" dirty="0"/>
+            <a:t> bit rate/Non-Realtime (VBR-NRT)</a:t>
+          </a:r>
+        </a:p>
+      </dgm:t>
+    </dgm:pt>
+    <dgm:pt modelId="{6F99648C-3A2D-4771-BFF7-DEB063482EAA}" type="parTrans" cxnId="{85F99B59-DD31-4F64-B334-369C99EE9B09}">
+      <dgm:prSet/>
+      <dgm:spPr/>
+      <dgm:t>
+        <a:bodyPr/>
+        <a:lstStyle/>
+        <a:p>
+          <a:endParaRPr lang="en-US"/>
+        </a:p>
+      </dgm:t>
+    </dgm:pt>
+    <dgm:pt modelId="{965FC65E-C6E7-4A57-AF6F-27C86645A0F0}" type="sibTrans" cxnId="{85F99B59-DD31-4F64-B334-369C99EE9B09}">
+      <dgm:prSet/>
+      <dgm:spPr/>
+      <dgm:t>
+        <a:bodyPr/>
+        <a:lstStyle/>
+        <a:p>
+          <a:endParaRPr lang="en-US"/>
+        </a:p>
+      </dgm:t>
+    </dgm:pt>
+    <dgm:pt modelId="{2B31F997-B2F4-4A7D-986A-11488B0DD155}">
+      <dgm:prSet/>
+      <dgm:spPr/>
+      <dgm:t>
+        <a:bodyPr/>
+        <a:lstStyle/>
+        <a:p>
+          <a:r>
+            <a:rPr lang="en-US" dirty="0"/>
+            <a:t>Unspecified bit rate (UBR) alebo Available bit rate (ABR)</a:t>
+          </a:r>
+        </a:p>
+      </dgm:t>
+    </dgm:pt>
+    <dgm:pt modelId="{2F658F19-B43C-4E6D-A46B-E21C2FE9074B}" type="parTrans" cxnId="{F8BAC669-CE61-44D5-BF58-DA5B2FA91191}">
+      <dgm:prSet/>
+      <dgm:spPr/>
+      <dgm:t>
+        <a:bodyPr/>
+        <a:lstStyle/>
+        <a:p>
+          <a:endParaRPr lang="en-US"/>
+        </a:p>
+      </dgm:t>
+    </dgm:pt>
+    <dgm:pt modelId="{31EBA4DE-E104-44F5-879B-4F3A007CFB79}" type="sibTrans" cxnId="{F8BAC669-CE61-44D5-BF58-DA5B2FA91191}">
+      <dgm:prSet/>
+      <dgm:spPr/>
+      <dgm:t>
+        <a:bodyPr/>
+        <a:lstStyle/>
+        <a:p>
+          <a:endParaRPr lang="en-US"/>
+        </a:p>
+      </dgm:t>
+    </dgm:pt>
+    <dgm:pt modelId="{5511BE07-7DE5-4793-8F9A-0A7F45BCF85E}" type="pres">
+      <dgm:prSet presAssocID="{4AF8DB8F-0585-470B-805E-2DE1851124BA}" presName="vert0" presStyleCnt="0">
+        <dgm:presLayoutVars>
+          <dgm:dir/>
+          <dgm:animOne val="branch"/>
+          <dgm:animLvl val="lvl"/>
+        </dgm:presLayoutVars>
+      </dgm:prSet>
+      <dgm:spPr/>
+    </dgm:pt>
+    <dgm:pt modelId="{BFEF3873-DE5A-47F6-85F5-4BAEA70AB3D3}" type="pres">
+      <dgm:prSet presAssocID="{553AA338-73E7-4FFF-9525-76A8E1CAD171}" presName="thickLine" presStyleLbl="alignNode1" presStyleIdx="0" presStyleCnt="4"/>
+      <dgm:spPr/>
+    </dgm:pt>
+    <dgm:pt modelId="{2F46DCE4-643F-4E4E-B598-CF25E94DE2DD}" type="pres">
+      <dgm:prSet presAssocID="{553AA338-73E7-4FFF-9525-76A8E1CAD171}" presName="horz1" presStyleCnt="0"/>
+      <dgm:spPr/>
+    </dgm:pt>
+    <dgm:pt modelId="{3AD7A471-B75F-40B4-A3ED-5326C5E068A4}" type="pres">
+      <dgm:prSet presAssocID="{553AA338-73E7-4FFF-9525-76A8E1CAD171}" presName="tx1" presStyleLbl="revTx" presStyleIdx="0" presStyleCnt="4"/>
+      <dgm:spPr/>
+    </dgm:pt>
+    <dgm:pt modelId="{8E29C7DC-88FE-4301-B2CF-5D6DCD8D4371}" type="pres">
+      <dgm:prSet presAssocID="{553AA338-73E7-4FFF-9525-76A8E1CAD171}" presName="vert1" presStyleCnt="0"/>
+      <dgm:spPr/>
+    </dgm:pt>
+    <dgm:pt modelId="{34BE8415-C41F-4DCB-AD0E-28FD24A56BFA}" type="pres">
+      <dgm:prSet presAssocID="{CD538EA9-D394-4882-B3F1-287AD5FFD126}" presName="thickLine" presStyleLbl="alignNode1" presStyleIdx="1" presStyleCnt="4"/>
+      <dgm:spPr/>
+    </dgm:pt>
+    <dgm:pt modelId="{565138B8-F816-499D-ABC7-61147136DBE9}" type="pres">
+      <dgm:prSet presAssocID="{CD538EA9-D394-4882-B3F1-287AD5FFD126}" presName="horz1" presStyleCnt="0"/>
+      <dgm:spPr/>
+    </dgm:pt>
+    <dgm:pt modelId="{32C98E83-B95B-45F1-B9EA-AF14C66125D1}" type="pres">
+      <dgm:prSet presAssocID="{CD538EA9-D394-4882-B3F1-287AD5FFD126}" presName="tx1" presStyleLbl="revTx" presStyleIdx="1" presStyleCnt="4"/>
+      <dgm:spPr/>
+    </dgm:pt>
+    <dgm:pt modelId="{0F59BA00-8481-49B9-8DD3-44276E147BE0}" type="pres">
+      <dgm:prSet presAssocID="{CD538EA9-D394-4882-B3F1-287AD5FFD126}" presName="vert1" presStyleCnt="0"/>
+      <dgm:spPr/>
+    </dgm:pt>
+    <dgm:pt modelId="{939ED899-3CAC-4855-B010-FACC2F12BC22}" type="pres">
+      <dgm:prSet presAssocID="{57CE525E-D65D-4996-8B3C-2F38A05F44F0}" presName="thickLine" presStyleLbl="alignNode1" presStyleIdx="2" presStyleCnt="4"/>
+      <dgm:spPr/>
+    </dgm:pt>
+    <dgm:pt modelId="{7CAC1A98-CC60-442F-BF54-39644FAC6CC3}" type="pres">
+      <dgm:prSet presAssocID="{57CE525E-D65D-4996-8B3C-2F38A05F44F0}" presName="horz1" presStyleCnt="0"/>
+      <dgm:spPr/>
+    </dgm:pt>
+    <dgm:pt modelId="{5F2341C0-CF16-4FB9-89FD-47FC9E074C5E}" type="pres">
+      <dgm:prSet presAssocID="{57CE525E-D65D-4996-8B3C-2F38A05F44F0}" presName="tx1" presStyleLbl="revTx" presStyleIdx="2" presStyleCnt="4"/>
+      <dgm:spPr/>
+    </dgm:pt>
+    <dgm:pt modelId="{4C37BFFE-254A-4F7C-9966-06AD51D64490}" type="pres">
+      <dgm:prSet presAssocID="{57CE525E-D65D-4996-8B3C-2F38A05F44F0}" presName="vert1" presStyleCnt="0"/>
+      <dgm:spPr/>
+    </dgm:pt>
+    <dgm:pt modelId="{680131EB-448E-43A1-9834-F72C891879A4}" type="pres">
+      <dgm:prSet presAssocID="{2B31F997-B2F4-4A7D-986A-11488B0DD155}" presName="thickLine" presStyleLbl="alignNode1" presStyleIdx="3" presStyleCnt="4"/>
+      <dgm:spPr/>
+    </dgm:pt>
+    <dgm:pt modelId="{E36FA8A7-983E-4109-BAD3-6B74A572F168}" type="pres">
+      <dgm:prSet presAssocID="{2B31F997-B2F4-4A7D-986A-11488B0DD155}" presName="horz1" presStyleCnt="0"/>
+      <dgm:spPr/>
+    </dgm:pt>
+    <dgm:pt modelId="{F2A2D04F-BD20-410C-866D-9549921A5CC0}" type="pres">
+      <dgm:prSet presAssocID="{2B31F997-B2F4-4A7D-986A-11488B0DD155}" presName="tx1" presStyleLbl="revTx" presStyleIdx="3" presStyleCnt="4"/>
+      <dgm:spPr/>
+    </dgm:pt>
+    <dgm:pt modelId="{17B44F41-DD62-442C-BA37-97D5D8E31F99}" type="pres">
+      <dgm:prSet presAssocID="{2B31F997-B2F4-4A7D-986A-11488B0DD155}" presName="vert1" presStyleCnt="0"/>
+      <dgm:spPr/>
+    </dgm:pt>
+  </dgm:ptLst>
+  <dgm:cxnLst>
+    <dgm:cxn modelId="{19ED2A30-BBD5-46B2-8482-36813FBC9769}" type="presOf" srcId="{553AA338-73E7-4FFF-9525-76A8E1CAD171}" destId="{3AD7A471-B75F-40B4-A3ED-5326C5E068A4}" srcOrd="0" destOrd="0" presId="urn:microsoft.com/office/officeart/2008/layout/LinedList"/>
+    <dgm:cxn modelId="{F8BAC669-CE61-44D5-BF58-DA5B2FA91191}" srcId="{4AF8DB8F-0585-470B-805E-2DE1851124BA}" destId="{2B31F997-B2F4-4A7D-986A-11488B0DD155}" srcOrd="3" destOrd="0" parTransId="{2F658F19-B43C-4E6D-A46B-E21C2FE9074B}" sibTransId="{31EBA4DE-E104-44F5-879B-4F3A007CFB79}"/>
+    <dgm:cxn modelId="{CF74D657-1A89-4715-BC5D-47DAC4B8927B}" srcId="{4AF8DB8F-0585-470B-805E-2DE1851124BA}" destId="{553AA338-73E7-4FFF-9525-76A8E1CAD171}" srcOrd="0" destOrd="0" parTransId="{698A351A-387E-48B4-81DB-A11EA891FC5C}" sibTransId="{5552F5E7-B4F2-4060-B48B-615AA6D53EFC}"/>
+    <dgm:cxn modelId="{85F99B59-DD31-4F64-B334-369C99EE9B09}" srcId="{4AF8DB8F-0585-470B-805E-2DE1851124BA}" destId="{57CE525E-D65D-4996-8B3C-2F38A05F44F0}" srcOrd="2" destOrd="0" parTransId="{6F99648C-3A2D-4771-BFF7-DEB063482EAA}" sibTransId="{965FC65E-C6E7-4A57-AF6F-27C86645A0F0}"/>
+    <dgm:cxn modelId="{225BBB7F-7350-4B30-B3C0-CD142F1ECBED}" srcId="{4AF8DB8F-0585-470B-805E-2DE1851124BA}" destId="{CD538EA9-D394-4882-B3F1-287AD5FFD126}" srcOrd="1" destOrd="0" parTransId="{458A113F-F8E4-484A-AF29-54C9ACC746FF}" sibTransId="{DCACAAD9-67AE-42C7-AF87-3B2923077C3A}"/>
+    <dgm:cxn modelId="{D2B6EEBA-B60A-4DCE-B2B6-E03A0C68D443}" type="presOf" srcId="{CD538EA9-D394-4882-B3F1-287AD5FFD126}" destId="{32C98E83-B95B-45F1-B9EA-AF14C66125D1}" srcOrd="0" destOrd="0" presId="urn:microsoft.com/office/officeart/2008/layout/LinedList"/>
+    <dgm:cxn modelId="{809095D3-460F-4FD3-97B6-0928EFFAD39C}" type="presOf" srcId="{4AF8DB8F-0585-470B-805E-2DE1851124BA}" destId="{5511BE07-7DE5-4793-8F9A-0A7F45BCF85E}" srcOrd="0" destOrd="0" presId="urn:microsoft.com/office/officeart/2008/layout/LinedList"/>
+    <dgm:cxn modelId="{B4AD07ED-F4B0-4B48-840D-36B101DB84EC}" type="presOf" srcId="{2B31F997-B2F4-4A7D-986A-11488B0DD155}" destId="{F2A2D04F-BD20-410C-866D-9549921A5CC0}" srcOrd="0" destOrd="0" presId="urn:microsoft.com/office/officeart/2008/layout/LinedList"/>
+    <dgm:cxn modelId="{A37CEBF8-BF0A-4085-B4EA-9CDF504830D2}" type="presOf" srcId="{57CE525E-D65D-4996-8B3C-2F38A05F44F0}" destId="{5F2341C0-CF16-4FB9-89FD-47FC9E074C5E}" srcOrd="0" destOrd="0" presId="urn:microsoft.com/office/officeart/2008/layout/LinedList"/>
+    <dgm:cxn modelId="{2DF78E96-4E0E-4C90-A7C8-704845EF3B9B}" type="presParOf" srcId="{5511BE07-7DE5-4793-8F9A-0A7F45BCF85E}" destId="{BFEF3873-DE5A-47F6-85F5-4BAEA70AB3D3}" srcOrd="0" destOrd="0" presId="urn:microsoft.com/office/officeart/2008/layout/LinedList"/>
+    <dgm:cxn modelId="{9966E17E-D603-42EF-83DC-A76A34244805}" type="presParOf" srcId="{5511BE07-7DE5-4793-8F9A-0A7F45BCF85E}" destId="{2F46DCE4-643F-4E4E-B598-CF25E94DE2DD}" srcOrd="1" destOrd="0" presId="urn:microsoft.com/office/officeart/2008/layout/LinedList"/>
+    <dgm:cxn modelId="{400BFB2F-C807-40EF-BC55-6782FDA31B3D}" type="presParOf" srcId="{2F46DCE4-643F-4E4E-B598-CF25E94DE2DD}" destId="{3AD7A471-B75F-40B4-A3ED-5326C5E068A4}" srcOrd="0" destOrd="0" presId="urn:microsoft.com/office/officeart/2008/layout/LinedList"/>
+    <dgm:cxn modelId="{E2BB3CAA-24E3-48DD-90C6-0A93B8886317}" type="presParOf" srcId="{2F46DCE4-643F-4E4E-B598-CF25E94DE2DD}" destId="{8E29C7DC-88FE-4301-B2CF-5D6DCD8D4371}" srcOrd="1" destOrd="0" presId="urn:microsoft.com/office/officeart/2008/layout/LinedList"/>
+    <dgm:cxn modelId="{749ABCE0-2CBB-4F5B-8117-D96C7E66536E}" type="presParOf" srcId="{5511BE07-7DE5-4793-8F9A-0A7F45BCF85E}" destId="{34BE8415-C41F-4DCB-AD0E-28FD24A56BFA}" srcOrd="2" destOrd="0" presId="urn:microsoft.com/office/officeart/2008/layout/LinedList"/>
+    <dgm:cxn modelId="{DF337282-17BB-4B88-B530-90243FB392C8}" type="presParOf" srcId="{5511BE07-7DE5-4793-8F9A-0A7F45BCF85E}" destId="{565138B8-F816-499D-ABC7-61147136DBE9}" srcOrd="3" destOrd="0" presId="urn:microsoft.com/office/officeart/2008/layout/LinedList"/>
+    <dgm:cxn modelId="{6481E2FE-959B-4354-A59E-A50EBFE108F3}" type="presParOf" srcId="{565138B8-F816-499D-ABC7-61147136DBE9}" destId="{32C98E83-B95B-45F1-B9EA-AF14C66125D1}" srcOrd="0" destOrd="0" presId="urn:microsoft.com/office/officeart/2008/layout/LinedList"/>
+    <dgm:cxn modelId="{CC4EA4C4-9FDD-4F17-AAA9-9A791C26E873}" type="presParOf" srcId="{565138B8-F816-499D-ABC7-61147136DBE9}" destId="{0F59BA00-8481-49B9-8DD3-44276E147BE0}" srcOrd="1" destOrd="0" presId="urn:microsoft.com/office/officeart/2008/layout/LinedList"/>
+    <dgm:cxn modelId="{B7A27A49-B7DC-4182-9D94-B433AC72019A}" type="presParOf" srcId="{5511BE07-7DE5-4793-8F9A-0A7F45BCF85E}" destId="{939ED899-3CAC-4855-B010-FACC2F12BC22}" srcOrd="4" destOrd="0" presId="urn:microsoft.com/office/officeart/2008/layout/LinedList"/>
+    <dgm:cxn modelId="{9B2BBEFC-373C-4E4F-AC4F-73C16A927C13}" type="presParOf" srcId="{5511BE07-7DE5-4793-8F9A-0A7F45BCF85E}" destId="{7CAC1A98-CC60-442F-BF54-39644FAC6CC3}" srcOrd="5" destOrd="0" presId="urn:microsoft.com/office/officeart/2008/layout/LinedList"/>
+    <dgm:cxn modelId="{20AB5EFE-8B1F-4C1A-8AA4-9E397A99808A}" type="presParOf" srcId="{7CAC1A98-CC60-442F-BF54-39644FAC6CC3}" destId="{5F2341C0-CF16-4FB9-89FD-47FC9E074C5E}" srcOrd="0" destOrd="0" presId="urn:microsoft.com/office/officeart/2008/layout/LinedList"/>
+    <dgm:cxn modelId="{FC355558-2953-4DC0-8169-FA5425B4D353}" type="presParOf" srcId="{7CAC1A98-CC60-442F-BF54-39644FAC6CC3}" destId="{4C37BFFE-254A-4F7C-9966-06AD51D64490}" srcOrd="1" destOrd="0" presId="urn:microsoft.com/office/officeart/2008/layout/LinedList"/>
+    <dgm:cxn modelId="{422D045C-0F33-4C8B-8DA4-92436E9B50D5}" type="presParOf" srcId="{5511BE07-7DE5-4793-8F9A-0A7F45BCF85E}" destId="{680131EB-448E-43A1-9834-F72C891879A4}" srcOrd="6" destOrd="0" presId="urn:microsoft.com/office/officeart/2008/layout/LinedList"/>
+    <dgm:cxn modelId="{B43721C3-6E08-468E-84ED-1CE27F2EE9C0}" type="presParOf" srcId="{5511BE07-7DE5-4793-8F9A-0A7F45BCF85E}" destId="{E36FA8A7-983E-4109-BAD3-6B74A572F168}" srcOrd="7" destOrd="0" presId="urn:microsoft.com/office/officeart/2008/layout/LinedList"/>
+    <dgm:cxn modelId="{ABB17C0D-BD51-4379-841F-6B6F1A8F4CEE}" type="presParOf" srcId="{E36FA8A7-983E-4109-BAD3-6B74A572F168}" destId="{F2A2D04F-BD20-410C-866D-9549921A5CC0}" srcOrd="0" destOrd="0" presId="urn:microsoft.com/office/officeart/2008/layout/LinedList"/>
+    <dgm:cxn modelId="{C2768A33-E548-41F3-A6E8-4971B242F67F}" type="presParOf" srcId="{E36FA8A7-983E-4109-BAD3-6B74A572F168}" destId="{17B44F41-DD62-442C-BA37-97D5D8E31F99}" srcOrd="1" destOrd="0" presId="urn:microsoft.com/office/officeart/2008/layout/LinedList"/>
   </dgm:cxnLst>
   <dgm:bg/>
   <dgm:whole/>
@@ -4761,490 +4737,6 @@
 </file>
 
 <file path=ppt/diagrams/drawing2.xml><?xml version="1.0" encoding="utf-8"?>
-<dsp:drawing xmlns:dgm="http://schemas.openxmlformats.org/drawingml/2006/diagram" xmlns:dsp="http://schemas.microsoft.com/office/drawing/2008/diagram" xmlns:a="http://schemas.openxmlformats.org/drawingml/2006/main">
-  <dsp:spTree>
-    <dsp:nvGrpSpPr>
-      <dsp:cNvPr id="0" name=""/>
-      <dsp:cNvGrpSpPr/>
-    </dsp:nvGrpSpPr>
-    <dsp:grpSpPr/>
-    <dsp:sp modelId="{BFEF3873-DE5A-47F6-85F5-4BAEA70AB3D3}">
-      <dsp:nvSpPr>
-        <dsp:cNvPr id="0" name=""/>
-        <dsp:cNvSpPr/>
-      </dsp:nvSpPr>
-      <dsp:spPr>
-        <a:xfrm>
-          <a:off x="0" y="0"/>
-          <a:ext cx="3455097" cy="0"/>
-        </a:xfrm>
-        <a:prstGeom prst="line">
-          <a:avLst/>
-        </a:prstGeom>
-        <a:solidFill>
-          <a:schemeClr val="accent1">
-            <a:hueOff val="0"/>
-            <a:satOff val="0"/>
-            <a:lumOff val="0"/>
-            <a:alphaOff val="0"/>
-          </a:schemeClr>
-        </a:solidFill>
-        <a:ln w="19050" cap="flat" cmpd="sng" algn="ctr">
-          <a:solidFill>
-            <a:schemeClr val="accent1">
-              <a:hueOff val="0"/>
-              <a:satOff val="0"/>
-              <a:lumOff val="0"/>
-              <a:alphaOff val="0"/>
-            </a:schemeClr>
-          </a:solidFill>
-          <a:prstDash val="solid"/>
-          <a:miter lim="800000"/>
-        </a:ln>
-        <a:effectLst/>
-      </dsp:spPr>
-      <dsp:style>
-        <a:lnRef idx="2">
-          <a:scrgbClr r="0" g="0" b="0"/>
-        </a:lnRef>
-        <a:fillRef idx="1">
-          <a:scrgbClr r="0" g="0" b="0"/>
-        </a:fillRef>
-        <a:effectRef idx="1">
-          <a:scrgbClr r="0" g="0" b="0"/>
-        </a:effectRef>
-        <a:fontRef idx="minor">
-          <a:schemeClr val="lt1"/>
-        </a:fontRef>
-      </dsp:style>
-    </dsp:sp>
-    <dsp:sp modelId="{3AD7A471-B75F-40B4-A3ED-5326C5E068A4}">
-      <dsp:nvSpPr>
-        <dsp:cNvPr id="0" name=""/>
-        <dsp:cNvSpPr/>
-      </dsp:nvSpPr>
-      <dsp:spPr>
-        <a:xfrm>
-          <a:off x="0" y="0"/>
-          <a:ext cx="3455097" cy="989837"/>
-        </a:xfrm>
-        <a:prstGeom prst="rect">
-          <a:avLst/>
-        </a:prstGeom>
-        <a:noFill/>
-        <a:ln>
-          <a:noFill/>
-        </a:ln>
-        <a:effectLst/>
-      </dsp:spPr>
-      <dsp:style>
-        <a:lnRef idx="0">
-          <a:scrgbClr r="0" g="0" b="0"/>
-        </a:lnRef>
-        <a:fillRef idx="0">
-          <a:scrgbClr r="0" g="0" b="0"/>
-        </a:fillRef>
-        <a:effectRef idx="0">
-          <a:scrgbClr r="0" g="0" b="0"/>
-        </a:effectRef>
-        <a:fontRef idx="minor"/>
-      </dsp:style>
-      <dsp:txBody>
-        <a:bodyPr spcFirstLastPara="0" vert="horz" wrap="square" lIns="76200" tIns="76200" rIns="76200" bIns="76200" numCol="1" spcCol="1270" anchor="t" anchorCtr="0">
-          <a:noAutofit/>
-        </a:bodyPr>
-        <a:lstStyle/>
-        <a:p>
-          <a:pPr marL="0" lvl="0" indent="0" algn="l" defTabSz="889000">
-            <a:lnSpc>
-              <a:spcPct val="90000"/>
-            </a:lnSpc>
-            <a:spcBef>
-              <a:spcPct val="0"/>
-            </a:spcBef>
-            <a:spcAft>
-              <a:spcPct val="35000"/>
-            </a:spcAft>
-            <a:buNone/>
-          </a:pPr>
-          <a:r>
-            <a:rPr lang="en-US" sz="2000" kern="1200" dirty="0"/>
-            <a:t>Kon</a:t>
-          </a:r>
-          <a:r>
-            <a:rPr lang="sk-SK" sz="2000" kern="1200" dirty="0"/>
-            <a:t>š</a:t>
-          </a:r>
-          <a:r>
-            <a:rPr lang="en-US" sz="2000" kern="1200" dirty="0"/>
-            <a:t>tantn</a:t>
-          </a:r>
-          <a:r>
-            <a:rPr lang="sk-SK" sz="2000" kern="1200" dirty="0"/>
-            <a:t>ý</a:t>
-          </a:r>
-          <a:r>
-            <a:rPr lang="en-US" sz="2000" kern="1200" dirty="0"/>
-            <a:t> bit rate (CBR)</a:t>
-          </a:r>
-        </a:p>
-      </dsp:txBody>
-      <dsp:txXfrm>
-        <a:off x="0" y="0"/>
-        <a:ext cx="3455097" cy="989837"/>
-      </dsp:txXfrm>
-    </dsp:sp>
-    <dsp:sp modelId="{34BE8415-C41F-4DCB-AD0E-28FD24A56BFA}">
-      <dsp:nvSpPr>
-        <dsp:cNvPr id="0" name=""/>
-        <dsp:cNvSpPr/>
-      </dsp:nvSpPr>
-      <dsp:spPr>
-        <a:xfrm>
-          <a:off x="0" y="989837"/>
-          <a:ext cx="3455097" cy="0"/>
-        </a:xfrm>
-        <a:prstGeom prst="line">
-          <a:avLst/>
-        </a:prstGeom>
-        <a:solidFill>
-          <a:schemeClr val="accent1">
-            <a:hueOff val="0"/>
-            <a:satOff val="0"/>
-            <a:lumOff val="0"/>
-            <a:alphaOff val="0"/>
-          </a:schemeClr>
-        </a:solidFill>
-        <a:ln w="19050" cap="flat" cmpd="sng" algn="ctr">
-          <a:solidFill>
-            <a:schemeClr val="accent1">
-              <a:hueOff val="0"/>
-              <a:satOff val="0"/>
-              <a:lumOff val="0"/>
-              <a:alphaOff val="0"/>
-            </a:schemeClr>
-          </a:solidFill>
-          <a:prstDash val="solid"/>
-          <a:miter lim="800000"/>
-        </a:ln>
-        <a:effectLst/>
-      </dsp:spPr>
-      <dsp:style>
-        <a:lnRef idx="2">
-          <a:scrgbClr r="0" g="0" b="0"/>
-        </a:lnRef>
-        <a:fillRef idx="1">
-          <a:scrgbClr r="0" g="0" b="0"/>
-        </a:fillRef>
-        <a:effectRef idx="1">
-          <a:scrgbClr r="0" g="0" b="0"/>
-        </a:effectRef>
-        <a:fontRef idx="minor">
-          <a:schemeClr val="lt1"/>
-        </a:fontRef>
-      </dsp:style>
-    </dsp:sp>
-    <dsp:sp modelId="{32C98E83-B95B-45F1-B9EA-AF14C66125D1}">
-      <dsp:nvSpPr>
-        <dsp:cNvPr id="0" name=""/>
-        <dsp:cNvSpPr/>
-      </dsp:nvSpPr>
-      <dsp:spPr>
-        <a:xfrm>
-          <a:off x="0" y="989837"/>
-          <a:ext cx="3455097" cy="989837"/>
-        </a:xfrm>
-        <a:prstGeom prst="rect">
-          <a:avLst/>
-        </a:prstGeom>
-        <a:noFill/>
-        <a:ln>
-          <a:noFill/>
-        </a:ln>
-        <a:effectLst/>
-      </dsp:spPr>
-      <dsp:style>
-        <a:lnRef idx="0">
-          <a:scrgbClr r="0" g="0" b="0"/>
-        </a:lnRef>
-        <a:fillRef idx="0">
-          <a:scrgbClr r="0" g="0" b="0"/>
-        </a:fillRef>
-        <a:effectRef idx="0">
-          <a:scrgbClr r="0" g="0" b="0"/>
-        </a:effectRef>
-        <a:fontRef idx="minor"/>
-      </dsp:style>
-      <dsp:txBody>
-        <a:bodyPr spcFirstLastPara="0" vert="horz" wrap="square" lIns="76200" tIns="76200" rIns="76200" bIns="76200" numCol="1" spcCol="1270" anchor="t" anchorCtr="0">
-          <a:noAutofit/>
-        </a:bodyPr>
-        <a:lstStyle/>
-        <a:p>
-          <a:pPr marL="0" lvl="0" indent="0" algn="l" defTabSz="889000">
-            <a:lnSpc>
-              <a:spcPct val="90000"/>
-            </a:lnSpc>
-            <a:spcBef>
-              <a:spcPct val="0"/>
-            </a:spcBef>
-            <a:spcAft>
-              <a:spcPct val="35000"/>
-            </a:spcAft>
-            <a:buNone/>
-          </a:pPr>
-          <a:r>
-            <a:rPr lang="en-US" sz="2000" kern="1200" dirty="0"/>
-            <a:t>Variabiln</a:t>
-          </a:r>
-          <a:r>
-            <a:rPr lang="sk-SK" sz="2000" kern="1200" dirty="0"/>
-            <a:t>ý</a:t>
-          </a:r>
-          <a:r>
-            <a:rPr lang="en-US" sz="2000" kern="1200" dirty="0"/>
-            <a:t> bit rate/Realtime (VBR-RT)</a:t>
-          </a:r>
-        </a:p>
-      </dsp:txBody>
-      <dsp:txXfrm>
-        <a:off x="0" y="989837"/>
-        <a:ext cx="3455097" cy="989837"/>
-      </dsp:txXfrm>
-    </dsp:sp>
-    <dsp:sp modelId="{939ED899-3CAC-4855-B010-FACC2F12BC22}">
-      <dsp:nvSpPr>
-        <dsp:cNvPr id="0" name=""/>
-        <dsp:cNvSpPr/>
-      </dsp:nvSpPr>
-      <dsp:spPr>
-        <a:xfrm>
-          <a:off x="0" y="1979675"/>
-          <a:ext cx="3455097" cy="0"/>
-        </a:xfrm>
-        <a:prstGeom prst="line">
-          <a:avLst/>
-        </a:prstGeom>
-        <a:solidFill>
-          <a:schemeClr val="accent1">
-            <a:hueOff val="0"/>
-            <a:satOff val="0"/>
-            <a:lumOff val="0"/>
-            <a:alphaOff val="0"/>
-          </a:schemeClr>
-        </a:solidFill>
-        <a:ln w="19050" cap="flat" cmpd="sng" algn="ctr">
-          <a:solidFill>
-            <a:schemeClr val="accent1">
-              <a:hueOff val="0"/>
-              <a:satOff val="0"/>
-              <a:lumOff val="0"/>
-              <a:alphaOff val="0"/>
-            </a:schemeClr>
-          </a:solidFill>
-          <a:prstDash val="solid"/>
-          <a:miter lim="800000"/>
-        </a:ln>
-        <a:effectLst/>
-      </dsp:spPr>
-      <dsp:style>
-        <a:lnRef idx="2">
-          <a:scrgbClr r="0" g="0" b="0"/>
-        </a:lnRef>
-        <a:fillRef idx="1">
-          <a:scrgbClr r="0" g="0" b="0"/>
-        </a:fillRef>
-        <a:effectRef idx="1">
-          <a:scrgbClr r="0" g="0" b="0"/>
-        </a:effectRef>
-        <a:fontRef idx="minor">
-          <a:schemeClr val="lt1"/>
-        </a:fontRef>
-      </dsp:style>
-    </dsp:sp>
-    <dsp:sp modelId="{5F2341C0-CF16-4FB9-89FD-47FC9E074C5E}">
-      <dsp:nvSpPr>
-        <dsp:cNvPr id="0" name=""/>
-        <dsp:cNvSpPr/>
-      </dsp:nvSpPr>
-      <dsp:spPr>
-        <a:xfrm>
-          <a:off x="0" y="1979675"/>
-          <a:ext cx="3455097" cy="989837"/>
-        </a:xfrm>
-        <a:prstGeom prst="rect">
-          <a:avLst/>
-        </a:prstGeom>
-        <a:noFill/>
-        <a:ln>
-          <a:noFill/>
-        </a:ln>
-        <a:effectLst/>
-      </dsp:spPr>
-      <dsp:style>
-        <a:lnRef idx="0">
-          <a:scrgbClr r="0" g="0" b="0"/>
-        </a:lnRef>
-        <a:fillRef idx="0">
-          <a:scrgbClr r="0" g="0" b="0"/>
-        </a:fillRef>
-        <a:effectRef idx="0">
-          <a:scrgbClr r="0" g="0" b="0"/>
-        </a:effectRef>
-        <a:fontRef idx="minor"/>
-      </dsp:style>
-      <dsp:txBody>
-        <a:bodyPr spcFirstLastPara="0" vert="horz" wrap="square" lIns="76200" tIns="76200" rIns="76200" bIns="76200" numCol="1" spcCol="1270" anchor="t" anchorCtr="0">
-          <a:noAutofit/>
-        </a:bodyPr>
-        <a:lstStyle/>
-        <a:p>
-          <a:pPr marL="0" lvl="0" indent="0" algn="l" defTabSz="889000">
-            <a:lnSpc>
-              <a:spcPct val="90000"/>
-            </a:lnSpc>
-            <a:spcBef>
-              <a:spcPct val="0"/>
-            </a:spcBef>
-            <a:spcAft>
-              <a:spcPct val="35000"/>
-            </a:spcAft>
-            <a:buNone/>
-          </a:pPr>
-          <a:r>
-            <a:rPr lang="en-US" sz="2000" kern="1200" dirty="0"/>
-            <a:t>Variabiln</a:t>
-          </a:r>
-          <a:r>
-            <a:rPr lang="sk-SK" sz="2000" kern="1200" dirty="0"/>
-            <a:t>ý</a:t>
-          </a:r>
-          <a:r>
-            <a:rPr lang="en-US" sz="2000" kern="1200" dirty="0"/>
-            <a:t> bit rate/Non-Realtime (VBR-NRT)</a:t>
-          </a:r>
-        </a:p>
-      </dsp:txBody>
-      <dsp:txXfrm>
-        <a:off x="0" y="1979675"/>
-        <a:ext cx="3455097" cy="989837"/>
-      </dsp:txXfrm>
-    </dsp:sp>
-    <dsp:sp modelId="{680131EB-448E-43A1-9834-F72C891879A4}">
-      <dsp:nvSpPr>
-        <dsp:cNvPr id="0" name=""/>
-        <dsp:cNvSpPr/>
-      </dsp:nvSpPr>
-      <dsp:spPr>
-        <a:xfrm>
-          <a:off x="0" y="2969513"/>
-          <a:ext cx="3455097" cy="0"/>
-        </a:xfrm>
-        <a:prstGeom prst="line">
-          <a:avLst/>
-        </a:prstGeom>
-        <a:solidFill>
-          <a:schemeClr val="accent1">
-            <a:hueOff val="0"/>
-            <a:satOff val="0"/>
-            <a:lumOff val="0"/>
-            <a:alphaOff val="0"/>
-          </a:schemeClr>
-        </a:solidFill>
-        <a:ln w="19050" cap="flat" cmpd="sng" algn="ctr">
-          <a:solidFill>
-            <a:schemeClr val="accent1">
-              <a:hueOff val="0"/>
-              <a:satOff val="0"/>
-              <a:lumOff val="0"/>
-              <a:alphaOff val="0"/>
-            </a:schemeClr>
-          </a:solidFill>
-          <a:prstDash val="solid"/>
-          <a:miter lim="800000"/>
-        </a:ln>
-        <a:effectLst/>
-      </dsp:spPr>
-      <dsp:style>
-        <a:lnRef idx="2">
-          <a:scrgbClr r="0" g="0" b="0"/>
-        </a:lnRef>
-        <a:fillRef idx="1">
-          <a:scrgbClr r="0" g="0" b="0"/>
-        </a:fillRef>
-        <a:effectRef idx="1">
-          <a:scrgbClr r="0" g="0" b="0"/>
-        </a:effectRef>
-        <a:fontRef idx="minor">
-          <a:schemeClr val="lt1"/>
-        </a:fontRef>
-      </dsp:style>
-    </dsp:sp>
-    <dsp:sp modelId="{F2A2D04F-BD20-410C-866D-9549921A5CC0}">
-      <dsp:nvSpPr>
-        <dsp:cNvPr id="0" name=""/>
-        <dsp:cNvSpPr/>
-      </dsp:nvSpPr>
-      <dsp:spPr>
-        <a:xfrm>
-          <a:off x="0" y="2969513"/>
-          <a:ext cx="3455097" cy="989837"/>
-        </a:xfrm>
-        <a:prstGeom prst="rect">
-          <a:avLst/>
-        </a:prstGeom>
-        <a:noFill/>
-        <a:ln>
-          <a:noFill/>
-        </a:ln>
-        <a:effectLst/>
-      </dsp:spPr>
-      <dsp:style>
-        <a:lnRef idx="0">
-          <a:scrgbClr r="0" g="0" b="0"/>
-        </a:lnRef>
-        <a:fillRef idx="0">
-          <a:scrgbClr r="0" g="0" b="0"/>
-        </a:fillRef>
-        <a:effectRef idx="0">
-          <a:scrgbClr r="0" g="0" b="0"/>
-        </a:effectRef>
-        <a:fontRef idx="minor"/>
-      </dsp:style>
-      <dsp:txBody>
-        <a:bodyPr spcFirstLastPara="0" vert="horz" wrap="square" lIns="76200" tIns="76200" rIns="76200" bIns="76200" numCol="1" spcCol="1270" anchor="t" anchorCtr="0">
-          <a:noAutofit/>
-        </a:bodyPr>
-        <a:lstStyle/>
-        <a:p>
-          <a:pPr marL="0" lvl="0" indent="0" algn="l" defTabSz="889000">
-            <a:lnSpc>
-              <a:spcPct val="90000"/>
-            </a:lnSpc>
-            <a:spcBef>
-              <a:spcPct val="0"/>
-            </a:spcBef>
-            <a:spcAft>
-              <a:spcPct val="35000"/>
-            </a:spcAft>
-            <a:buNone/>
-          </a:pPr>
-          <a:r>
-            <a:rPr lang="en-US" sz="2000" kern="1200" dirty="0"/>
-            <a:t>Unspecified bit rate (UBR) alebo Available bit rate (ABR)</a:t>
-          </a:r>
-        </a:p>
-      </dsp:txBody>
-      <dsp:txXfrm>
-        <a:off x="0" y="2969513"/>
-        <a:ext cx="3455097" cy="989837"/>
-      </dsp:txXfrm>
-    </dsp:sp>
-  </dsp:spTree>
-</dsp:drawing>
-</file>
-
-<file path=ppt/diagrams/drawing3.xml><?xml version="1.0" encoding="utf-8"?>
 <dsp:drawing xmlns:dgm="http://schemas.openxmlformats.org/drawingml/2006/diagram" xmlns:dsp="http://schemas.microsoft.com/office/drawing/2008/diagram" xmlns:a="http://schemas.openxmlformats.org/drawingml/2006/main">
   <dsp:spTree>
     <dsp:nvGrpSpPr>
@@ -5900,7 +5392,7 @@
 </dsp:drawing>
 </file>
 
-<file path=ppt/diagrams/drawing4.xml><?xml version="1.0" encoding="utf-8"?>
+<file path=ppt/diagrams/drawing3.xml><?xml version="1.0" encoding="utf-8"?>
 <dsp:drawing xmlns:dgm="http://schemas.openxmlformats.org/drawingml/2006/diagram" xmlns:dsp="http://schemas.microsoft.com/office/drawing/2008/diagram" xmlns:a="http://schemas.openxmlformats.org/drawingml/2006/main">
   <dsp:spTree>
     <dsp:nvGrpSpPr>
@@ -5915,8 +5407,8 @@
       </dsp:nvSpPr>
       <dsp:spPr>
         <a:xfrm>
-          <a:off x="0" y="2288"/>
-          <a:ext cx="6364224" cy="1159843"/>
+          <a:off x="0" y="53008"/>
+          <a:ext cx="6364224" cy="1058403"/>
         </a:xfrm>
         <a:prstGeom prst="roundRect">
           <a:avLst>
@@ -6074,8 +5566,8 @@
       </dsp:nvSpPr>
       <dsp:spPr>
         <a:xfrm>
-          <a:off x="0" y="1452092"/>
-          <a:ext cx="6364224" cy="1159843"/>
+          <a:off x="0" y="1502812"/>
+          <a:ext cx="6364224" cy="1058403"/>
         </a:xfrm>
         <a:prstGeom prst="roundRect">
           <a:avLst>
@@ -6216,15 +5708,7 @@
           </a:pPr>
           <a:r>
             <a:rPr lang="sk-SK" sz="2100" kern="1200" dirty="0"/>
-            <a:t>Dosiahnutie </a:t>
-          </a:r>
-          <a:r>
-            <a:rPr lang="sk-SK" sz="2100" kern="1200" dirty="0" err="1"/>
-            <a:t>QoS</a:t>
-          </a:r>
-          <a:r>
-            <a:rPr lang="sk-SK" sz="2100" kern="1200" dirty="0"/>
-            <a:t> má zložitý mechanizmus.</a:t>
+            <a:t>Dosiahnutie QoS má zložitý mechanizmus.</a:t>
           </a:r>
           <a:endParaRPr lang="en-US" sz="2100" kern="1200" dirty="0"/>
         </a:p>
@@ -6241,8 +5725,8 @@
       </dsp:nvSpPr>
       <dsp:spPr>
         <a:xfrm>
-          <a:off x="0" y="2901896"/>
-          <a:ext cx="6364224" cy="1159843"/>
+          <a:off x="0" y="2952616"/>
+          <a:ext cx="6364224" cy="1058403"/>
         </a:xfrm>
         <a:prstGeom prst="roundRect">
           <a:avLst>
@@ -6386,15 +5870,7 @@
           </a:pPr>
           <a:r>
             <a:rPr lang="sk-SK" sz="2100" kern="1200" dirty="0"/>
-            <a:t>Môže dôjsť k strate bunky v dôsledku </a:t>
-          </a:r>
-          <a:r>
-            <a:rPr lang="sk-SK" sz="2100" kern="1200" dirty="0" err="1"/>
-            <a:t>kongescie</a:t>
-          </a:r>
-          <a:r>
-            <a:rPr lang="sk-SK" sz="2100" kern="1200" dirty="0"/>
-            <a:t>.</a:t>
+            <a:t>Môže dôjsť k strate bunky v dôsledku kongescie.</a:t>
           </a:r>
           <a:endParaRPr lang="en-US" sz="2100" kern="1200" dirty="0"/>
         </a:p>
@@ -6411,8 +5887,8 @@
       </dsp:nvSpPr>
       <dsp:spPr>
         <a:xfrm>
-          <a:off x="0" y="4351700"/>
-          <a:ext cx="6364224" cy="1159843"/>
+          <a:off x="0" y="4402420"/>
+          <a:ext cx="6364224" cy="1058403"/>
         </a:xfrm>
         <a:prstGeom prst="roundRect">
           <a:avLst>
@@ -6553,15 +6029,7 @@
           </a:pPr>
           <a:r>
             <a:rPr lang="sk-SK" sz="2100" kern="1200" dirty="0"/>
-            <a:t>V porovnaní s hardvérom LAN sú </a:t>
-          </a:r>
-          <a:r>
-            <a:rPr lang="sk-SK" sz="2100" kern="1200" dirty="0" err="1"/>
-            <a:t>switche</a:t>
-          </a:r>
-          <a:r>
-            <a:rPr lang="sk-SK" sz="2100" kern="1200" dirty="0"/>
-            <a:t> ATM veľmi drahé.</a:t>
+            <a:t>V porovnaní s hardvérom LAN sú switche ATM veľmi drahé.</a:t>
           </a:r>
           <a:endParaRPr lang="en-US" sz="2100" kern="1200" dirty="0"/>
         </a:p>
@@ -6569,6 +6037,490 @@
       <dsp:txXfrm>
         <a:off x="1339618" y="4351700"/>
         <a:ext cx="5024605" cy="1159843"/>
+      </dsp:txXfrm>
+    </dsp:sp>
+  </dsp:spTree>
+</dsp:drawing>
+</file>
+
+<file path=ppt/diagrams/drawing4.xml><?xml version="1.0" encoding="utf-8"?>
+<dsp:drawing xmlns:dgm="http://schemas.openxmlformats.org/drawingml/2006/diagram" xmlns:dsp="http://schemas.microsoft.com/office/drawing/2008/diagram" xmlns:a="http://schemas.openxmlformats.org/drawingml/2006/main">
+  <dsp:spTree>
+    <dsp:nvGrpSpPr>
+      <dsp:cNvPr id="0" name=""/>
+      <dsp:cNvGrpSpPr/>
+    </dsp:nvGrpSpPr>
+    <dsp:grpSpPr/>
+    <dsp:sp modelId="{BFEF3873-DE5A-47F6-85F5-4BAEA70AB3D3}">
+      <dsp:nvSpPr>
+        <dsp:cNvPr id="0" name=""/>
+        <dsp:cNvSpPr/>
+      </dsp:nvSpPr>
+      <dsp:spPr>
+        <a:xfrm>
+          <a:off x="0" y="0"/>
+          <a:ext cx="3455097" cy="0"/>
+        </a:xfrm>
+        <a:prstGeom prst="line">
+          <a:avLst/>
+        </a:prstGeom>
+        <a:solidFill>
+          <a:schemeClr val="accent1">
+            <a:hueOff val="0"/>
+            <a:satOff val="0"/>
+            <a:lumOff val="0"/>
+            <a:alphaOff val="0"/>
+          </a:schemeClr>
+        </a:solidFill>
+        <a:ln w="19050" cap="flat" cmpd="sng" algn="ctr">
+          <a:solidFill>
+            <a:schemeClr val="accent1">
+              <a:hueOff val="0"/>
+              <a:satOff val="0"/>
+              <a:lumOff val="0"/>
+              <a:alphaOff val="0"/>
+            </a:schemeClr>
+          </a:solidFill>
+          <a:prstDash val="solid"/>
+          <a:miter lim="800000"/>
+        </a:ln>
+        <a:effectLst/>
+      </dsp:spPr>
+      <dsp:style>
+        <a:lnRef idx="2">
+          <a:scrgbClr r="0" g="0" b="0"/>
+        </a:lnRef>
+        <a:fillRef idx="1">
+          <a:scrgbClr r="0" g="0" b="0"/>
+        </a:fillRef>
+        <a:effectRef idx="1">
+          <a:scrgbClr r="0" g="0" b="0"/>
+        </a:effectRef>
+        <a:fontRef idx="minor">
+          <a:schemeClr val="lt1"/>
+        </a:fontRef>
+      </dsp:style>
+    </dsp:sp>
+    <dsp:sp modelId="{3AD7A471-B75F-40B4-A3ED-5326C5E068A4}">
+      <dsp:nvSpPr>
+        <dsp:cNvPr id="0" name=""/>
+        <dsp:cNvSpPr/>
+      </dsp:nvSpPr>
+      <dsp:spPr>
+        <a:xfrm>
+          <a:off x="0" y="0"/>
+          <a:ext cx="3455097" cy="989837"/>
+        </a:xfrm>
+        <a:prstGeom prst="rect">
+          <a:avLst/>
+        </a:prstGeom>
+        <a:noFill/>
+        <a:ln>
+          <a:noFill/>
+        </a:ln>
+        <a:effectLst/>
+      </dsp:spPr>
+      <dsp:style>
+        <a:lnRef idx="0">
+          <a:scrgbClr r="0" g="0" b="0"/>
+        </a:lnRef>
+        <a:fillRef idx="0">
+          <a:scrgbClr r="0" g="0" b="0"/>
+        </a:fillRef>
+        <a:effectRef idx="0">
+          <a:scrgbClr r="0" g="0" b="0"/>
+        </a:effectRef>
+        <a:fontRef idx="minor"/>
+      </dsp:style>
+      <dsp:txBody>
+        <a:bodyPr spcFirstLastPara="0" vert="horz" wrap="square" lIns="76200" tIns="76200" rIns="76200" bIns="76200" numCol="1" spcCol="1270" anchor="t" anchorCtr="0">
+          <a:noAutofit/>
+        </a:bodyPr>
+        <a:lstStyle/>
+        <a:p>
+          <a:pPr marL="0" lvl="0" indent="0" algn="l" defTabSz="889000">
+            <a:lnSpc>
+              <a:spcPct val="90000"/>
+            </a:lnSpc>
+            <a:spcBef>
+              <a:spcPct val="0"/>
+            </a:spcBef>
+            <a:spcAft>
+              <a:spcPct val="35000"/>
+            </a:spcAft>
+            <a:buNone/>
+          </a:pPr>
+          <a:r>
+            <a:rPr lang="en-US" sz="2000" kern="1200" dirty="0"/>
+            <a:t>Kon</a:t>
+          </a:r>
+          <a:r>
+            <a:rPr lang="sk-SK" sz="2000" kern="1200" dirty="0"/>
+            <a:t>š</a:t>
+          </a:r>
+          <a:r>
+            <a:rPr lang="en-US" sz="2000" kern="1200" dirty="0"/>
+            <a:t>tantn</a:t>
+          </a:r>
+          <a:r>
+            <a:rPr lang="sk-SK" sz="2000" kern="1200" dirty="0"/>
+            <a:t>ý</a:t>
+          </a:r>
+          <a:r>
+            <a:rPr lang="en-US" sz="2000" kern="1200" dirty="0"/>
+            <a:t> bit rate (CBR)</a:t>
+          </a:r>
+        </a:p>
+      </dsp:txBody>
+      <dsp:txXfrm>
+        <a:off x="0" y="0"/>
+        <a:ext cx="3455097" cy="989837"/>
+      </dsp:txXfrm>
+    </dsp:sp>
+    <dsp:sp modelId="{34BE8415-C41F-4DCB-AD0E-28FD24A56BFA}">
+      <dsp:nvSpPr>
+        <dsp:cNvPr id="0" name=""/>
+        <dsp:cNvSpPr/>
+      </dsp:nvSpPr>
+      <dsp:spPr>
+        <a:xfrm>
+          <a:off x="0" y="989837"/>
+          <a:ext cx="3455097" cy="0"/>
+        </a:xfrm>
+        <a:prstGeom prst="line">
+          <a:avLst/>
+        </a:prstGeom>
+        <a:solidFill>
+          <a:schemeClr val="accent1">
+            <a:hueOff val="0"/>
+            <a:satOff val="0"/>
+            <a:lumOff val="0"/>
+            <a:alphaOff val="0"/>
+          </a:schemeClr>
+        </a:solidFill>
+        <a:ln w="19050" cap="flat" cmpd="sng" algn="ctr">
+          <a:solidFill>
+            <a:schemeClr val="accent1">
+              <a:hueOff val="0"/>
+              <a:satOff val="0"/>
+              <a:lumOff val="0"/>
+              <a:alphaOff val="0"/>
+            </a:schemeClr>
+          </a:solidFill>
+          <a:prstDash val="solid"/>
+          <a:miter lim="800000"/>
+        </a:ln>
+        <a:effectLst/>
+      </dsp:spPr>
+      <dsp:style>
+        <a:lnRef idx="2">
+          <a:scrgbClr r="0" g="0" b="0"/>
+        </a:lnRef>
+        <a:fillRef idx="1">
+          <a:scrgbClr r="0" g="0" b="0"/>
+        </a:fillRef>
+        <a:effectRef idx="1">
+          <a:scrgbClr r="0" g="0" b="0"/>
+        </a:effectRef>
+        <a:fontRef idx="minor">
+          <a:schemeClr val="lt1"/>
+        </a:fontRef>
+      </dsp:style>
+    </dsp:sp>
+    <dsp:sp modelId="{32C98E83-B95B-45F1-B9EA-AF14C66125D1}">
+      <dsp:nvSpPr>
+        <dsp:cNvPr id="0" name=""/>
+        <dsp:cNvSpPr/>
+      </dsp:nvSpPr>
+      <dsp:spPr>
+        <a:xfrm>
+          <a:off x="0" y="989837"/>
+          <a:ext cx="3455097" cy="989837"/>
+        </a:xfrm>
+        <a:prstGeom prst="rect">
+          <a:avLst/>
+        </a:prstGeom>
+        <a:noFill/>
+        <a:ln>
+          <a:noFill/>
+        </a:ln>
+        <a:effectLst/>
+      </dsp:spPr>
+      <dsp:style>
+        <a:lnRef idx="0">
+          <a:scrgbClr r="0" g="0" b="0"/>
+        </a:lnRef>
+        <a:fillRef idx="0">
+          <a:scrgbClr r="0" g="0" b="0"/>
+        </a:fillRef>
+        <a:effectRef idx="0">
+          <a:scrgbClr r="0" g="0" b="0"/>
+        </a:effectRef>
+        <a:fontRef idx="minor"/>
+      </dsp:style>
+      <dsp:txBody>
+        <a:bodyPr spcFirstLastPara="0" vert="horz" wrap="square" lIns="76200" tIns="76200" rIns="76200" bIns="76200" numCol="1" spcCol="1270" anchor="t" anchorCtr="0">
+          <a:noAutofit/>
+        </a:bodyPr>
+        <a:lstStyle/>
+        <a:p>
+          <a:pPr marL="0" lvl="0" indent="0" algn="l" defTabSz="889000">
+            <a:lnSpc>
+              <a:spcPct val="90000"/>
+            </a:lnSpc>
+            <a:spcBef>
+              <a:spcPct val="0"/>
+            </a:spcBef>
+            <a:spcAft>
+              <a:spcPct val="35000"/>
+            </a:spcAft>
+            <a:buNone/>
+          </a:pPr>
+          <a:r>
+            <a:rPr lang="en-US" sz="2000" kern="1200" dirty="0"/>
+            <a:t>Variabiln</a:t>
+          </a:r>
+          <a:r>
+            <a:rPr lang="sk-SK" sz="2000" kern="1200" dirty="0"/>
+            <a:t>ý</a:t>
+          </a:r>
+          <a:r>
+            <a:rPr lang="en-US" sz="2000" kern="1200" dirty="0"/>
+            <a:t> bit rate/Realtime (VBR-RT)</a:t>
+          </a:r>
+        </a:p>
+      </dsp:txBody>
+      <dsp:txXfrm>
+        <a:off x="0" y="989837"/>
+        <a:ext cx="3455097" cy="989837"/>
+      </dsp:txXfrm>
+    </dsp:sp>
+    <dsp:sp modelId="{939ED899-3CAC-4855-B010-FACC2F12BC22}">
+      <dsp:nvSpPr>
+        <dsp:cNvPr id="0" name=""/>
+        <dsp:cNvSpPr/>
+      </dsp:nvSpPr>
+      <dsp:spPr>
+        <a:xfrm>
+          <a:off x="0" y="1979675"/>
+          <a:ext cx="3455097" cy="0"/>
+        </a:xfrm>
+        <a:prstGeom prst="line">
+          <a:avLst/>
+        </a:prstGeom>
+        <a:solidFill>
+          <a:schemeClr val="accent1">
+            <a:hueOff val="0"/>
+            <a:satOff val="0"/>
+            <a:lumOff val="0"/>
+            <a:alphaOff val="0"/>
+          </a:schemeClr>
+        </a:solidFill>
+        <a:ln w="19050" cap="flat" cmpd="sng" algn="ctr">
+          <a:solidFill>
+            <a:schemeClr val="accent1">
+              <a:hueOff val="0"/>
+              <a:satOff val="0"/>
+              <a:lumOff val="0"/>
+              <a:alphaOff val="0"/>
+            </a:schemeClr>
+          </a:solidFill>
+          <a:prstDash val="solid"/>
+          <a:miter lim="800000"/>
+        </a:ln>
+        <a:effectLst/>
+      </dsp:spPr>
+      <dsp:style>
+        <a:lnRef idx="2">
+          <a:scrgbClr r="0" g="0" b="0"/>
+        </a:lnRef>
+        <a:fillRef idx="1">
+          <a:scrgbClr r="0" g="0" b="0"/>
+        </a:fillRef>
+        <a:effectRef idx="1">
+          <a:scrgbClr r="0" g="0" b="0"/>
+        </a:effectRef>
+        <a:fontRef idx="minor">
+          <a:schemeClr val="lt1"/>
+        </a:fontRef>
+      </dsp:style>
+    </dsp:sp>
+    <dsp:sp modelId="{5F2341C0-CF16-4FB9-89FD-47FC9E074C5E}">
+      <dsp:nvSpPr>
+        <dsp:cNvPr id="0" name=""/>
+        <dsp:cNvSpPr/>
+      </dsp:nvSpPr>
+      <dsp:spPr>
+        <a:xfrm>
+          <a:off x="0" y="1979675"/>
+          <a:ext cx="3455097" cy="989837"/>
+        </a:xfrm>
+        <a:prstGeom prst="rect">
+          <a:avLst/>
+        </a:prstGeom>
+        <a:noFill/>
+        <a:ln>
+          <a:noFill/>
+        </a:ln>
+        <a:effectLst/>
+      </dsp:spPr>
+      <dsp:style>
+        <a:lnRef idx="0">
+          <a:scrgbClr r="0" g="0" b="0"/>
+        </a:lnRef>
+        <a:fillRef idx="0">
+          <a:scrgbClr r="0" g="0" b="0"/>
+        </a:fillRef>
+        <a:effectRef idx="0">
+          <a:scrgbClr r="0" g="0" b="0"/>
+        </a:effectRef>
+        <a:fontRef idx="minor"/>
+      </dsp:style>
+      <dsp:txBody>
+        <a:bodyPr spcFirstLastPara="0" vert="horz" wrap="square" lIns="76200" tIns="76200" rIns="76200" bIns="76200" numCol="1" spcCol="1270" anchor="t" anchorCtr="0">
+          <a:noAutofit/>
+        </a:bodyPr>
+        <a:lstStyle/>
+        <a:p>
+          <a:pPr marL="0" lvl="0" indent="0" algn="l" defTabSz="889000">
+            <a:lnSpc>
+              <a:spcPct val="90000"/>
+            </a:lnSpc>
+            <a:spcBef>
+              <a:spcPct val="0"/>
+            </a:spcBef>
+            <a:spcAft>
+              <a:spcPct val="35000"/>
+            </a:spcAft>
+            <a:buNone/>
+          </a:pPr>
+          <a:r>
+            <a:rPr lang="en-US" sz="2000" kern="1200" dirty="0"/>
+            <a:t>Variabiln</a:t>
+          </a:r>
+          <a:r>
+            <a:rPr lang="sk-SK" sz="2000" kern="1200" dirty="0"/>
+            <a:t>ý</a:t>
+          </a:r>
+          <a:r>
+            <a:rPr lang="en-US" sz="2000" kern="1200" dirty="0"/>
+            <a:t> bit rate/Non-Realtime (VBR-NRT)</a:t>
+          </a:r>
+        </a:p>
+      </dsp:txBody>
+      <dsp:txXfrm>
+        <a:off x="0" y="1979675"/>
+        <a:ext cx="3455097" cy="989837"/>
+      </dsp:txXfrm>
+    </dsp:sp>
+    <dsp:sp modelId="{680131EB-448E-43A1-9834-F72C891879A4}">
+      <dsp:nvSpPr>
+        <dsp:cNvPr id="0" name=""/>
+        <dsp:cNvSpPr/>
+      </dsp:nvSpPr>
+      <dsp:spPr>
+        <a:xfrm>
+          <a:off x="0" y="2969513"/>
+          <a:ext cx="3455097" cy="0"/>
+        </a:xfrm>
+        <a:prstGeom prst="line">
+          <a:avLst/>
+        </a:prstGeom>
+        <a:solidFill>
+          <a:schemeClr val="accent1">
+            <a:hueOff val="0"/>
+            <a:satOff val="0"/>
+            <a:lumOff val="0"/>
+            <a:alphaOff val="0"/>
+          </a:schemeClr>
+        </a:solidFill>
+        <a:ln w="19050" cap="flat" cmpd="sng" algn="ctr">
+          <a:solidFill>
+            <a:schemeClr val="accent1">
+              <a:hueOff val="0"/>
+              <a:satOff val="0"/>
+              <a:lumOff val="0"/>
+              <a:alphaOff val="0"/>
+            </a:schemeClr>
+          </a:solidFill>
+          <a:prstDash val="solid"/>
+          <a:miter lim="800000"/>
+        </a:ln>
+        <a:effectLst/>
+      </dsp:spPr>
+      <dsp:style>
+        <a:lnRef idx="2">
+          <a:scrgbClr r="0" g="0" b="0"/>
+        </a:lnRef>
+        <a:fillRef idx="1">
+          <a:scrgbClr r="0" g="0" b="0"/>
+        </a:fillRef>
+        <a:effectRef idx="1">
+          <a:scrgbClr r="0" g="0" b="0"/>
+        </a:effectRef>
+        <a:fontRef idx="minor">
+          <a:schemeClr val="lt1"/>
+        </a:fontRef>
+      </dsp:style>
+    </dsp:sp>
+    <dsp:sp modelId="{F2A2D04F-BD20-410C-866D-9549921A5CC0}">
+      <dsp:nvSpPr>
+        <dsp:cNvPr id="0" name=""/>
+        <dsp:cNvSpPr/>
+      </dsp:nvSpPr>
+      <dsp:spPr>
+        <a:xfrm>
+          <a:off x="0" y="2969513"/>
+          <a:ext cx="3455097" cy="989837"/>
+        </a:xfrm>
+        <a:prstGeom prst="rect">
+          <a:avLst/>
+        </a:prstGeom>
+        <a:noFill/>
+        <a:ln>
+          <a:noFill/>
+        </a:ln>
+        <a:effectLst/>
+      </dsp:spPr>
+      <dsp:style>
+        <a:lnRef idx="0">
+          <a:scrgbClr r="0" g="0" b="0"/>
+        </a:lnRef>
+        <a:fillRef idx="0">
+          <a:scrgbClr r="0" g="0" b="0"/>
+        </a:fillRef>
+        <a:effectRef idx="0">
+          <a:scrgbClr r="0" g="0" b="0"/>
+        </a:effectRef>
+        <a:fontRef idx="minor"/>
+      </dsp:style>
+      <dsp:txBody>
+        <a:bodyPr spcFirstLastPara="0" vert="horz" wrap="square" lIns="76200" tIns="76200" rIns="76200" bIns="76200" numCol="1" spcCol="1270" anchor="t" anchorCtr="0">
+          <a:noAutofit/>
+        </a:bodyPr>
+        <a:lstStyle/>
+        <a:p>
+          <a:pPr marL="0" lvl="0" indent="0" algn="l" defTabSz="889000">
+            <a:lnSpc>
+              <a:spcPct val="90000"/>
+            </a:lnSpc>
+            <a:spcBef>
+              <a:spcPct val="0"/>
+            </a:spcBef>
+            <a:spcAft>
+              <a:spcPct val="35000"/>
+            </a:spcAft>
+            <a:buNone/>
+          </a:pPr>
+          <a:r>
+            <a:rPr lang="en-US" sz="2000" kern="1200" dirty="0"/>
+            <a:t>Unspecified bit rate (UBR) alebo Available bit rate (ABR)</a:t>
+          </a:r>
+        </a:p>
+      </dsp:txBody>
+      <dsp:txXfrm>
+        <a:off x="0" y="2969513"/>
+        <a:ext cx="3455097" cy="989837"/>
       </dsp:txXfrm>
     </dsp:sp>
   </dsp:spTree>
@@ -7139,6 +7091,594 @@
 </file>
 
 <file path=ppt/diagrams/layout2.xml><?xml version="1.0" encoding="utf-8"?>
+<dgm:layoutDef xmlns:dgm="http://schemas.openxmlformats.org/drawingml/2006/diagram" xmlns:a="http://schemas.openxmlformats.org/drawingml/2006/main" uniqueId="urn:microsoft.com/office/officeart/2018/2/layout/IconVerticalSolidList">
+  <dgm:title val="Icon Vertical Solid List"/>
+  <dgm:desc val="Use to show a series of visuals from top to bottom with Level 1 or Level 1 and Level 2 text grouped in a shape. Works best with icons or small pictures with lengthier descriptions."/>
+  <dgm:catLst>
+    <dgm:cat type="icon" pri="500"/>
+  </dgm:catLst>
+  <dgm:sampData useDef="1">
+    <dgm:dataModel>
+      <dgm:ptLst/>
+      <dgm:bg/>
+      <dgm:whole/>
+    </dgm:dataModel>
+  </dgm:sampData>
+  <dgm:styleData useDef="1">
+    <dgm:dataModel>
+      <dgm:ptLst/>
+      <dgm:bg/>
+      <dgm:whole/>
+    </dgm:dataModel>
+  </dgm:styleData>
+  <dgm:clrData useDef="1">
+    <dgm:dataModel>
+      <dgm:ptLst/>
+      <dgm:bg/>
+      <dgm:whole/>
+    </dgm:dataModel>
+  </dgm:clrData>
+  <dgm:layoutNode name="root">
+    <dgm:varLst>
+      <dgm:dir/>
+      <dgm:resizeHandles val="exact"/>
+    </dgm:varLst>
+    <dgm:choose name="Name0">
+      <dgm:if name="Name1" axis="self" func="var" arg="dir" op="equ" val="norm">
+        <dgm:alg type="lin">
+          <dgm:param type="linDir" val="fromT"/>
+          <dgm:param type="nodeHorzAlign" val="l"/>
+        </dgm:alg>
+      </dgm:if>
+      <dgm:else name="Name2">
+        <dgm:alg type="lin">
+          <dgm:param type="linDir" val="fromT"/>
+          <dgm:param type="nodeHorzAlign" val="r"/>
+        </dgm:alg>
+      </dgm:else>
+    </dgm:choose>
+    <dgm:shape xmlns:r="http://schemas.openxmlformats.org/officeDocument/2006/relationships" r:blip="">
+      <dgm:adjLst/>
+    </dgm:shape>
+    <dgm:presOf/>
+    <dgm:choose name="Name3">
+      <dgm:if name="Name4" axis="ch" ptType="node" func="cnt" op="lte" val="3">
+        <dgm:constrLst>
+          <dgm:constr type="h" for="ch" forName="compNode" refType="h" fact="0.3"/>
+          <dgm:constr type="w" for="ch" forName="compNode" refType="w"/>
+          <dgm:constr type="h" for="ch" forName="sibTrans" refType="h" refFor="ch" refForName="compNode" fact="0.25"/>
+          <dgm:constr type="primFontSz" for="des" forName="parTx" val="25"/>
+          <dgm:constr type="primFontSz" for="des" forName="desTx" refType="primFontSz" refFor="des" refForName="parTx" op="lte" fact="0.75"/>
+          <dgm:constr type="h" for="des" forName="compNode" op="equ"/>
+          <dgm:constr type="h" for="des" forName="bgRect" op="equ"/>
+          <dgm:constr type="h" for="des" forName="iconRect" op="equ"/>
+          <dgm:constr type="w" for="des" forName="iconRect" op="equ"/>
+          <dgm:constr type="h" for="des" forName="spaceRect" op="equ"/>
+          <dgm:constr type="h" for="des" forName="parTx" op="equ"/>
+          <dgm:constr type="h" for="des" forName="desTx" op="equ"/>
+        </dgm:constrLst>
+      </dgm:if>
+      <dgm:if name="Name5" axis="ch" ptType="node" func="cnt" op="lte" val="4">
+        <dgm:constrLst>
+          <dgm:constr type="h" for="ch" forName="compNode" refType="h" fact="0.3"/>
+          <dgm:constr type="w" for="ch" forName="compNode" refType="w"/>
+          <dgm:constr type="h" for="ch" forName="sibTrans" refType="h" refFor="ch" refForName="compNode" fact="0.25"/>
+          <dgm:constr type="primFontSz" for="des" forName="parTx" val="22"/>
+          <dgm:constr type="primFontSz" for="des" forName="desTx" refType="primFontSz" refFor="des" refForName="parTx" op="lte" fact="0.75"/>
+          <dgm:constr type="h" for="des" forName="compNode" op="equ"/>
+          <dgm:constr type="h" for="des" forName="bgRect" op="equ"/>
+          <dgm:constr type="h" for="des" forName="iconRect" op="equ"/>
+          <dgm:constr type="w" for="des" forName="iconRect" op="equ"/>
+          <dgm:constr type="h" for="des" forName="spaceRect" op="equ"/>
+          <dgm:constr type="h" for="des" forName="parTx" op="equ"/>
+          <dgm:constr type="h" for="des" forName="desTx" op="equ"/>
+        </dgm:constrLst>
+      </dgm:if>
+      <dgm:if name="Name6" axis="ch" ptType="node" func="cnt" op="lte" val="6">
+        <dgm:constrLst>
+          <dgm:constr type="h" for="ch" forName="compNode" refType="h" fact="0.3"/>
+          <dgm:constr type="w" for="ch" forName="compNode" refType="w"/>
+          <dgm:constr type="h" for="ch" forName="sibTrans" refType="h" refFor="ch" refForName="compNode" fact="0.25"/>
+          <dgm:constr type="primFontSz" for="des" forName="parTx" val="19"/>
+          <dgm:constr type="primFontSz" for="des" forName="desTx" refType="primFontSz" refFor="des" refForName="parTx" op="lte" fact="0.75"/>
+          <dgm:constr type="h" for="des" forName="compNode" op="equ"/>
+          <dgm:constr type="h" for="des" forName="bgRect" op="equ"/>
+          <dgm:constr type="h" for="des" forName="iconRect" op="equ"/>
+          <dgm:constr type="w" for="des" forName="iconRect" op="equ"/>
+          <dgm:constr type="h" for="des" forName="spaceRect" op="equ"/>
+          <dgm:constr type="h" for="des" forName="parTx" op="equ"/>
+          <dgm:constr type="h" for="des" forName="desTx" op="equ"/>
+        </dgm:constrLst>
+      </dgm:if>
+      <dgm:else name="Name7">
+        <dgm:constrLst>
+          <dgm:constr type="h" for="ch" forName="compNode" refType="h" fact="0.3"/>
+          <dgm:constr type="w" for="ch" forName="compNode" refType="w"/>
+          <dgm:constr type="h" for="ch" forName="sibTrans" refType="h" refFor="ch" refForName="compNode" fact="0.25"/>
+          <dgm:constr type="primFontSz" for="des" forName="parTx" val="16"/>
+          <dgm:constr type="primFontSz" for="des" forName="desTx" refType="primFontSz" refFor="des" refForName="parTx" op="lte" fact="0.75"/>
+          <dgm:constr type="h" for="des" forName="compNode" op="equ"/>
+          <dgm:constr type="h" for="des" forName="bgRect" op="equ"/>
+          <dgm:constr type="h" for="des" forName="iconRect" op="equ"/>
+          <dgm:constr type="w" for="des" forName="iconRect" op="equ"/>
+          <dgm:constr type="h" for="des" forName="spaceRect" op="equ"/>
+          <dgm:constr type="h" for="des" forName="parTx" op="equ"/>
+          <dgm:constr type="h" for="des" forName="desTx" op="equ"/>
+        </dgm:constrLst>
+      </dgm:else>
+    </dgm:choose>
+    <dgm:ruleLst>
+      <dgm:rule type="h" for="ch" forName="compNode" val="0" fact="NaN" max="NaN"/>
+    </dgm:ruleLst>
+    <dgm:forEach name="Name8" axis="ch" ptType="node">
+      <dgm:layoutNode name="compNode">
+        <dgm:alg type="composite"/>
+        <dgm:shape xmlns:r="http://schemas.openxmlformats.org/officeDocument/2006/relationships" r:blip="">
+          <dgm:adjLst/>
+        </dgm:shape>
+        <dgm:presOf axis="self"/>
+        <dgm:choose name="Name9">
+          <dgm:if name="Name10" axis="ch" ptType="node" func="cnt" op="gte" val="1">
+            <dgm:constrLst>
+              <dgm:constr type="w" for="ch" forName="bgRect" refType="w"/>
+              <dgm:constr type="h" for="ch" forName="bgRect" refType="h"/>
+              <dgm:constr type="l" for="ch" forName="bgRect"/>
+              <dgm:constr type="t" for="ch" forName="bgRect"/>
+              <dgm:constr type="h" for="ch" forName="iconRect" refType="h" fact="0.55"/>
+              <dgm:constr type="w" for="ch" forName="iconRect" refType="h" refFor="ch" refForName="iconRect"/>
+              <dgm:constr type="l" for="ch" forName="iconRect" refType="h" refFor="ch" refForName="iconRect" fact="0.55"/>
+              <dgm:constr type="ctrY" for="ch" forName="iconRect" refType="ctrY" refFor="ch" refForName="bgRect"/>
+              <dgm:constr type="w" for="ch" forName="spaceRect" refType="l" refFor="ch" refForName="iconRect"/>
+              <dgm:constr type="h" for="ch" forName="spaceRect" refType="h"/>
+              <dgm:constr type="l" for="ch" forName="spaceRect" refType="r" refFor="ch" refForName="iconRect"/>
+              <dgm:constr type="t" for="ch" forName="spaceRect"/>
+              <dgm:constr type="w" for="ch" forName="parTx" refType="w" fact="0.45"/>
+              <dgm:constr type="h" for="ch" forName="parTx" refType="h"/>
+              <dgm:constr type="l" for="ch" forName="parTx" refType="r" refFor="ch" refForName="spaceRect"/>
+              <dgm:constr type="t" for="ch" forName="parTx"/>
+              <dgm:constr type="h" for="ch" forName="desTx" refType="h"/>
+              <dgm:constr type="l" for="ch" forName="desTx" refType="r" refFor="ch" refForName="parTx"/>
+              <dgm:constr type="t" for="ch" forName="desTx"/>
+            </dgm:constrLst>
+          </dgm:if>
+          <dgm:else name="Name11">
+            <dgm:constrLst>
+              <dgm:constr type="w" for="ch" forName="bgRect" refType="w"/>
+              <dgm:constr type="h" for="ch" forName="bgRect" refType="h"/>
+              <dgm:constr type="l" for="ch" forName="bgRect"/>
+              <dgm:constr type="t" for="ch" forName="bgRect"/>
+              <dgm:constr type="h" for="ch" forName="iconRect" refType="h" fact="0.55"/>
+              <dgm:constr type="w" for="ch" forName="iconRect" refType="h" refFor="ch" refForName="iconRect"/>
+              <dgm:constr type="l" for="ch" forName="iconRect" refType="h" refFor="ch" refForName="iconRect" fact="0.55"/>
+              <dgm:constr type="ctrY" for="ch" forName="iconRect" refType="ctrY" refFor="ch" refForName="bgRect"/>
+              <dgm:constr type="w" for="ch" forName="spaceRect" refType="l" refFor="ch" refForName="iconRect"/>
+              <dgm:constr type="h" for="ch" forName="spaceRect" refType="h"/>
+              <dgm:constr type="l" for="ch" forName="spaceRect" refType="r" refFor="ch" refForName="iconRect"/>
+              <dgm:constr type="t" for="ch" forName="spaceRect"/>
+              <dgm:constr type="h" for="ch" forName="parTx" refType="h"/>
+              <dgm:constr type="l" for="ch" forName="parTx" refType="r" refFor="ch" refForName="spaceRect"/>
+              <dgm:constr type="t" for="ch" forName="parTx"/>
+            </dgm:constrLst>
+          </dgm:else>
+        </dgm:choose>
+        <dgm:ruleLst>
+          <dgm:rule type="h" val="INF" fact="NaN" max="NaN"/>
+        </dgm:ruleLst>
+        <dgm:layoutNode name="bgRect" styleLbl="bgShp">
+          <dgm:alg type="sp"/>
+          <dgm:shape xmlns:r="http://schemas.openxmlformats.org/officeDocument/2006/relationships" type="roundRect" r:blip="">
+            <dgm:adjLst>
+              <dgm:adj idx="1" val="0.1"/>
+            </dgm:adjLst>
+          </dgm:shape>
+          <dgm:presOf/>
+          <dgm:constrLst/>
+          <dgm:ruleLst/>
+        </dgm:layoutNode>
+        <dgm:layoutNode name="iconRect" styleLbl="node1">
+          <dgm:alg type="sp"/>
+          <dgm:shape xmlns:r="http://schemas.openxmlformats.org/officeDocument/2006/relationships" type="rect" r:blip="" blipPhldr="1">
+            <dgm:adjLst/>
+          </dgm:shape>
+          <dgm:presOf/>
+          <dgm:constrLst/>
+          <dgm:ruleLst/>
+        </dgm:layoutNode>
+        <dgm:layoutNode name="spaceRect">
+          <dgm:alg type="sp"/>
+          <dgm:shape xmlns:r="http://schemas.openxmlformats.org/officeDocument/2006/relationships" r:blip="">
+            <dgm:adjLst/>
+          </dgm:shape>
+          <dgm:presOf/>
+          <dgm:constrLst/>
+          <dgm:ruleLst/>
+        </dgm:layoutNode>
+        <dgm:layoutNode name="parTx" styleLbl="revTx">
+          <dgm:varLst>
+            <dgm:chMax val="0"/>
+            <dgm:chPref val="0"/>
+          </dgm:varLst>
+          <dgm:alg type="tx">
+            <dgm:param type="txAnchorVert" val="mid"/>
+            <dgm:param type="parTxLTRAlign" val="l"/>
+            <dgm:param type="shpTxLTRAlignCh" val="l"/>
+            <dgm:param type="parTxRTLAlign" val="r"/>
+            <dgm:param type="shpTxRTLAlignCh" val="r"/>
+          </dgm:alg>
+          <dgm:shape xmlns:r="http://schemas.openxmlformats.org/officeDocument/2006/relationships" type="rect" r:blip="">
+            <dgm:adjLst/>
+          </dgm:shape>
+          <dgm:presOf axis="self" ptType="node"/>
+          <dgm:constrLst>
+            <dgm:constr type="lMarg" refType="h" fact="0.3"/>
+            <dgm:constr type="rMarg" refType="h" fact="0.3"/>
+            <dgm:constr type="tMarg" refType="h" fact="0.3"/>
+            <dgm:constr type="bMarg" refType="h" fact="0.3"/>
+          </dgm:constrLst>
+          <dgm:ruleLst>
+            <dgm:rule type="primFontSz" val="14" fact="NaN" max="NaN"/>
+            <dgm:rule type="h" val="INF" fact="NaN" max="NaN"/>
+          </dgm:ruleLst>
+        </dgm:layoutNode>
+        <dgm:choose name="Name12">
+          <dgm:if name="Name13" axis="ch" ptType="node" func="cnt" op="gte" val="1">
+            <dgm:layoutNode name="desTx" styleLbl="revTx">
+              <dgm:varLst/>
+              <dgm:alg type="tx">
+                <dgm:param type="txAnchorVertCh" val="mid"/>
+                <dgm:param type="parTxLTRAlign" val="l"/>
+                <dgm:param type="shpTxLTRAlignCh" val="l"/>
+                <dgm:param type="parTxRTLAlign" val="r"/>
+                <dgm:param type="shpTxRTLAlignCh" val="r"/>
+                <dgm:param type="stBulletLvl" val="0"/>
+              </dgm:alg>
+              <dgm:shape xmlns:r="http://schemas.openxmlformats.org/officeDocument/2006/relationships" type="rect" r:blip="">
+                <dgm:adjLst/>
+              </dgm:shape>
+              <dgm:presOf axis="des" ptType="node"/>
+              <dgm:constrLst>
+                <dgm:constr type="primFontSz" val="18"/>
+                <dgm:constr type="secFontSz" refType="primFontSz"/>
+                <dgm:constr type="lMarg" refType="h" fact="0.3"/>
+                <dgm:constr type="rMarg" refType="h" fact="0.3"/>
+                <dgm:constr type="tMarg" refType="h" fact="0.3"/>
+                <dgm:constr type="bMarg" refType="h" fact="0.3"/>
+              </dgm:constrLst>
+              <dgm:ruleLst>
+                <dgm:rule type="primFontSz" val="11" fact="NaN" max="NaN"/>
+              </dgm:ruleLst>
+            </dgm:layoutNode>
+          </dgm:if>
+          <dgm:else name="Name14"/>
+        </dgm:choose>
+      </dgm:layoutNode>
+      <dgm:forEach name="Name15" axis="followSib" ptType="sibTrans" cnt="1">
+        <dgm:layoutNode name="sibTrans">
+          <dgm:alg type="sp"/>
+          <dgm:shape xmlns:r="http://schemas.openxmlformats.org/officeDocument/2006/relationships" r:blip="">
+            <dgm:adjLst/>
+          </dgm:shape>
+          <dgm:presOf axis="self"/>
+          <dgm:constrLst/>
+          <dgm:ruleLst/>
+        </dgm:layoutNode>
+      </dgm:forEach>
+    </dgm:forEach>
+  </dgm:layoutNode>
+  <dgm:extLst>
+    <a:ext uri="{68A01E43-0DF5-4B5B-8FA6-DAF915123BFB}">
+      <dgm1612:lstStyle xmlns:dgm1612="http://schemas.microsoft.com/office/drawing/2016/12/diagram">
+        <a:lvl1pPr>
+          <a:lnSpc>
+            <a:spcPct val="100000"/>
+          </a:lnSpc>
+        </a:lvl1pPr>
+        <a:lvl2pPr>
+          <a:lnSpc>
+            <a:spcPct val="100000"/>
+          </a:lnSpc>
+        </a:lvl2pPr>
+      </dgm1612:lstStyle>
+    </a:ext>
+  </dgm:extLst>
+</dgm:layoutDef>
+</file>
+
+<file path=ppt/diagrams/layout3.xml><?xml version="1.0" encoding="utf-8"?>
+<dgm:layoutDef xmlns:dgm="http://schemas.openxmlformats.org/drawingml/2006/diagram" xmlns:a="http://schemas.openxmlformats.org/drawingml/2006/main" uniqueId="urn:microsoft.com/office/officeart/2018/2/layout/IconVerticalSolidList">
+  <dgm:title val="Icon Vertical Solid List"/>
+  <dgm:desc val="Use to show a series of visuals from top to bottom with Level 1 or Level 1 and Level 2 text grouped in a shape. Works best with icons or small pictures with lengthier descriptions."/>
+  <dgm:catLst>
+    <dgm:cat type="icon" pri="500"/>
+  </dgm:catLst>
+  <dgm:sampData useDef="1">
+    <dgm:dataModel>
+      <dgm:ptLst/>
+      <dgm:bg/>
+      <dgm:whole/>
+    </dgm:dataModel>
+  </dgm:sampData>
+  <dgm:styleData useDef="1">
+    <dgm:dataModel>
+      <dgm:ptLst/>
+      <dgm:bg/>
+      <dgm:whole/>
+    </dgm:dataModel>
+  </dgm:styleData>
+  <dgm:clrData useDef="1">
+    <dgm:dataModel>
+      <dgm:ptLst/>
+      <dgm:bg/>
+      <dgm:whole/>
+    </dgm:dataModel>
+  </dgm:clrData>
+  <dgm:layoutNode name="root">
+    <dgm:varLst>
+      <dgm:dir/>
+      <dgm:resizeHandles val="exact"/>
+    </dgm:varLst>
+    <dgm:choose name="Name0">
+      <dgm:if name="Name1" axis="self" func="var" arg="dir" op="equ" val="norm">
+        <dgm:alg type="lin">
+          <dgm:param type="linDir" val="fromT"/>
+          <dgm:param type="nodeHorzAlign" val="l"/>
+        </dgm:alg>
+      </dgm:if>
+      <dgm:else name="Name2">
+        <dgm:alg type="lin">
+          <dgm:param type="linDir" val="fromT"/>
+          <dgm:param type="nodeHorzAlign" val="r"/>
+        </dgm:alg>
+      </dgm:else>
+    </dgm:choose>
+    <dgm:shape xmlns:r="http://schemas.openxmlformats.org/officeDocument/2006/relationships" r:blip="">
+      <dgm:adjLst/>
+    </dgm:shape>
+    <dgm:presOf/>
+    <dgm:choose name="Name3">
+      <dgm:if name="Name4" axis="ch" ptType="node" func="cnt" op="lte" val="3">
+        <dgm:constrLst>
+          <dgm:constr type="h" for="ch" forName="compNode" refType="h" fact="0.3"/>
+          <dgm:constr type="w" for="ch" forName="compNode" refType="w"/>
+          <dgm:constr type="h" for="ch" forName="sibTrans" refType="h" refFor="ch" refForName="compNode" fact="0.25"/>
+          <dgm:constr type="primFontSz" for="des" forName="parTx" val="25"/>
+          <dgm:constr type="primFontSz" for="des" forName="desTx" refType="primFontSz" refFor="des" refForName="parTx" op="lte" fact="0.75"/>
+          <dgm:constr type="h" for="des" forName="compNode" op="equ"/>
+          <dgm:constr type="h" for="des" forName="bgRect" op="equ"/>
+          <dgm:constr type="h" for="des" forName="iconRect" op="equ"/>
+          <dgm:constr type="w" for="des" forName="iconRect" op="equ"/>
+          <dgm:constr type="h" for="des" forName="spaceRect" op="equ"/>
+          <dgm:constr type="h" for="des" forName="parTx" op="equ"/>
+          <dgm:constr type="h" for="des" forName="desTx" op="equ"/>
+        </dgm:constrLst>
+      </dgm:if>
+      <dgm:if name="Name5" axis="ch" ptType="node" func="cnt" op="lte" val="4">
+        <dgm:constrLst>
+          <dgm:constr type="h" for="ch" forName="compNode" refType="h" fact="0.3"/>
+          <dgm:constr type="w" for="ch" forName="compNode" refType="w"/>
+          <dgm:constr type="h" for="ch" forName="sibTrans" refType="h" refFor="ch" refForName="compNode" fact="0.25"/>
+          <dgm:constr type="primFontSz" for="des" forName="parTx" val="22"/>
+          <dgm:constr type="primFontSz" for="des" forName="desTx" refType="primFontSz" refFor="des" refForName="parTx" op="lte" fact="0.75"/>
+          <dgm:constr type="h" for="des" forName="compNode" op="equ"/>
+          <dgm:constr type="h" for="des" forName="bgRect" op="equ"/>
+          <dgm:constr type="h" for="des" forName="iconRect" op="equ"/>
+          <dgm:constr type="w" for="des" forName="iconRect" op="equ"/>
+          <dgm:constr type="h" for="des" forName="spaceRect" op="equ"/>
+          <dgm:constr type="h" for="des" forName="parTx" op="equ"/>
+          <dgm:constr type="h" for="des" forName="desTx" op="equ"/>
+        </dgm:constrLst>
+      </dgm:if>
+      <dgm:if name="Name6" axis="ch" ptType="node" func="cnt" op="lte" val="6">
+        <dgm:constrLst>
+          <dgm:constr type="h" for="ch" forName="compNode" refType="h" fact="0.3"/>
+          <dgm:constr type="w" for="ch" forName="compNode" refType="w"/>
+          <dgm:constr type="h" for="ch" forName="sibTrans" refType="h" refFor="ch" refForName="compNode" fact="0.25"/>
+          <dgm:constr type="primFontSz" for="des" forName="parTx" val="19"/>
+          <dgm:constr type="primFontSz" for="des" forName="desTx" refType="primFontSz" refFor="des" refForName="parTx" op="lte" fact="0.75"/>
+          <dgm:constr type="h" for="des" forName="compNode" op="equ"/>
+          <dgm:constr type="h" for="des" forName="bgRect" op="equ"/>
+          <dgm:constr type="h" for="des" forName="iconRect" op="equ"/>
+          <dgm:constr type="w" for="des" forName="iconRect" op="equ"/>
+          <dgm:constr type="h" for="des" forName="spaceRect" op="equ"/>
+          <dgm:constr type="h" for="des" forName="parTx" op="equ"/>
+          <dgm:constr type="h" for="des" forName="desTx" op="equ"/>
+        </dgm:constrLst>
+      </dgm:if>
+      <dgm:else name="Name7">
+        <dgm:constrLst>
+          <dgm:constr type="h" for="ch" forName="compNode" refType="h" fact="0.3"/>
+          <dgm:constr type="w" for="ch" forName="compNode" refType="w"/>
+          <dgm:constr type="h" for="ch" forName="sibTrans" refType="h" refFor="ch" refForName="compNode" fact="0.25"/>
+          <dgm:constr type="primFontSz" for="des" forName="parTx" val="16"/>
+          <dgm:constr type="primFontSz" for="des" forName="desTx" refType="primFontSz" refFor="des" refForName="parTx" op="lte" fact="0.75"/>
+          <dgm:constr type="h" for="des" forName="compNode" op="equ"/>
+          <dgm:constr type="h" for="des" forName="bgRect" op="equ"/>
+          <dgm:constr type="h" for="des" forName="iconRect" op="equ"/>
+          <dgm:constr type="w" for="des" forName="iconRect" op="equ"/>
+          <dgm:constr type="h" for="des" forName="spaceRect" op="equ"/>
+          <dgm:constr type="h" for="des" forName="parTx" op="equ"/>
+          <dgm:constr type="h" for="des" forName="desTx" op="equ"/>
+        </dgm:constrLst>
+      </dgm:else>
+    </dgm:choose>
+    <dgm:ruleLst>
+      <dgm:rule type="h" for="ch" forName="compNode" val="0" fact="NaN" max="NaN"/>
+    </dgm:ruleLst>
+    <dgm:forEach name="Name8" axis="ch" ptType="node">
+      <dgm:layoutNode name="compNode">
+        <dgm:alg type="composite"/>
+        <dgm:shape xmlns:r="http://schemas.openxmlformats.org/officeDocument/2006/relationships" r:blip="">
+          <dgm:adjLst/>
+        </dgm:shape>
+        <dgm:presOf axis="self"/>
+        <dgm:choose name="Name9">
+          <dgm:if name="Name10" axis="ch" ptType="node" func="cnt" op="gte" val="1">
+            <dgm:constrLst>
+              <dgm:constr type="w" for="ch" forName="bgRect" refType="w"/>
+              <dgm:constr type="h" for="ch" forName="bgRect" refType="h"/>
+              <dgm:constr type="l" for="ch" forName="bgRect"/>
+              <dgm:constr type="t" for="ch" forName="bgRect"/>
+              <dgm:constr type="h" for="ch" forName="iconRect" refType="h" fact="0.55"/>
+              <dgm:constr type="w" for="ch" forName="iconRect" refType="h" refFor="ch" refForName="iconRect"/>
+              <dgm:constr type="l" for="ch" forName="iconRect" refType="h" refFor="ch" refForName="iconRect" fact="0.55"/>
+              <dgm:constr type="ctrY" for="ch" forName="iconRect" refType="ctrY" refFor="ch" refForName="bgRect"/>
+              <dgm:constr type="w" for="ch" forName="spaceRect" refType="l" refFor="ch" refForName="iconRect"/>
+              <dgm:constr type="h" for="ch" forName="spaceRect" refType="h"/>
+              <dgm:constr type="l" for="ch" forName="spaceRect" refType="r" refFor="ch" refForName="iconRect"/>
+              <dgm:constr type="t" for="ch" forName="spaceRect"/>
+              <dgm:constr type="w" for="ch" forName="parTx" refType="w" fact="0.45"/>
+              <dgm:constr type="h" for="ch" forName="parTx" refType="h"/>
+              <dgm:constr type="l" for="ch" forName="parTx" refType="r" refFor="ch" refForName="spaceRect"/>
+              <dgm:constr type="t" for="ch" forName="parTx"/>
+              <dgm:constr type="h" for="ch" forName="desTx" refType="h"/>
+              <dgm:constr type="l" for="ch" forName="desTx" refType="r" refFor="ch" refForName="parTx"/>
+              <dgm:constr type="t" for="ch" forName="desTx"/>
+            </dgm:constrLst>
+          </dgm:if>
+          <dgm:else name="Name11">
+            <dgm:constrLst>
+              <dgm:constr type="w" for="ch" forName="bgRect" refType="w"/>
+              <dgm:constr type="h" for="ch" forName="bgRect" refType="h"/>
+              <dgm:constr type="l" for="ch" forName="bgRect"/>
+              <dgm:constr type="t" for="ch" forName="bgRect"/>
+              <dgm:constr type="h" for="ch" forName="iconRect" refType="h" fact="0.55"/>
+              <dgm:constr type="w" for="ch" forName="iconRect" refType="h" refFor="ch" refForName="iconRect"/>
+              <dgm:constr type="l" for="ch" forName="iconRect" refType="h" refFor="ch" refForName="iconRect" fact="0.55"/>
+              <dgm:constr type="ctrY" for="ch" forName="iconRect" refType="ctrY" refFor="ch" refForName="bgRect"/>
+              <dgm:constr type="w" for="ch" forName="spaceRect" refType="l" refFor="ch" refForName="iconRect"/>
+              <dgm:constr type="h" for="ch" forName="spaceRect" refType="h"/>
+              <dgm:constr type="l" for="ch" forName="spaceRect" refType="r" refFor="ch" refForName="iconRect"/>
+              <dgm:constr type="t" for="ch" forName="spaceRect"/>
+              <dgm:constr type="h" for="ch" forName="parTx" refType="h"/>
+              <dgm:constr type="l" for="ch" forName="parTx" refType="r" refFor="ch" refForName="spaceRect"/>
+              <dgm:constr type="t" for="ch" forName="parTx"/>
+            </dgm:constrLst>
+          </dgm:else>
+        </dgm:choose>
+        <dgm:ruleLst>
+          <dgm:rule type="h" val="INF" fact="NaN" max="NaN"/>
+        </dgm:ruleLst>
+        <dgm:layoutNode name="bgRect" styleLbl="bgShp">
+          <dgm:alg type="sp"/>
+          <dgm:shape xmlns:r="http://schemas.openxmlformats.org/officeDocument/2006/relationships" type="roundRect" r:blip="">
+            <dgm:adjLst>
+              <dgm:adj idx="1" val="0.1"/>
+            </dgm:adjLst>
+          </dgm:shape>
+          <dgm:presOf/>
+          <dgm:constrLst/>
+          <dgm:ruleLst/>
+        </dgm:layoutNode>
+        <dgm:layoutNode name="iconRect" styleLbl="node1">
+          <dgm:alg type="sp"/>
+          <dgm:shape xmlns:r="http://schemas.openxmlformats.org/officeDocument/2006/relationships" type="rect" r:blip="" blipPhldr="1">
+            <dgm:adjLst/>
+          </dgm:shape>
+          <dgm:presOf/>
+          <dgm:constrLst/>
+          <dgm:ruleLst/>
+        </dgm:layoutNode>
+        <dgm:layoutNode name="spaceRect">
+          <dgm:alg type="sp"/>
+          <dgm:shape xmlns:r="http://schemas.openxmlformats.org/officeDocument/2006/relationships" r:blip="">
+            <dgm:adjLst/>
+          </dgm:shape>
+          <dgm:presOf/>
+          <dgm:constrLst/>
+          <dgm:ruleLst/>
+        </dgm:layoutNode>
+        <dgm:layoutNode name="parTx" styleLbl="revTx">
+          <dgm:varLst>
+            <dgm:chMax val="0"/>
+            <dgm:chPref val="0"/>
+          </dgm:varLst>
+          <dgm:alg type="tx">
+            <dgm:param type="txAnchorVert" val="mid"/>
+            <dgm:param type="parTxLTRAlign" val="l"/>
+            <dgm:param type="shpTxLTRAlignCh" val="l"/>
+            <dgm:param type="parTxRTLAlign" val="r"/>
+            <dgm:param type="shpTxRTLAlignCh" val="r"/>
+          </dgm:alg>
+          <dgm:shape xmlns:r="http://schemas.openxmlformats.org/officeDocument/2006/relationships" type="rect" r:blip="">
+            <dgm:adjLst/>
+          </dgm:shape>
+          <dgm:presOf axis="self" ptType="node"/>
+          <dgm:constrLst>
+            <dgm:constr type="lMarg" refType="h" fact="0.3"/>
+            <dgm:constr type="rMarg" refType="h" fact="0.3"/>
+            <dgm:constr type="tMarg" refType="h" fact="0.3"/>
+            <dgm:constr type="bMarg" refType="h" fact="0.3"/>
+          </dgm:constrLst>
+          <dgm:ruleLst>
+            <dgm:rule type="primFontSz" val="14" fact="NaN" max="NaN"/>
+            <dgm:rule type="h" val="INF" fact="NaN" max="NaN"/>
+          </dgm:ruleLst>
+        </dgm:layoutNode>
+        <dgm:choose name="Name12">
+          <dgm:if name="Name13" axis="ch" ptType="node" func="cnt" op="gte" val="1">
+            <dgm:layoutNode name="desTx" styleLbl="revTx">
+              <dgm:varLst/>
+              <dgm:alg type="tx">
+                <dgm:param type="txAnchorVertCh" val="mid"/>
+                <dgm:param type="parTxLTRAlign" val="l"/>
+                <dgm:param type="shpTxLTRAlignCh" val="l"/>
+                <dgm:param type="parTxRTLAlign" val="r"/>
+                <dgm:param type="shpTxRTLAlignCh" val="r"/>
+                <dgm:param type="stBulletLvl" val="0"/>
+              </dgm:alg>
+              <dgm:shape xmlns:r="http://schemas.openxmlformats.org/officeDocument/2006/relationships" type="rect" r:blip="">
+                <dgm:adjLst/>
+              </dgm:shape>
+              <dgm:presOf axis="des" ptType="node"/>
+              <dgm:constrLst>
+                <dgm:constr type="primFontSz" val="18"/>
+                <dgm:constr type="secFontSz" refType="primFontSz"/>
+                <dgm:constr type="lMarg" refType="h" fact="0.3"/>
+                <dgm:constr type="rMarg" refType="h" fact="0.3"/>
+                <dgm:constr type="tMarg" refType="h" fact="0.3"/>
+                <dgm:constr type="bMarg" refType="h" fact="0.3"/>
+              </dgm:constrLst>
+              <dgm:ruleLst>
+                <dgm:rule type="primFontSz" val="11" fact="NaN" max="NaN"/>
+              </dgm:ruleLst>
+            </dgm:layoutNode>
+          </dgm:if>
+          <dgm:else name="Name14"/>
+        </dgm:choose>
+      </dgm:layoutNode>
+      <dgm:forEach name="Name15" axis="followSib" ptType="sibTrans" cnt="1">
+        <dgm:layoutNode name="sibTrans">
+          <dgm:alg type="sp"/>
+          <dgm:shape xmlns:r="http://schemas.openxmlformats.org/officeDocument/2006/relationships" r:blip="">
+            <dgm:adjLst/>
+          </dgm:shape>
+          <dgm:presOf axis="self"/>
+          <dgm:constrLst/>
+          <dgm:ruleLst/>
+        </dgm:layoutNode>
+      </dgm:forEach>
+    </dgm:forEach>
+  </dgm:layoutNode>
+  <dgm:extLst>
+    <a:ext uri="{68A01E43-0DF5-4B5B-8FA6-DAF915123BFB}">
+      <dgm1612:lstStyle xmlns:dgm1612="http://schemas.microsoft.com/office/drawing/2016/12/diagram">
+        <a:lvl1pPr>
+          <a:lnSpc>
+            <a:spcPct val="100000"/>
+          </a:lnSpc>
+        </a:lvl1pPr>
+        <a:lvl2pPr>
+          <a:lnSpc>
+            <a:spcPct val="100000"/>
+          </a:lnSpc>
+        </a:lvl2pPr>
+      </dgm1612:lstStyle>
+    </a:ext>
+  </dgm:extLst>
+</dgm:layoutDef>
+</file>
+
+<file path=ppt/diagrams/layout4.xml><?xml version="1.0" encoding="utf-8"?>
 <dgm:layoutDef xmlns:dgm="http://schemas.openxmlformats.org/drawingml/2006/diagram" xmlns:a="http://schemas.openxmlformats.org/drawingml/2006/main" uniqueId="urn:microsoft.com/office/officeart/2008/layout/LinedList">
   <dgm:title val=""/>
   <dgm:desc val=""/>
@@ -7604,594 +8144,6 @@
 </dgm:layoutDef>
 </file>
 
-<file path=ppt/diagrams/layout3.xml><?xml version="1.0" encoding="utf-8"?>
-<dgm:layoutDef xmlns:dgm="http://schemas.openxmlformats.org/drawingml/2006/diagram" xmlns:a="http://schemas.openxmlformats.org/drawingml/2006/main" uniqueId="urn:microsoft.com/office/officeart/2018/2/layout/IconVerticalSolidList">
-  <dgm:title val="Icon Vertical Solid List"/>
-  <dgm:desc val="Use to show a series of visuals from top to bottom with Level 1 or Level 1 and Level 2 text grouped in a shape. Works best with icons or small pictures with lengthier descriptions."/>
-  <dgm:catLst>
-    <dgm:cat type="icon" pri="500"/>
-  </dgm:catLst>
-  <dgm:sampData useDef="1">
-    <dgm:dataModel>
-      <dgm:ptLst/>
-      <dgm:bg/>
-      <dgm:whole/>
-    </dgm:dataModel>
-  </dgm:sampData>
-  <dgm:styleData useDef="1">
-    <dgm:dataModel>
-      <dgm:ptLst/>
-      <dgm:bg/>
-      <dgm:whole/>
-    </dgm:dataModel>
-  </dgm:styleData>
-  <dgm:clrData useDef="1">
-    <dgm:dataModel>
-      <dgm:ptLst/>
-      <dgm:bg/>
-      <dgm:whole/>
-    </dgm:dataModel>
-  </dgm:clrData>
-  <dgm:layoutNode name="root">
-    <dgm:varLst>
-      <dgm:dir/>
-      <dgm:resizeHandles val="exact"/>
-    </dgm:varLst>
-    <dgm:choose name="Name0">
-      <dgm:if name="Name1" axis="self" func="var" arg="dir" op="equ" val="norm">
-        <dgm:alg type="lin">
-          <dgm:param type="linDir" val="fromT"/>
-          <dgm:param type="nodeHorzAlign" val="l"/>
-        </dgm:alg>
-      </dgm:if>
-      <dgm:else name="Name2">
-        <dgm:alg type="lin">
-          <dgm:param type="linDir" val="fromT"/>
-          <dgm:param type="nodeHorzAlign" val="r"/>
-        </dgm:alg>
-      </dgm:else>
-    </dgm:choose>
-    <dgm:shape xmlns:r="http://schemas.openxmlformats.org/officeDocument/2006/relationships" r:blip="">
-      <dgm:adjLst/>
-    </dgm:shape>
-    <dgm:presOf/>
-    <dgm:choose name="Name3">
-      <dgm:if name="Name4" axis="ch" ptType="node" func="cnt" op="lte" val="3">
-        <dgm:constrLst>
-          <dgm:constr type="h" for="ch" forName="compNode" refType="h" fact="0.3"/>
-          <dgm:constr type="w" for="ch" forName="compNode" refType="w"/>
-          <dgm:constr type="h" for="ch" forName="sibTrans" refType="h" refFor="ch" refForName="compNode" fact="0.25"/>
-          <dgm:constr type="primFontSz" for="des" forName="parTx" val="25"/>
-          <dgm:constr type="primFontSz" for="des" forName="desTx" refType="primFontSz" refFor="des" refForName="parTx" op="lte" fact="0.75"/>
-          <dgm:constr type="h" for="des" forName="compNode" op="equ"/>
-          <dgm:constr type="h" for="des" forName="bgRect" op="equ"/>
-          <dgm:constr type="h" for="des" forName="iconRect" op="equ"/>
-          <dgm:constr type="w" for="des" forName="iconRect" op="equ"/>
-          <dgm:constr type="h" for="des" forName="spaceRect" op="equ"/>
-          <dgm:constr type="h" for="des" forName="parTx" op="equ"/>
-          <dgm:constr type="h" for="des" forName="desTx" op="equ"/>
-        </dgm:constrLst>
-      </dgm:if>
-      <dgm:if name="Name5" axis="ch" ptType="node" func="cnt" op="lte" val="4">
-        <dgm:constrLst>
-          <dgm:constr type="h" for="ch" forName="compNode" refType="h" fact="0.3"/>
-          <dgm:constr type="w" for="ch" forName="compNode" refType="w"/>
-          <dgm:constr type="h" for="ch" forName="sibTrans" refType="h" refFor="ch" refForName="compNode" fact="0.25"/>
-          <dgm:constr type="primFontSz" for="des" forName="parTx" val="22"/>
-          <dgm:constr type="primFontSz" for="des" forName="desTx" refType="primFontSz" refFor="des" refForName="parTx" op="lte" fact="0.75"/>
-          <dgm:constr type="h" for="des" forName="compNode" op="equ"/>
-          <dgm:constr type="h" for="des" forName="bgRect" op="equ"/>
-          <dgm:constr type="h" for="des" forName="iconRect" op="equ"/>
-          <dgm:constr type="w" for="des" forName="iconRect" op="equ"/>
-          <dgm:constr type="h" for="des" forName="spaceRect" op="equ"/>
-          <dgm:constr type="h" for="des" forName="parTx" op="equ"/>
-          <dgm:constr type="h" for="des" forName="desTx" op="equ"/>
-        </dgm:constrLst>
-      </dgm:if>
-      <dgm:if name="Name6" axis="ch" ptType="node" func="cnt" op="lte" val="6">
-        <dgm:constrLst>
-          <dgm:constr type="h" for="ch" forName="compNode" refType="h" fact="0.3"/>
-          <dgm:constr type="w" for="ch" forName="compNode" refType="w"/>
-          <dgm:constr type="h" for="ch" forName="sibTrans" refType="h" refFor="ch" refForName="compNode" fact="0.25"/>
-          <dgm:constr type="primFontSz" for="des" forName="parTx" val="19"/>
-          <dgm:constr type="primFontSz" for="des" forName="desTx" refType="primFontSz" refFor="des" refForName="parTx" op="lte" fact="0.75"/>
-          <dgm:constr type="h" for="des" forName="compNode" op="equ"/>
-          <dgm:constr type="h" for="des" forName="bgRect" op="equ"/>
-          <dgm:constr type="h" for="des" forName="iconRect" op="equ"/>
-          <dgm:constr type="w" for="des" forName="iconRect" op="equ"/>
-          <dgm:constr type="h" for="des" forName="spaceRect" op="equ"/>
-          <dgm:constr type="h" for="des" forName="parTx" op="equ"/>
-          <dgm:constr type="h" for="des" forName="desTx" op="equ"/>
-        </dgm:constrLst>
-      </dgm:if>
-      <dgm:else name="Name7">
-        <dgm:constrLst>
-          <dgm:constr type="h" for="ch" forName="compNode" refType="h" fact="0.3"/>
-          <dgm:constr type="w" for="ch" forName="compNode" refType="w"/>
-          <dgm:constr type="h" for="ch" forName="sibTrans" refType="h" refFor="ch" refForName="compNode" fact="0.25"/>
-          <dgm:constr type="primFontSz" for="des" forName="parTx" val="16"/>
-          <dgm:constr type="primFontSz" for="des" forName="desTx" refType="primFontSz" refFor="des" refForName="parTx" op="lte" fact="0.75"/>
-          <dgm:constr type="h" for="des" forName="compNode" op="equ"/>
-          <dgm:constr type="h" for="des" forName="bgRect" op="equ"/>
-          <dgm:constr type="h" for="des" forName="iconRect" op="equ"/>
-          <dgm:constr type="w" for="des" forName="iconRect" op="equ"/>
-          <dgm:constr type="h" for="des" forName="spaceRect" op="equ"/>
-          <dgm:constr type="h" for="des" forName="parTx" op="equ"/>
-          <dgm:constr type="h" for="des" forName="desTx" op="equ"/>
-        </dgm:constrLst>
-      </dgm:else>
-    </dgm:choose>
-    <dgm:ruleLst>
-      <dgm:rule type="h" for="ch" forName="compNode" val="0" fact="NaN" max="NaN"/>
-    </dgm:ruleLst>
-    <dgm:forEach name="Name8" axis="ch" ptType="node">
-      <dgm:layoutNode name="compNode">
-        <dgm:alg type="composite"/>
-        <dgm:shape xmlns:r="http://schemas.openxmlformats.org/officeDocument/2006/relationships" r:blip="">
-          <dgm:adjLst/>
-        </dgm:shape>
-        <dgm:presOf axis="self"/>
-        <dgm:choose name="Name9">
-          <dgm:if name="Name10" axis="ch" ptType="node" func="cnt" op="gte" val="1">
-            <dgm:constrLst>
-              <dgm:constr type="w" for="ch" forName="bgRect" refType="w"/>
-              <dgm:constr type="h" for="ch" forName="bgRect" refType="h"/>
-              <dgm:constr type="l" for="ch" forName="bgRect"/>
-              <dgm:constr type="t" for="ch" forName="bgRect"/>
-              <dgm:constr type="h" for="ch" forName="iconRect" refType="h" fact="0.55"/>
-              <dgm:constr type="w" for="ch" forName="iconRect" refType="h" refFor="ch" refForName="iconRect"/>
-              <dgm:constr type="l" for="ch" forName="iconRect" refType="h" refFor="ch" refForName="iconRect" fact="0.55"/>
-              <dgm:constr type="ctrY" for="ch" forName="iconRect" refType="ctrY" refFor="ch" refForName="bgRect"/>
-              <dgm:constr type="w" for="ch" forName="spaceRect" refType="l" refFor="ch" refForName="iconRect"/>
-              <dgm:constr type="h" for="ch" forName="spaceRect" refType="h"/>
-              <dgm:constr type="l" for="ch" forName="spaceRect" refType="r" refFor="ch" refForName="iconRect"/>
-              <dgm:constr type="t" for="ch" forName="spaceRect"/>
-              <dgm:constr type="w" for="ch" forName="parTx" refType="w" fact="0.45"/>
-              <dgm:constr type="h" for="ch" forName="parTx" refType="h"/>
-              <dgm:constr type="l" for="ch" forName="parTx" refType="r" refFor="ch" refForName="spaceRect"/>
-              <dgm:constr type="t" for="ch" forName="parTx"/>
-              <dgm:constr type="h" for="ch" forName="desTx" refType="h"/>
-              <dgm:constr type="l" for="ch" forName="desTx" refType="r" refFor="ch" refForName="parTx"/>
-              <dgm:constr type="t" for="ch" forName="desTx"/>
-            </dgm:constrLst>
-          </dgm:if>
-          <dgm:else name="Name11">
-            <dgm:constrLst>
-              <dgm:constr type="w" for="ch" forName="bgRect" refType="w"/>
-              <dgm:constr type="h" for="ch" forName="bgRect" refType="h"/>
-              <dgm:constr type="l" for="ch" forName="bgRect"/>
-              <dgm:constr type="t" for="ch" forName="bgRect"/>
-              <dgm:constr type="h" for="ch" forName="iconRect" refType="h" fact="0.55"/>
-              <dgm:constr type="w" for="ch" forName="iconRect" refType="h" refFor="ch" refForName="iconRect"/>
-              <dgm:constr type="l" for="ch" forName="iconRect" refType="h" refFor="ch" refForName="iconRect" fact="0.55"/>
-              <dgm:constr type="ctrY" for="ch" forName="iconRect" refType="ctrY" refFor="ch" refForName="bgRect"/>
-              <dgm:constr type="w" for="ch" forName="spaceRect" refType="l" refFor="ch" refForName="iconRect"/>
-              <dgm:constr type="h" for="ch" forName="spaceRect" refType="h"/>
-              <dgm:constr type="l" for="ch" forName="spaceRect" refType="r" refFor="ch" refForName="iconRect"/>
-              <dgm:constr type="t" for="ch" forName="spaceRect"/>
-              <dgm:constr type="h" for="ch" forName="parTx" refType="h"/>
-              <dgm:constr type="l" for="ch" forName="parTx" refType="r" refFor="ch" refForName="spaceRect"/>
-              <dgm:constr type="t" for="ch" forName="parTx"/>
-            </dgm:constrLst>
-          </dgm:else>
-        </dgm:choose>
-        <dgm:ruleLst>
-          <dgm:rule type="h" val="INF" fact="NaN" max="NaN"/>
-        </dgm:ruleLst>
-        <dgm:layoutNode name="bgRect" styleLbl="bgShp">
-          <dgm:alg type="sp"/>
-          <dgm:shape xmlns:r="http://schemas.openxmlformats.org/officeDocument/2006/relationships" type="roundRect" r:blip="">
-            <dgm:adjLst>
-              <dgm:adj idx="1" val="0.1"/>
-            </dgm:adjLst>
-          </dgm:shape>
-          <dgm:presOf/>
-          <dgm:constrLst/>
-          <dgm:ruleLst/>
-        </dgm:layoutNode>
-        <dgm:layoutNode name="iconRect" styleLbl="node1">
-          <dgm:alg type="sp"/>
-          <dgm:shape xmlns:r="http://schemas.openxmlformats.org/officeDocument/2006/relationships" type="rect" r:blip="" blipPhldr="1">
-            <dgm:adjLst/>
-          </dgm:shape>
-          <dgm:presOf/>
-          <dgm:constrLst/>
-          <dgm:ruleLst/>
-        </dgm:layoutNode>
-        <dgm:layoutNode name="spaceRect">
-          <dgm:alg type="sp"/>
-          <dgm:shape xmlns:r="http://schemas.openxmlformats.org/officeDocument/2006/relationships" r:blip="">
-            <dgm:adjLst/>
-          </dgm:shape>
-          <dgm:presOf/>
-          <dgm:constrLst/>
-          <dgm:ruleLst/>
-        </dgm:layoutNode>
-        <dgm:layoutNode name="parTx" styleLbl="revTx">
-          <dgm:varLst>
-            <dgm:chMax val="0"/>
-            <dgm:chPref val="0"/>
-          </dgm:varLst>
-          <dgm:alg type="tx">
-            <dgm:param type="txAnchorVert" val="mid"/>
-            <dgm:param type="parTxLTRAlign" val="l"/>
-            <dgm:param type="shpTxLTRAlignCh" val="l"/>
-            <dgm:param type="parTxRTLAlign" val="r"/>
-            <dgm:param type="shpTxRTLAlignCh" val="r"/>
-          </dgm:alg>
-          <dgm:shape xmlns:r="http://schemas.openxmlformats.org/officeDocument/2006/relationships" type="rect" r:blip="">
-            <dgm:adjLst/>
-          </dgm:shape>
-          <dgm:presOf axis="self" ptType="node"/>
-          <dgm:constrLst>
-            <dgm:constr type="lMarg" refType="h" fact="0.3"/>
-            <dgm:constr type="rMarg" refType="h" fact="0.3"/>
-            <dgm:constr type="tMarg" refType="h" fact="0.3"/>
-            <dgm:constr type="bMarg" refType="h" fact="0.3"/>
-          </dgm:constrLst>
-          <dgm:ruleLst>
-            <dgm:rule type="primFontSz" val="14" fact="NaN" max="NaN"/>
-            <dgm:rule type="h" val="INF" fact="NaN" max="NaN"/>
-          </dgm:ruleLst>
-        </dgm:layoutNode>
-        <dgm:choose name="Name12">
-          <dgm:if name="Name13" axis="ch" ptType="node" func="cnt" op="gte" val="1">
-            <dgm:layoutNode name="desTx" styleLbl="revTx">
-              <dgm:varLst/>
-              <dgm:alg type="tx">
-                <dgm:param type="txAnchorVertCh" val="mid"/>
-                <dgm:param type="parTxLTRAlign" val="l"/>
-                <dgm:param type="shpTxLTRAlignCh" val="l"/>
-                <dgm:param type="parTxRTLAlign" val="r"/>
-                <dgm:param type="shpTxRTLAlignCh" val="r"/>
-                <dgm:param type="stBulletLvl" val="0"/>
-              </dgm:alg>
-              <dgm:shape xmlns:r="http://schemas.openxmlformats.org/officeDocument/2006/relationships" type="rect" r:blip="">
-                <dgm:adjLst/>
-              </dgm:shape>
-              <dgm:presOf axis="des" ptType="node"/>
-              <dgm:constrLst>
-                <dgm:constr type="primFontSz" val="18"/>
-                <dgm:constr type="secFontSz" refType="primFontSz"/>
-                <dgm:constr type="lMarg" refType="h" fact="0.3"/>
-                <dgm:constr type="rMarg" refType="h" fact="0.3"/>
-                <dgm:constr type="tMarg" refType="h" fact="0.3"/>
-                <dgm:constr type="bMarg" refType="h" fact="0.3"/>
-              </dgm:constrLst>
-              <dgm:ruleLst>
-                <dgm:rule type="primFontSz" val="11" fact="NaN" max="NaN"/>
-              </dgm:ruleLst>
-            </dgm:layoutNode>
-          </dgm:if>
-          <dgm:else name="Name14"/>
-        </dgm:choose>
-      </dgm:layoutNode>
-      <dgm:forEach name="Name15" axis="followSib" ptType="sibTrans" cnt="1">
-        <dgm:layoutNode name="sibTrans">
-          <dgm:alg type="sp"/>
-          <dgm:shape xmlns:r="http://schemas.openxmlformats.org/officeDocument/2006/relationships" r:blip="">
-            <dgm:adjLst/>
-          </dgm:shape>
-          <dgm:presOf axis="self"/>
-          <dgm:constrLst/>
-          <dgm:ruleLst/>
-        </dgm:layoutNode>
-      </dgm:forEach>
-    </dgm:forEach>
-  </dgm:layoutNode>
-  <dgm:extLst>
-    <a:ext uri="{68A01E43-0DF5-4B5B-8FA6-DAF915123BFB}">
-      <dgm1612:lstStyle xmlns:dgm1612="http://schemas.microsoft.com/office/drawing/2016/12/diagram">
-        <a:lvl1pPr>
-          <a:lnSpc>
-            <a:spcPct val="100000"/>
-          </a:lnSpc>
-        </a:lvl1pPr>
-        <a:lvl2pPr>
-          <a:lnSpc>
-            <a:spcPct val="100000"/>
-          </a:lnSpc>
-        </a:lvl2pPr>
-      </dgm1612:lstStyle>
-    </a:ext>
-  </dgm:extLst>
-</dgm:layoutDef>
-</file>
-
-<file path=ppt/diagrams/layout4.xml><?xml version="1.0" encoding="utf-8"?>
-<dgm:layoutDef xmlns:dgm="http://schemas.openxmlformats.org/drawingml/2006/diagram" xmlns:a="http://schemas.openxmlformats.org/drawingml/2006/main" uniqueId="urn:microsoft.com/office/officeart/2018/2/layout/IconVerticalSolidList">
-  <dgm:title val="Icon Vertical Solid List"/>
-  <dgm:desc val="Use to show a series of visuals from top to bottom with Level 1 or Level 1 and Level 2 text grouped in a shape. Works best with icons or small pictures with lengthier descriptions."/>
-  <dgm:catLst>
-    <dgm:cat type="icon" pri="500"/>
-  </dgm:catLst>
-  <dgm:sampData useDef="1">
-    <dgm:dataModel>
-      <dgm:ptLst/>
-      <dgm:bg/>
-      <dgm:whole/>
-    </dgm:dataModel>
-  </dgm:sampData>
-  <dgm:styleData useDef="1">
-    <dgm:dataModel>
-      <dgm:ptLst/>
-      <dgm:bg/>
-      <dgm:whole/>
-    </dgm:dataModel>
-  </dgm:styleData>
-  <dgm:clrData useDef="1">
-    <dgm:dataModel>
-      <dgm:ptLst/>
-      <dgm:bg/>
-      <dgm:whole/>
-    </dgm:dataModel>
-  </dgm:clrData>
-  <dgm:layoutNode name="root">
-    <dgm:varLst>
-      <dgm:dir/>
-      <dgm:resizeHandles val="exact"/>
-    </dgm:varLst>
-    <dgm:choose name="Name0">
-      <dgm:if name="Name1" axis="self" func="var" arg="dir" op="equ" val="norm">
-        <dgm:alg type="lin">
-          <dgm:param type="linDir" val="fromT"/>
-          <dgm:param type="nodeHorzAlign" val="l"/>
-        </dgm:alg>
-      </dgm:if>
-      <dgm:else name="Name2">
-        <dgm:alg type="lin">
-          <dgm:param type="linDir" val="fromT"/>
-          <dgm:param type="nodeHorzAlign" val="r"/>
-        </dgm:alg>
-      </dgm:else>
-    </dgm:choose>
-    <dgm:shape xmlns:r="http://schemas.openxmlformats.org/officeDocument/2006/relationships" r:blip="">
-      <dgm:adjLst/>
-    </dgm:shape>
-    <dgm:presOf/>
-    <dgm:choose name="Name3">
-      <dgm:if name="Name4" axis="ch" ptType="node" func="cnt" op="lte" val="3">
-        <dgm:constrLst>
-          <dgm:constr type="h" for="ch" forName="compNode" refType="h" fact="0.3"/>
-          <dgm:constr type="w" for="ch" forName="compNode" refType="w"/>
-          <dgm:constr type="h" for="ch" forName="sibTrans" refType="h" refFor="ch" refForName="compNode" fact="0.25"/>
-          <dgm:constr type="primFontSz" for="des" forName="parTx" val="25"/>
-          <dgm:constr type="primFontSz" for="des" forName="desTx" refType="primFontSz" refFor="des" refForName="parTx" op="lte" fact="0.75"/>
-          <dgm:constr type="h" for="des" forName="compNode" op="equ"/>
-          <dgm:constr type="h" for="des" forName="bgRect" op="equ"/>
-          <dgm:constr type="h" for="des" forName="iconRect" op="equ"/>
-          <dgm:constr type="w" for="des" forName="iconRect" op="equ"/>
-          <dgm:constr type="h" for="des" forName="spaceRect" op="equ"/>
-          <dgm:constr type="h" for="des" forName="parTx" op="equ"/>
-          <dgm:constr type="h" for="des" forName="desTx" op="equ"/>
-        </dgm:constrLst>
-      </dgm:if>
-      <dgm:if name="Name5" axis="ch" ptType="node" func="cnt" op="lte" val="4">
-        <dgm:constrLst>
-          <dgm:constr type="h" for="ch" forName="compNode" refType="h" fact="0.3"/>
-          <dgm:constr type="w" for="ch" forName="compNode" refType="w"/>
-          <dgm:constr type="h" for="ch" forName="sibTrans" refType="h" refFor="ch" refForName="compNode" fact="0.25"/>
-          <dgm:constr type="primFontSz" for="des" forName="parTx" val="22"/>
-          <dgm:constr type="primFontSz" for="des" forName="desTx" refType="primFontSz" refFor="des" refForName="parTx" op="lte" fact="0.75"/>
-          <dgm:constr type="h" for="des" forName="compNode" op="equ"/>
-          <dgm:constr type="h" for="des" forName="bgRect" op="equ"/>
-          <dgm:constr type="h" for="des" forName="iconRect" op="equ"/>
-          <dgm:constr type="w" for="des" forName="iconRect" op="equ"/>
-          <dgm:constr type="h" for="des" forName="spaceRect" op="equ"/>
-          <dgm:constr type="h" for="des" forName="parTx" op="equ"/>
-          <dgm:constr type="h" for="des" forName="desTx" op="equ"/>
-        </dgm:constrLst>
-      </dgm:if>
-      <dgm:if name="Name6" axis="ch" ptType="node" func="cnt" op="lte" val="6">
-        <dgm:constrLst>
-          <dgm:constr type="h" for="ch" forName="compNode" refType="h" fact="0.3"/>
-          <dgm:constr type="w" for="ch" forName="compNode" refType="w"/>
-          <dgm:constr type="h" for="ch" forName="sibTrans" refType="h" refFor="ch" refForName="compNode" fact="0.25"/>
-          <dgm:constr type="primFontSz" for="des" forName="parTx" val="19"/>
-          <dgm:constr type="primFontSz" for="des" forName="desTx" refType="primFontSz" refFor="des" refForName="parTx" op="lte" fact="0.75"/>
-          <dgm:constr type="h" for="des" forName="compNode" op="equ"/>
-          <dgm:constr type="h" for="des" forName="bgRect" op="equ"/>
-          <dgm:constr type="h" for="des" forName="iconRect" op="equ"/>
-          <dgm:constr type="w" for="des" forName="iconRect" op="equ"/>
-          <dgm:constr type="h" for="des" forName="spaceRect" op="equ"/>
-          <dgm:constr type="h" for="des" forName="parTx" op="equ"/>
-          <dgm:constr type="h" for="des" forName="desTx" op="equ"/>
-        </dgm:constrLst>
-      </dgm:if>
-      <dgm:else name="Name7">
-        <dgm:constrLst>
-          <dgm:constr type="h" for="ch" forName="compNode" refType="h" fact="0.3"/>
-          <dgm:constr type="w" for="ch" forName="compNode" refType="w"/>
-          <dgm:constr type="h" for="ch" forName="sibTrans" refType="h" refFor="ch" refForName="compNode" fact="0.25"/>
-          <dgm:constr type="primFontSz" for="des" forName="parTx" val="16"/>
-          <dgm:constr type="primFontSz" for="des" forName="desTx" refType="primFontSz" refFor="des" refForName="parTx" op="lte" fact="0.75"/>
-          <dgm:constr type="h" for="des" forName="compNode" op="equ"/>
-          <dgm:constr type="h" for="des" forName="bgRect" op="equ"/>
-          <dgm:constr type="h" for="des" forName="iconRect" op="equ"/>
-          <dgm:constr type="w" for="des" forName="iconRect" op="equ"/>
-          <dgm:constr type="h" for="des" forName="spaceRect" op="equ"/>
-          <dgm:constr type="h" for="des" forName="parTx" op="equ"/>
-          <dgm:constr type="h" for="des" forName="desTx" op="equ"/>
-        </dgm:constrLst>
-      </dgm:else>
-    </dgm:choose>
-    <dgm:ruleLst>
-      <dgm:rule type="h" for="ch" forName="compNode" val="0" fact="NaN" max="NaN"/>
-    </dgm:ruleLst>
-    <dgm:forEach name="Name8" axis="ch" ptType="node">
-      <dgm:layoutNode name="compNode">
-        <dgm:alg type="composite"/>
-        <dgm:shape xmlns:r="http://schemas.openxmlformats.org/officeDocument/2006/relationships" r:blip="">
-          <dgm:adjLst/>
-        </dgm:shape>
-        <dgm:presOf axis="self"/>
-        <dgm:choose name="Name9">
-          <dgm:if name="Name10" axis="ch" ptType="node" func="cnt" op="gte" val="1">
-            <dgm:constrLst>
-              <dgm:constr type="w" for="ch" forName="bgRect" refType="w"/>
-              <dgm:constr type="h" for="ch" forName="bgRect" refType="h"/>
-              <dgm:constr type="l" for="ch" forName="bgRect"/>
-              <dgm:constr type="t" for="ch" forName="bgRect"/>
-              <dgm:constr type="h" for="ch" forName="iconRect" refType="h" fact="0.55"/>
-              <dgm:constr type="w" for="ch" forName="iconRect" refType="h" refFor="ch" refForName="iconRect"/>
-              <dgm:constr type="l" for="ch" forName="iconRect" refType="h" refFor="ch" refForName="iconRect" fact="0.55"/>
-              <dgm:constr type="ctrY" for="ch" forName="iconRect" refType="ctrY" refFor="ch" refForName="bgRect"/>
-              <dgm:constr type="w" for="ch" forName="spaceRect" refType="l" refFor="ch" refForName="iconRect"/>
-              <dgm:constr type="h" for="ch" forName="spaceRect" refType="h"/>
-              <dgm:constr type="l" for="ch" forName="spaceRect" refType="r" refFor="ch" refForName="iconRect"/>
-              <dgm:constr type="t" for="ch" forName="spaceRect"/>
-              <dgm:constr type="w" for="ch" forName="parTx" refType="w" fact="0.45"/>
-              <dgm:constr type="h" for="ch" forName="parTx" refType="h"/>
-              <dgm:constr type="l" for="ch" forName="parTx" refType="r" refFor="ch" refForName="spaceRect"/>
-              <dgm:constr type="t" for="ch" forName="parTx"/>
-              <dgm:constr type="h" for="ch" forName="desTx" refType="h"/>
-              <dgm:constr type="l" for="ch" forName="desTx" refType="r" refFor="ch" refForName="parTx"/>
-              <dgm:constr type="t" for="ch" forName="desTx"/>
-            </dgm:constrLst>
-          </dgm:if>
-          <dgm:else name="Name11">
-            <dgm:constrLst>
-              <dgm:constr type="w" for="ch" forName="bgRect" refType="w"/>
-              <dgm:constr type="h" for="ch" forName="bgRect" refType="h"/>
-              <dgm:constr type="l" for="ch" forName="bgRect"/>
-              <dgm:constr type="t" for="ch" forName="bgRect"/>
-              <dgm:constr type="h" for="ch" forName="iconRect" refType="h" fact="0.55"/>
-              <dgm:constr type="w" for="ch" forName="iconRect" refType="h" refFor="ch" refForName="iconRect"/>
-              <dgm:constr type="l" for="ch" forName="iconRect" refType="h" refFor="ch" refForName="iconRect" fact="0.55"/>
-              <dgm:constr type="ctrY" for="ch" forName="iconRect" refType="ctrY" refFor="ch" refForName="bgRect"/>
-              <dgm:constr type="w" for="ch" forName="spaceRect" refType="l" refFor="ch" refForName="iconRect"/>
-              <dgm:constr type="h" for="ch" forName="spaceRect" refType="h"/>
-              <dgm:constr type="l" for="ch" forName="spaceRect" refType="r" refFor="ch" refForName="iconRect"/>
-              <dgm:constr type="t" for="ch" forName="spaceRect"/>
-              <dgm:constr type="h" for="ch" forName="parTx" refType="h"/>
-              <dgm:constr type="l" for="ch" forName="parTx" refType="r" refFor="ch" refForName="spaceRect"/>
-              <dgm:constr type="t" for="ch" forName="parTx"/>
-            </dgm:constrLst>
-          </dgm:else>
-        </dgm:choose>
-        <dgm:ruleLst>
-          <dgm:rule type="h" val="INF" fact="NaN" max="NaN"/>
-        </dgm:ruleLst>
-        <dgm:layoutNode name="bgRect" styleLbl="bgShp">
-          <dgm:alg type="sp"/>
-          <dgm:shape xmlns:r="http://schemas.openxmlformats.org/officeDocument/2006/relationships" type="roundRect" r:blip="">
-            <dgm:adjLst>
-              <dgm:adj idx="1" val="0.1"/>
-            </dgm:adjLst>
-          </dgm:shape>
-          <dgm:presOf/>
-          <dgm:constrLst/>
-          <dgm:ruleLst/>
-        </dgm:layoutNode>
-        <dgm:layoutNode name="iconRect" styleLbl="node1">
-          <dgm:alg type="sp"/>
-          <dgm:shape xmlns:r="http://schemas.openxmlformats.org/officeDocument/2006/relationships" type="rect" r:blip="" blipPhldr="1">
-            <dgm:adjLst/>
-          </dgm:shape>
-          <dgm:presOf/>
-          <dgm:constrLst/>
-          <dgm:ruleLst/>
-        </dgm:layoutNode>
-        <dgm:layoutNode name="spaceRect">
-          <dgm:alg type="sp"/>
-          <dgm:shape xmlns:r="http://schemas.openxmlformats.org/officeDocument/2006/relationships" r:blip="">
-            <dgm:adjLst/>
-          </dgm:shape>
-          <dgm:presOf/>
-          <dgm:constrLst/>
-          <dgm:ruleLst/>
-        </dgm:layoutNode>
-        <dgm:layoutNode name="parTx" styleLbl="revTx">
-          <dgm:varLst>
-            <dgm:chMax val="0"/>
-            <dgm:chPref val="0"/>
-          </dgm:varLst>
-          <dgm:alg type="tx">
-            <dgm:param type="txAnchorVert" val="mid"/>
-            <dgm:param type="parTxLTRAlign" val="l"/>
-            <dgm:param type="shpTxLTRAlignCh" val="l"/>
-            <dgm:param type="parTxRTLAlign" val="r"/>
-            <dgm:param type="shpTxRTLAlignCh" val="r"/>
-          </dgm:alg>
-          <dgm:shape xmlns:r="http://schemas.openxmlformats.org/officeDocument/2006/relationships" type="rect" r:blip="">
-            <dgm:adjLst/>
-          </dgm:shape>
-          <dgm:presOf axis="self" ptType="node"/>
-          <dgm:constrLst>
-            <dgm:constr type="lMarg" refType="h" fact="0.3"/>
-            <dgm:constr type="rMarg" refType="h" fact="0.3"/>
-            <dgm:constr type="tMarg" refType="h" fact="0.3"/>
-            <dgm:constr type="bMarg" refType="h" fact="0.3"/>
-          </dgm:constrLst>
-          <dgm:ruleLst>
-            <dgm:rule type="primFontSz" val="14" fact="NaN" max="NaN"/>
-            <dgm:rule type="h" val="INF" fact="NaN" max="NaN"/>
-          </dgm:ruleLst>
-        </dgm:layoutNode>
-        <dgm:choose name="Name12">
-          <dgm:if name="Name13" axis="ch" ptType="node" func="cnt" op="gte" val="1">
-            <dgm:layoutNode name="desTx" styleLbl="revTx">
-              <dgm:varLst/>
-              <dgm:alg type="tx">
-                <dgm:param type="txAnchorVertCh" val="mid"/>
-                <dgm:param type="parTxLTRAlign" val="l"/>
-                <dgm:param type="shpTxLTRAlignCh" val="l"/>
-                <dgm:param type="parTxRTLAlign" val="r"/>
-                <dgm:param type="shpTxRTLAlignCh" val="r"/>
-                <dgm:param type="stBulletLvl" val="0"/>
-              </dgm:alg>
-              <dgm:shape xmlns:r="http://schemas.openxmlformats.org/officeDocument/2006/relationships" type="rect" r:blip="">
-                <dgm:adjLst/>
-              </dgm:shape>
-              <dgm:presOf axis="des" ptType="node"/>
-              <dgm:constrLst>
-                <dgm:constr type="primFontSz" val="18"/>
-                <dgm:constr type="secFontSz" refType="primFontSz"/>
-                <dgm:constr type="lMarg" refType="h" fact="0.3"/>
-                <dgm:constr type="rMarg" refType="h" fact="0.3"/>
-                <dgm:constr type="tMarg" refType="h" fact="0.3"/>
-                <dgm:constr type="bMarg" refType="h" fact="0.3"/>
-              </dgm:constrLst>
-              <dgm:ruleLst>
-                <dgm:rule type="primFontSz" val="11" fact="NaN" max="NaN"/>
-              </dgm:ruleLst>
-            </dgm:layoutNode>
-          </dgm:if>
-          <dgm:else name="Name14"/>
-        </dgm:choose>
-      </dgm:layoutNode>
-      <dgm:forEach name="Name15" axis="followSib" ptType="sibTrans" cnt="1">
-        <dgm:layoutNode name="sibTrans">
-          <dgm:alg type="sp"/>
-          <dgm:shape xmlns:r="http://schemas.openxmlformats.org/officeDocument/2006/relationships" r:blip="">
-            <dgm:adjLst/>
-          </dgm:shape>
-          <dgm:presOf axis="self"/>
-          <dgm:constrLst/>
-          <dgm:ruleLst/>
-        </dgm:layoutNode>
-      </dgm:forEach>
-    </dgm:forEach>
-  </dgm:layoutNode>
-  <dgm:extLst>
-    <a:ext uri="{68A01E43-0DF5-4B5B-8FA6-DAF915123BFB}">
-      <dgm1612:lstStyle xmlns:dgm1612="http://schemas.microsoft.com/office/drawing/2016/12/diagram">
-        <a:lvl1pPr>
-          <a:lnSpc>
-            <a:spcPct val="100000"/>
-          </a:lnSpc>
-        </a:lvl1pPr>
-        <a:lvl2pPr>
-          <a:lnSpc>
-            <a:spcPct val="100000"/>
-          </a:lnSpc>
-        </a:lvl2pPr>
-      </dgm1612:lstStyle>
-    </a:ext>
-  </dgm:extLst>
-</dgm:layoutDef>
-</file>
-
 <file path=ppt/diagrams/quickStyle1.xml><?xml version="1.0" encoding="utf-8"?>
 <dgm:styleDef xmlns:dgm="http://schemas.openxmlformats.org/drawingml/2006/diagram" xmlns:a="http://schemas.openxmlformats.org/drawingml/2006/main" uniqueId="urn:microsoft.com/office/officeart/2005/8/quickstyle/simple1">
   <dgm:title val=""/>
@@ -9227,11 +9179,11 @@
 </file>
 
 <file path=ppt/diagrams/quickStyle2.xml><?xml version="1.0" encoding="utf-8"?>
-<dgm:styleDef xmlns:dgm="http://schemas.openxmlformats.org/drawingml/2006/diagram" xmlns:a="http://schemas.openxmlformats.org/drawingml/2006/main" uniqueId="urn:microsoft.com/office/officeart/2005/8/quickstyle/simple2">
+<dgm:styleDef xmlns:dgm="http://schemas.openxmlformats.org/drawingml/2006/diagram" xmlns:a="http://schemas.openxmlformats.org/drawingml/2006/main" uniqueId="urn:microsoft.com/office/officeart/2005/8/quickstyle/simple1">
   <dgm:title val=""/>
   <dgm:desc val=""/>
   <dgm:catLst>
-    <dgm:cat type="simple" pri="10200"/>
+    <dgm:cat type="simple" pri="10100"/>
   </dgm:catLst>
   <dgm:scene3d>
     <a:camera prst="orthographicFront"/>
@@ -9245,13 +9197,13 @@
     <dgm:sp3d/>
     <dgm:txPr/>
     <dgm:style>
-      <a:lnRef idx="3">
+      <a:lnRef idx="2">
         <a:scrgbClr r="0" g="0" b="0"/>
       </a:lnRef>
       <a:fillRef idx="1">
         <a:scrgbClr r="0" g="0" b="0"/>
       </a:fillRef>
-      <a:effectRef idx="1">
+      <a:effectRef idx="0">
         <a:scrgbClr r="0" g="0" b="0"/>
       </a:effectRef>
       <a:fontRef idx="minor">
@@ -9267,13 +9219,13 @@
     <dgm:sp3d/>
     <dgm:txPr/>
     <dgm:style>
-      <a:lnRef idx="3">
+      <a:lnRef idx="2">
         <a:scrgbClr r="0" g="0" b="0"/>
       </a:lnRef>
       <a:fillRef idx="1">
         <a:scrgbClr r="0" g="0" b="0"/>
       </a:fillRef>
-      <a:effectRef idx="1">
+      <a:effectRef idx="0">
         <a:scrgbClr r="0" g="0" b="0"/>
       </a:effectRef>
       <a:fontRef idx="minor">
@@ -9289,7 +9241,7 @@
     <dgm:sp3d/>
     <dgm:txPr/>
     <dgm:style>
-      <a:lnRef idx="3">
+      <a:lnRef idx="2">
         <a:scrgbClr r="0" g="0" b="0"/>
       </a:lnRef>
       <a:fillRef idx="1">
@@ -9317,7 +9269,7 @@
       <a:fillRef idx="1">
         <a:scrgbClr r="0" g="0" b="0"/>
       </a:fillRef>
-      <a:effectRef idx="1">
+      <a:effectRef idx="0">
         <a:scrgbClr r="0" g="0" b="0"/>
       </a:effectRef>
       <a:fontRef idx="minor">
@@ -9333,13 +9285,13 @@
     <dgm:sp3d/>
     <dgm:txPr/>
     <dgm:style>
-      <a:lnRef idx="3">
+      <a:lnRef idx="2">
         <a:scrgbClr r="0" g="0" b="0"/>
       </a:lnRef>
       <a:fillRef idx="1">
         <a:scrgbClr r="0" g="0" b="0"/>
       </a:fillRef>
-      <a:effectRef idx="1">
+      <a:effectRef idx="0">
         <a:scrgbClr r="0" g="0" b="0"/>
       </a:effectRef>
       <a:fontRef idx="minor">
@@ -9355,13 +9307,13 @@
     <dgm:sp3d/>
     <dgm:txPr/>
     <dgm:style>
-      <a:lnRef idx="3">
+      <a:lnRef idx="2">
         <a:scrgbClr r="0" g="0" b="0"/>
       </a:lnRef>
       <a:fillRef idx="1">
         <a:scrgbClr r="0" g="0" b="0"/>
       </a:fillRef>
-      <a:effectRef idx="1">
+      <a:effectRef idx="0">
         <a:scrgbClr r="0" g="0" b="0"/>
       </a:effectRef>
       <a:fontRef idx="minor">
@@ -9377,13 +9329,13 @@
     <dgm:sp3d/>
     <dgm:txPr/>
     <dgm:style>
-      <a:lnRef idx="3">
+      <a:lnRef idx="2">
         <a:scrgbClr r="0" g="0" b="0"/>
       </a:lnRef>
       <a:fillRef idx="1">
         <a:scrgbClr r="0" g="0" b="0"/>
       </a:fillRef>
-      <a:effectRef idx="1">
+      <a:effectRef idx="0">
         <a:scrgbClr r="0" g="0" b="0"/>
       </a:effectRef>
       <a:fontRef idx="minor">
@@ -9399,13 +9351,13 @@
     <dgm:sp3d/>
     <dgm:txPr/>
     <dgm:style>
-      <a:lnRef idx="3">
+      <a:lnRef idx="2">
         <a:scrgbClr r="0" g="0" b="0"/>
       </a:lnRef>
       <a:fillRef idx="1">
         <a:scrgbClr r="0" g="0" b="0"/>
       </a:fillRef>
-      <a:effectRef idx="1">
+      <a:effectRef idx="0">
         <a:scrgbClr r="0" g="0" b="0"/>
       </a:effectRef>
       <a:fontRef idx="minor">
@@ -9421,13 +9373,13 @@
     <dgm:sp3d/>
     <dgm:txPr/>
     <dgm:style>
-      <a:lnRef idx="3">
+      <a:lnRef idx="2">
         <a:scrgbClr r="0" g="0" b="0"/>
       </a:lnRef>
       <a:fillRef idx="1">
         <a:scrgbClr r="0" g="0" b="0"/>
       </a:fillRef>
-      <a:effectRef idx="1">
+      <a:effectRef idx="0">
         <a:scrgbClr r="0" g="0" b="0"/>
       </a:effectRef>
       <a:fontRef idx="minor"/>
@@ -9441,13 +9393,13 @@
     <dgm:sp3d/>
     <dgm:txPr/>
     <dgm:style>
-      <a:lnRef idx="3">
+      <a:lnRef idx="2">
         <a:scrgbClr r="0" g="0" b="0"/>
       </a:lnRef>
       <a:fillRef idx="1">
         <a:scrgbClr r="0" g="0" b="0"/>
       </a:fillRef>
-      <a:effectRef idx="1">
+      <a:effectRef idx="0">
         <a:scrgbClr r="0" g="0" b="0"/>
       </a:effectRef>
       <a:fontRef idx="minor"/>
@@ -9461,13 +9413,13 @@
     <dgm:sp3d/>
     <dgm:txPr/>
     <dgm:style>
-      <a:lnRef idx="3">
+      <a:lnRef idx="2">
         <a:scrgbClr r="0" g="0" b="0"/>
       </a:lnRef>
       <a:fillRef idx="1">
         <a:scrgbClr r="0" g="0" b="0"/>
       </a:fillRef>
-      <a:effectRef idx="1">
+      <a:effectRef idx="0">
         <a:scrgbClr r="0" g="0" b="0"/>
       </a:effectRef>
       <a:fontRef idx="minor"/>
@@ -9487,7 +9439,7 @@
       <a:fillRef idx="1">
         <a:scrgbClr r="0" g="0" b="0"/>
       </a:fillRef>
-      <a:effectRef idx="1">
+      <a:effectRef idx="0">
         <a:scrgbClr r="0" g="0" b="0"/>
       </a:effectRef>
       <a:fontRef idx="minor">
@@ -9509,7 +9461,7 @@
       <a:fillRef idx="1">
         <a:scrgbClr r="0" g="0" b="0"/>
       </a:fillRef>
-      <a:effectRef idx="1">
+      <a:effectRef idx="0">
         <a:scrgbClr r="0" g="0" b="0"/>
       </a:effectRef>
       <a:fontRef idx="minor">
@@ -9531,7 +9483,7 @@
       <a:fillRef idx="1">
         <a:scrgbClr r="0" g="0" b="0"/>
       </a:fillRef>
-      <a:effectRef idx="1">
+      <a:effectRef idx="0">
         <a:scrgbClr r="0" g="0" b="0"/>
       </a:effectRef>
       <a:fontRef idx="minor">
@@ -9573,7 +9525,7 @@
       <a:fillRef idx="1">
         <a:scrgbClr r="0" g="0" b="0"/>
       </a:fillRef>
-      <a:effectRef idx="1">
+      <a:effectRef idx="0">
         <a:scrgbClr r="0" g="0" b="0"/>
       </a:effectRef>
       <a:fontRef idx="minor"/>
@@ -9587,13 +9539,13 @@
     <dgm:sp3d/>
     <dgm:txPr/>
     <dgm:style>
-      <a:lnRef idx="3">
+      <a:lnRef idx="2">
         <a:scrgbClr r="0" g="0" b="0"/>
       </a:lnRef>
       <a:fillRef idx="1">
         <a:scrgbClr r="0" g="0" b="0"/>
       </a:fillRef>
-      <a:effectRef idx="1">
+      <a:effectRef idx="0">
         <a:scrgbClr r="0" g="0" b="0"/>
       </a:effectRef>
       <a:fontRef idx="minor">
@@ -9609,13 +9561,13 @@
     <dgm:sp3d/>
     <dgm:txPr/>
     <dgm:style>
-      <a:lnRef idx="3">
+      <a:lnRef idx="2">
         <a:scrgbClr r="0" g="0" b="0"/>
       </a:lnRef>
       <a:fillRef idx="1">
         <a:scrgbClr r="0" g="0" b="0"/>
       </a:fillRef>
-      <a:effectRef idx="1">
+      <a:effectRef idx="0">
         <a:scrgbClr r="0" g="0" b="0"/>
       </a:effectRef>
       <a:fontRef idx="minor">
@@ -9631,13 +9583,13 @@
     <dgm:sp3d/>
     <dgm:txPr/>
     <dgm:style>
-      <a:lnRef idx="3">
+      <a:lnRef idx="2">
         <a:scrgbClr r="0" g="0" b="0"/>
       </a:lnRef>
       <a:fillRef idx="1">
         <a:scrgbClr r="0" g="0" b="0"/>
       </a:fillRef>
-      <a:effectRef idx="1">
+      <a:effectRef idx="0">
         <a:scrgbClr r="0" g="0" b="0"/>
       </a:effectRef>
       <a:fontRef idx="minor">
@@ -9653,13 +9605,13 @@
     <dgm:sp3d/>
     <dgm:txPr/>
     <dgm:style>
-      <a:lnRef idx="3">
+      <a:lnRef idx="2">
         <a:scrgbClr r="0" g="0" b="0"/>
       </a:lnRef>
       <a:fillRef idx="1">
         <a:scrgbClr r="0" g="0" b="0"/>
       </a:fillRef>
-      <a:effectRef idx="1">
+      <a:effectRef idx="0">
         <a:scrgbClr r="0" g="0" b="0"/>
       </a:effectRef>
       <a:fontRef idx="minor">
@@ -9675,13 +9627,13 @@
     <dgm:sp3d/>
     <dgm:txPr/>
     <dgm:style>
-      <a:lnRef idx="3">
+      <a:lnRef idx="2">
         <a:scrgbClr r="0" g="0" b="0"/>
       </a:lnRef>
       <a:fillRef idx="1">
         <a:scrgbClr r="0" g="0" b="0"/>
       </a:fillRef>
-      <a:effectRef idx="1">
+      <a:effectRef idx="0">
         <a:scrgbClr r="0" g="0" b="0"/>
       </a:effectRef>
       <a:fontRef idx="minor">
@@ -9697,13 +9649,13 @@
     <dgm:sp3d/>
     <dgm:txPr/>
     <dgm:style>
-      <a:lnRef idx="3">
+      <a:lnRef idx="2">
         <a:scrgbClr r="0" g="0" b="0"/>
       </a:lnRef>
       <a:fillRef idx="1">
         <a:scrgbClr r="0" g="0" b="0"/>
       </a:fillRef>
-      <a:effectRef idx="1">
+      <a:effectRef idx="0">
         <a:scrgbClr r="0" g="0" b="0"/>
       </a:effectRef>
       <a:fontRef idx="minor">
@@ -9719,13 +9671,13 @@
     <dgm:sp3d/>
     <dgm:txPr/>
     <dgm:style>
-      <a:lnRef idx="3">
+      <a:lnRef idx="2">
         <a:scrgbClr r="0" g="0" b="0"/>
       </a:lnRef>
       <a:fillRef idx="1">
         <a:scrgbClr r="0" g="0" b="0"/>
       </a:fillRef>
-      <a:effectRef idx="1">
+      <a:effectRef idx="0">
         <a:scrgbClr r="0" g="0" b="0"/>
       </a:effectRef>
       <a:fontRef idx="minor">
@@ -9741,13 +9693,13 @@
     <dgm:sp3d/>
     <dgm:txPr/>
     <dgm:style>
-      <a:lnRef idx="3">
+      <a:lnRef idx="2">
         <a:scrgbClr r="0" g="0" b="0"/>
       </a:lnRef>
       <a:fillRef idx="1">
         <a:scrgbClr r="0" g="0" b="0"/>
       </a:fillRef>
-      <a:effectRef idx="1">
+      <a:effectRef idx="0">
         <a:scrgbClr r="0" g="0" b="0"/>
       </a:effectRef>
       <a:fontRef idx="minor">
@@ -9763,13 +9715,13 @@
     <dgm:sp3d/>
     <dgm:txPr/>
     <dgm:style>
-      <a:lnRef idx="3">
+      <a:lnRef idx="2">
         <a:scrgbClr r="0" g="0" b="0"/>
       </a:lnRef>
       <a:fillRef idx="1">
         <a:scrgbClr r="0" g="0" b="0"/>
       </a:fillRef>
-      <a:effectRef idx="1">
+      <a:effectRef idx="0">
         <a:scrgbClr r="0" g="0" b="0"/>
       </a:effectRef>
       <a:fontRef idx="minor">
@@ -10225,13 +10177,13 @@
     <dgm:sp3d/>
     <dgm:txPr/>
     <dgm:style>
-      <a:lnRef idx="3">
+      <a:lnRef idx="2">
         <a:scrgbClr r="0" g="0" b="0"/>
       </a:lnRef>
       <a:fillRef idx="1">
         <a:scrgbClr r="0" g="0" b="0"/>
       </a:fillRef>
-      <a:effectRef idx="1">
+      <a:effectRef idx="0">
         <a:scrgbClr r="0" g="0" b="0"/>
       </a:effectRef>
       <a:fontRef idx="minor"/>
@@ -11295,11 +11247,11 @@
 </file>
 
 <file path=ppt/diagrams/quickStyle4.xml><?xml version="1.0" encoding="utf-8"?>
-<dgm:styleDef xmlns:dgm="http://schemas.openxmlformats.org/drawingml/2006/diagram" xmlns:a="http://schemas.openxmlformats.org/drawingml/2006/main" uniqueId="urn:microsoft.com/office/officeart/2005/8/quickstyle/simple1">
+<dgm:styleDef xmlns:dgm="http://schemas.openxmlformats.org/drawingml/2006/diagram" xmlns:a="http://schemas.openxmlformats.org/drawingml/2006/main" uniqueId="urn:microsoft.com/office/officeart/2005/8/quickstyle/simple2">
   <dgm:title val=""/>
   <dgm:desc val=""/>
   <dgm:catLst>
-    <dgm:cat type="simple" pri="10100"/>
+    <dgm:cat type="simple" pri="10200"/>
   </dgm:catLst>
   <dgm:scene3d>
     <a:camera prst="orthographicFront"/>
@@ -11313,13 +11265,13 @@
     <dgm:sp3d/>
     <dgm:txPr/>
     <dgm:style>
-      <a:lnRef idx="2">
+      <a:lnRef idx="3">
         <a:scrgbClr r="0" g="0" b="0"/>
       </a:lnRef>
       <a:fillRef idx="1">
         <a:scrgbClr r="0" g="0" b="0"/>
       </a:fillRef>
-      <a:effectRef idx="0">
+      <a:effectRef idx="1">
         <a:scrgbClr r="0" g="0" b="0"/>
       </a:effectRef>
       <a:fontRef idx="minor">
@@ -11335,13 +11287,13 @@
     <dgm:sp3d/>
     <dgm:txPr/>
     <dgm:style>
-      <a:lnRef idx="2">
+      <a:lnRef idx="3">
         <a:scrgbClr r="0" g="0" b="0"/>
       </a:lnRef>
       <a:fillRef idx="1">
         <a:scrgbClr r="0" g="0" b="0"/>
       </a:fillRef>
-      <a:effectRef idx="0">
+      <a:effectRef idx="1">
         <a:scrgbClr r="0" g="0" b="0"/>
       </a:effectRef>
       <a:fontRef idx="minor">
@@ -11357,7 +11309,7 @@
     <dgm:sp3d/>
     <dgm:txPr/>
     <dgm:style>
-      <a:lnRef idx="2">
+      <a:lnRef idx="3">
         <a:scrgbClr r="0" g="0" b="0"/>
       </a:lnRef>
       <a:fillRef idx="1">
@@ -11385,7 +11337,7 @@
       <a:fillRef idx="1">
         <a:scrgbClr r="0" g="0" b="0"/>
       </a:fillRef>
-      <a:effectRef idx="0">
+      <a:effectRef idx="1">
         <a:scrgbClr r="0" g="0" b="0"/>
       </a:effectRef>
       <a:fontRef idx="minor">
@@ -11401,13 +11353,13 @@
     <dgm:sp3d/>
     <dgm:txPr/>
     <dgm:style>
-      <a:lnRef idx="2">
+      <a:lnRef idx="3">
         <a:scrgbClr r="0" g="0" b="0"/>
       </a:lnRef>
       <a:fillRef idx="1">
         <a:scrgbClr r="0" g="0" b="0"/>
       </a:fillRef>
-      <a:effectRef idx="0">
+      <a:effectRef idx="1">
         <a:scrgbClr r="0" g="0" b="0"/>
       </a:effectRef>
       <a:fontRef idx="minor">
@@ -11423,13 +11375,13 @@
     <dgm:sp3d/>
     <dgm:txPr/>
     <dgm:style>
-      <a:lnRef idx="2">
+      <a:lnRef idx="3">
         <a:scrgbClr r="0" g="0" b="0"/>
       </a:lnRef>
       <a:fillRef idx="1">
         <a:scrgbClr r="0" g="0" b="0"/>
       </a:fillRef>
-      <a:effectRef idx="0">
+      <a:effectRef idx="1">
         <a:scrgbClr r="0" g="0" b="0"/>
       </a:effectRef>
       <a:fontRef idx="minor">
@@ -11445,13 +11397,13 @@
     <dgm:sp3d/>
     <dgm:txPr/>
     <dgm:style>
-      <a:lnRef idx="2">
+      <a:lnRef idx="3">
         <a:scrgbClr r="0" g="0" b="0"/>
       </a:lnRef>
       <a:fillRef idx="1">
         <a:scrgbClr r="0" g="0" b="0"/>
       </a:fillRef>
-      <a:effectRef idx="0">
+      <a:effectRef idx="1">
         <a:scrgbClr r="0" g="0" b="0"/>
       </a:effectRef>
       <a:fontRef idx="minor">
@@ -11467,13 +11419,13 @@
     <dgm:sp3d/>
     <dgm:txPr/>
     <dgm:style>
-      <a:lnRef idx="2">
+      <a:lnRef idx="3">
         <a:scrgbClr r="0" g="0" b="0"/>
       </a:lnRef>
       <a:fillRef idx="1">
         <a:scrgbClr r="0" g="0" b="0"/>
       </a:fillRef>
-      <a:effectRef idx="0">
+      <a:effectRef idx="1">
         <a:scrgbClr r="0" g="0" b="0"/>
       </a:effectRef>
       <a:fontRef idx="minor">
@@ -11489,13 +11441,13 @@
     <dgm:sp3d/>
     <dgm:txPr/>
     <dgm:style>
-      <a:lnRef idx="2">
+      <a:lnRef idx="3">
         <a:scrgbClr r="0" g="0" b="0"/>
       </a:lnRef>
       <a:fillRef idx="1">
         <a:scrgbClr r="0" g="0" b="0"/>
       </a:fillRef>
-      <a:effectRef idx="0">
+      <a:effectRef idx="1">
         <a:scrgbClr r="0" g="0" b="0"/>
       </a:effectRef>
       <a:fontRef idx="minor"/>
@@ -11509,13 +11461,13 @@
     <dgm:sp3d/>
     <dgm:txPr/>
     <dgm:style>
-      <a:lnRef idx="2">
+      <a:lnRef idx="3">
         <a:scrgbClr r="0" g="0" b="0"/>
       </a:lnRef>
       <a:fillRef idx="1">
         <a:scrgbClr r="0" g="0" b="0"/>
       </a:fillRef>
-      <a:effectRef idx="0">
+      <a:effectRef idx="1">
         <a:scrgbClr r="0" g="0" b="0"/>
       </a:effectRef>
       <a:fontRef idx="minor"/>
@@ -11529,13 +11481,13 @@
     <dgm:sp3d/>
     <dgm:txPr/>
     <dgm:style>
-      <a:lnRef idx="2">
+      <a:lnRef idx="3">
         <a:scrgbClr r="0" g="0" b="0"/>
       </a:lnRef>
       <a:fillRef idx="1">
         <a:scrgbClr r="0" g="0" b="0"/>
       </a:fillRef>
-      <a:effectRef idx="0">
+      <a:effectRef idx="1">
         <a:scrgbClr r="0" g="0" b="0"/>
       </a:effectRef>
       <a:fontRef idx="minor"/>
@@ -11555,7 +11507,7 @@
       <a:fillRef idx="1">
         <a:scrgbClr r="0" g="0" b="0"/>
       </a:fillRef>
-      <a:effectRef idx="0">
+      <a:effectRef idx="1">
         <a:scrgbClr r="0" g="0" b="0"/>
       </a:effectRef>
       <a:fontRef idx="minor">
@@ -11577,7 +11529,7 @@
       <a:fillRef idx="1">
         <a:scrgbClr r="0" g="0" b="0"/>
       </a:fillRef>
-      <a:effectRef idx="0">
+      <a:effectRef idx="1">
         <a:scrgbClr r="0" g="0" b="0"/>
       </a:effectRef>
       <a:fontRef idx="minor">
@@ -11599,7 +11551,7 @@
       <a:fillRef idx="1">
         <a:scrgbClr r="0" g="0" b="0"/>
       </a:fillRef>
-      <a:effectRef idx="0">
+      <a:effectRef idx="1">
         <a:scrgbClr r="0" g="0" b="0"/>
       </a:effectRef>
       <a:fontRef idx="minor">
@@ -11641,7 +11593,7 @@
       <a:fillRef idx="1">
         <a:scrgbClr r="0" g="0" b="0"/>
       </a:fillRef>
-      <a:effectRef idx="0">
+      <a:effectRef idx="1">
         <a:scrgbClr r="0" g="0" b="0"/>
       </a:effectRef>
       <a:fontRef idx="minor"/>
@@ -11655,13 +11607,13 @@
     <dgm:sp3d/>
     <dgm:txPr/>
     <dgm:style>
-      <a:lnRef idx="2">
+      <a:lnRef idx="3">
         <a:scrgbClr r="0" g="0" b="0"/>
       </a:lnRef>
       <a:fillRef idx="1">
         <a:scrgbClr r="0" g="0" b="0"/>
       </a:fillRef>
-      <a:effectRef idx="0">
+      <a:effectRef idx="1">
         <a:scrgbClr r="0" g="0" b="0"/>
       </a:effectRef>
       <a:fontRef idx="minor">
@@ -11677,13 +11629,13 @@
     <dgm:sp3d/>
     <dgm:txPr/>
     <dgm:style>
-      <a:lnRef idx="2">
+      <a:lnRef idx="3">
         <a:scrgbClr r="0" g="0" b="0"/>
       </a:lnRef>
       <a:fillRef idx="1">
         <a:scrgbClr r="0" g="0" b="0"/>
       </a:fillRef>
-      <a:effectRef idx="0">
+      <a:effectRef idx="1">
         <a:scrgbClr r="0" g="0" b="0"/>
       </a:effectRef>
       <a:fontRef idx="minor">
@@ -11699,13 +11651,13 @@
     <dgm:sp3d/>
     <dgm:txPr/>
     <dgm:style>
-      <a:lnRef idx="2">
+      <a:lnRef idx="3">
         <a:scrgbClr r="0" g="0" b="0"/>
       </a:lnRef>
       <a:fillRef idx="1">
         <a:scrgbClr r="0" g="0" b="0"/>
       </a:fillRef>
-      <a:effectRef idx="0">
+      <a:effectRef idx="1">
         <a:scrgbClr r="0" g="0" b="0"/>
       </a:effectRef>
       <a:fontRef idx="minor">
@@ -11721,13 +11673,13 @@
     <dgm:sp3d/>
     <dgm:txPr/>
     <dgm:style>
-      <a:lnRef idx="2">
+      <a:lnRef idx="3">
         <a:scrgbClr r="0" g="0" b="0"/>
       </a:lnRef>
       <a:fillRef idx="1">
         <a:scrgbClr r="0" g="0" b="0"/>
       </a:fillRef>
-      <a:effectRef idx="0">
+      <a:effectRef idx="1">
         <a:scrgbClr r="0" g="0" b="0"/>
       </a:effectRef>
       <a:fontRef idx="minor">
@@ -11743,13 +11695,13 @@
     <dgm:sp3d/>
     <dgm:txPr/>
     <dgm:style>
-      <a:lnRef idx="2">
+      <a:lnRef idx="3">
         <a:scrgbClr r="0" g="0" b="0"/>
       </a:lnRef>
       <a:fillRef idx="1">
         <a:scrgbClr r="0" g="0" b="0"/>
       </a:fillRef>
-      <a:effectRef idx="0">
+      <a:effectRef idx="1">
         <a:scrgbClr r="0" g="0" b="0"/>
       </a:effectRef>
       <a:fontRef idx="minor">
@@ -11765,13 +11717,13 @@
     <dgm:sp3d/>
     <dgm:txPr/>
     <dgm:style>
-      <a:lnRef idx="2">
+      <a:lnRef idx="3">
         <a:scrgbClr r="0" g="0" b="0"/>
       </a:lnRef>
       <a:fillRef idx="1">
         <a:scrgbClr r="0" g="0" b="0"/>
       </a:fillRef>
-      <a:effectRef idx="0">
+      <a:effectRef idx="1">
         <a:scrgbClr r="0" g="0" b="0"/>
       </a:effectRef>
       <a:fontRef idx="minor">
@@ -11787,13 +11739,13 @@
     <dgm:sp3d/>
     <dgm:txPr/>
     <dgm:style>
-      <a:lnRef idx="2">
+      <a:lnRef idx="3">
         <a:scrgbClr r="0" g="0" b="0"/>
       </a:lnRef>
       <a:fillRef idx="1">
         <a:scrgbClr r="0" g="0" b="0"/>
       </a:fillRef>
-      <a:effectRef idx="0">
+      <a:effectRef idx="1">
         <a:scrgbClr r="0" g="0" b="0"/>
       </a:effectRef>
       <a:fontRef idx="minor">
@@ -11809,13 +11761,13 @@
     <dgm:sp3d/>
     <dgm:txPr/>
     <dgm:style>
-      <a:lnRef idx="2">
+      <a:lnRef idx="3">
         <a:scrgbClr r="0" g="0" b="0"/>
       </a:lnRef>
       <a:fillRef idx="1">
         <a:scrgbClr r="0" g="0" b="0"/>
       </a:fillRef>
-      <a:effectRef idx="0">
+      <a:effectRef idx="1">
         <a:scrgbClr r="0" g="0" b="0"/>
       </a:effectRef>
       <a:fontRef idx="minor">
@@ -11831,13 +11783,13 @@
     <dgm:sp3d/>
     <dgm:txPr/>
     <dgm:style>
-      <a:lnRef idx="2">
+      <a:lnRef idx="3">
         <a:scrgbClr r="0" g="0" b="0"/>
       </a:lnRef>
       <a:fillRef idx="1">
         <a:scrgbClr r="0" g="0" b="0"/>
       </a:fillRef>
-      <a:effectRef idx="0">
+      <a:effectRef idx="1">
         <a:scrgbClr r="0" g="0" b="0"/>
       </a:effectRef>
       <a:fontRef idx="minor">
@@ -12293,13 +12245,13 @@
     <dgm:sp3d/>
     <dgm:txPr/>
     <dgm:style>
-      <a:lnRef idx="2">
+      <a:lnRef idx="3">
         <a:scrgbClr r="0" g="0" b="0"/>
       </a:lnRef>
       <a:fillRef idx="1">
         <a:scrgbClr r="0" g="0" b="0"/>
       </a:fillRef>
-      <a:effectRef idx="0">
+      <a:effectRef idx="1">
         <a:scrgbClr r="0" g="0" b="0"/>
       </a:effectRef>
       <a:fontRef idx="minor"/>
@@ -12410,7 +12362,7 @@
           <a:p>
             <a:fld id="{AF366F2D-06E1-47E8-9D6A-F1DA03A85D68}" type="datetimeFigureOut">
               <a:rPr lang="sk-SK" smtClean="0"/>
-              <a:t>28. 4. 2024</a:t>
+              <a:t>1. 5. 2024</a:t>
             </a:fld>
             <a:endParaRPr lang="sk-SK" dirty="0"/>
           </a:p>
@@ -12721,7 +12673,7 @@
           <a:bodyPr/>
           <a:lstStyle/>
           <a:p>
-            <a:endParaRPr lang="sk-SK" noProof="0" dirty="0"/>
+            <a:endParaRPr lang="sk-SK" dirty="0"/>
           </a:p>
         </p:txBody>
       </p:sp>
@@ -12742,7 +12694,7 @@
           <a:p>
             <a:fld id="{58E4634A-8204-4716-B33D-C4C278C5BFEF}" type="slidenum">
               <a:rPr lang="sk-SK" smtClean="0"/>
-              <a:t>5</a:t>
+              <a:t>4</a:t>
             </a:fld>
             <a:endParaRPr lang="sk-SK" dirty="0"/>
           </a:p>
@@ -12751,7 +12703,7 @@
     </p:spTree>
     <p:extLst>
       <p:ext uri="{BB962C8B-B14F-4D97-AF65-F5344CB8AC3E}">
-        <p14:creationId xmlns:p14="http://schemas.microsoft.com/office/powerpoint/2010/main" val="2829351346"/>
+        <p14:creationId xmlns:p14="http://schemas.microsoft.com/office/powerpoint/2010/main" val="1643704803"/>
       </p:ext>
     </p:extLst>
   </p:cSld>
@@ -12826,7 +12778,7 @@
           <a:p>
             <a:fld id="{58E4634A-8204-4716-B33D-C4C278C5BFEF}" type="slidenum">
               <a:rPr lang="sk-SK" smtClean="0"/>
-              <a:t>7</a:t>
+              <a:t>5</a:t>
             </a:fld>
             <a:endParaRPr lang="sk-SK" dirty="0"/>
           </a:p>
@@ -12835,7 +12787,7 @@
     </p:spTree>
     <p:extLst>
       <p:ext uri="{BB962C8B-B14F-4D97-AF65-F5344CB8AC3E}">
-        <p14:creationId xmlns:p14="http://schemas.microsoft.com/office/powerpoint/2010/main" val="1643704803"/>
+        <p14:creationId xmlns:p14="http://schemas.microsoft.com/office/powerpoint/2010/main" val="382485454"/>
       </p:ext>
     </p:extLst>
   </p:cSld>
@@ -12889,7 +12841,7 @@
           <a:bodyPr/>
           <a:lstStyle/>
           <a:p>
-            <a:endParaRPr lang="sk-SK" dirty="0"/>
+            <a:endParaRPr lang="sk-SK" noProof="0" dirty="0"/>
           </a:p>
         </p:txBody>
       </p:sp>
@@ -12910,7 +12862,7 @@
           <a:p>
             <a:fld id="{58E4634A-8204-4716-B33D-C4C278C5BFEF}" type="slidenum">
               <a:rPr lang="sk-SK" smtClean="0"/>
-              <a:t>8</a:t>
+              <a:t>7</a:t>
             </a:fld>
             <a:endParaRPr lang="sk-SK" dirty="0"/>
           </a:p>
@@ -12919,7 +12871,7 @@
     </p:spTree>
     <p:extLst>
       <p:ext uri="{BB962C8B-B14F-4D97-AF65-F5344CB8AC3E}">
-        <p14:creationId xmlns:p14="http://schemas.microsoft.com/office/powerpoint/2010/main" val="382485454"/>
+        <p14:creationId xmlns:p14="http://schemas.microsoft.com/office/powerpoint/2010/main" val="2829351346"/>
       </p:ext>
     </p:extLst>
   </p:cSld>
@@ -13076,7 +13028,7 @@
           <a:p>
             <a:fld id="{DB14EEF5-6B09-4FC2-8A5D-71422FC1E1BC}" type="datetimeFigureOut">
               <a:rPr lang="sk-SK" smtClean="0"/>
-              <a:t>28. 4. 2024</a:t>
+              <a:t>1. 5. 2024</a:t>
             </a:fld>
             <a:endParaRPr lang="sk-SK" dirty="0"/>
           </a:p>
@@ -13274,7 +13226,7 @@
           <a:p>
             <a:fld id="{DB14EEF5-6B09-4FC2-8A5D-71422FC1E1BC}" type="datetimeFigureOut">
               <a:rPr lang="sk-SK" smtClean="0"/>
-              <a:t>28. 4. 2024</a:t>
+              <a:t>1. 5. 2024</a:t>
             </a:fld>
             <a:endParaRPr lang="sk-SK" dirty="0"/>
           </a:p>
@@ -13482,7 +13434,7 @@
           <a:p>
             <a:fld id="{DB14EEF5-6B09-4FC2-8A5D-71422FC1E1BC}" type="datetimeFigureOut">
               <a:rPr lang="sk-SK" smtClean="0"/>
-              <a:t>28. 4. 2024</a:t>
+              <a:t>1. 5. 2024</a:t>
             </a:fld>
             <a:endParaRPr lang="sk-SK" dirty="0"/>
           </a:p>
@@ -13680,7 +13632,7 @@
           <a:p>
             <a:fld id="{DB14EEF5-6B09-4FC2-8A5D-71422FC1E1BC}" type="datetimeFigureOut">
               <a:rPr lang="sk-SK" smtClean="0"/>
-              <a:t>28. 4. 2024</a:t>
+              <a:t>1. 5. 2024</a:t>
             </a:fld>
             <a:endParaRPr lang="sk-SK" dirty="0"/>
           </a:p>
@@ -13955,7 +13907,7 @@
           <a:p>
             <a:fld id="{DB14EEF5-6B09-4FC2-8A5D-71422FC1E1BC}" type="datetimeFigureOut">
               <a:rPr lang="sk-SK" smtClean="0"/>
-              <a:t>28. 4. 2024</a:t>
+              <a:t>1. 5. 2024</a:t>
             </a:fld>
             <a:endParaRPr lang="sk-SK" dirty="0"/>
           </a:p>
@@ -14220,7 +14172,7 @@
           <a:p>
             <a:fld id="{DB14EEF5-6B09-4FC2-8A5D-71422FC1E1BC}" type="datetimeFigureOut">
               <a:rPr lang="sk-SK" smtClean="0"/>
-              <a:t>28. 4. 2024</a:t>
+              <a:t>1. 5. 2024</a:t>
             </a:fld>
             <a:endParaRPr lang="sk-SK" dirty="0"/>
           </a:p>
@@ -14632,7 +14584,7 @@
           <a:p>
             <a:fld id="{DB14EEF5-6B09-4FC2-8A5D-71422FC1E1BC}" type="datetimeFigureOut">
               <a:rPr lang="sk-SK" smtClean="0"/>
-              <a:t>28. 4. 2024</a:t>
+              <a:t>1. 5. 2024</a:t>
             </a:fld>
             <a:endParaRPr lang="sk-SK" dirty="0"/>
           </a:p>
@@ -14773,7 +14725,7 @@
           <a:p>
             <a:fld id="{DB14EEF5-6B09-4FC2-8A5D-71422FC1E1BC}" type="datetimeFigureOut">
               <a:rPr lang="sk-SK" smtClean="0"/>
-              <a:t>28. 4. 2024</a:t>
+              <a:t>1. 5. 2024</a:t>
             </a:fld>
             <a:endParaRPr lang="sk-SK" dirty="0"/>
           </a:p>
@@ -14886,7 +14838,7 @@
           <a:p>
             <a:fld id="{DB14EEF5-6B09-4FC2-8A5D-71422FC1E1BC}" type="datetimeFigureOut">
               <a:rPr lang="sk-SK" smtClean="0"/>
-              <a:t>28. 4. 2024</a:t>
+              <a:t>1. 5. 2024</a:t>
             </a:fld>
             <a:endParaRPr lang="sk-SK" dirty="0"/>
           </a:p>
@@ -15197,7 +15149,7 @@
           <a:p>
             <a:fld id="{DB14EEF5-6B09-4FC2-8A5D-71422FC1E1BC}" type="datetimeFigureOut">
               <a:rPr lang="sk-SK" smtClean="0"/>
-              <a:t>28. 4. 2024</a:t>
+              <a:t>1. 5. 2024</a:t>
             </a:fld>
             <a:endParaRPr lang="sk-SK" dirty="0"/>
           </a:p>
@@ -15485,7 +15437,7 @@
           <a:p>
             <a:fld id="{DB14EEF5-6B09-4FC2-8A5D-71422FC1E1BC}" type="datetimeFigureOut">
               <a:rPr lang="sk-SK" smtClean="0"/>
-              <a:t>28. 4. 2024</a:t>
+              <a:t>1. 5. 2024</a:t>
             </a:fld>
             <a:endParaRPr lang="sk-SK" dirty="0"/>
           </a:p>
@@ -15726,7 +15678,7 @@
           <a:p>
             <a:fld id="{DB14EEF5-6B09-4FC2-8A5D-71422FC1E1BC}" type="datetimeFigureOut">
               <a:rPr lang="sk-SK" smtClean="0"/>
-              <a:t>28. 4. 2024</a:t>
+              <a:t>1. 5. 2024</a:t>
             </a:fld>
             <a:endParaRPr lang="sk-SK" dirty="0"/>
           </a:p>
@@ -16317,23 +16269,7 @@
                   <a:schemeClr val="tx2"/>
                 </a:solidFill>
               </a:rPr>
-              <a:t> </a:t>
-            </a:r>
-            <a:r>
-              <a:rPr lang="en-US" sz="2800" b="1" dirty="0" err="1">
-                <a:solidFill>
-                  <a:schemeClr val="tx2"/>
-                </a:solidFill>
-              </a:rPr>
-              <a:t>prenosový</a:t>
-            </a:r>
-            <a:r>
-              <a:rPr lang="en-US" sz="2800" b="1" dirty="0">
-                <a:solidFill>
-                  <a:schemeClr val="tx2"/>
-                </a:solidFill>
-              </a:rPr>
-              <a:t> </a:t>
+              <a:t> prenosový </a:t>
             </a:r>
             <a:r>
               <a:rPr lang="sk-SK" sz="2800" b="1" dirty="0">
@@ -19104,1290 +19040,6 @@
       </p:grpSpPr>
       <p:sp useBgFill="1">
         <p:nvSpPr>
-          <p:cNvPr id="2068" name="Rectangle 2067">
-            <a:extLst>
-              <a:ext uri="{FF2B5EF4-FFF2-40B4-BE49-F238E27FC236}">
-                <a16:creationId xmlns:a16="http://schemas.microsoft.com/office/drawing/2014/main" id="{0B9EE3F3-89B7-43C3-8651-C4C96830993D}"/>
-              </a:ext>
-              <a:ext uri="{C183D7F6-B498-43B3-948B-1728B52AA6E4}">
-                <adec:decorative xmlns:adec="http://schemas.microsoft.com/office/drawing/2017/decorative" val="1"/>
-              </a:ext>
-            </a:extLst>
-          </p:cNvPr>
-          <p:cNvSpPr>
-            <a:spLocks noGrp="1" noRot="1" noChangeAspect="1" noMove="1" noResize="1" noEditPoints="1" noAdjustHandles="1" noChangeArrowheads="1" noChangeShapeType="1" noTextEdit="1"/>
-          </p:cNvSpPr>
-          <p:nvPr>
-            <p:extLst>
-              <p:ext uri="{386F3935-93C4-4BCD-93E2-E3B085C9AB24}">
-                <p16:designElem xmlns:p16="http://schemas.microsoft.com/office/powerpoint/2015/main" val="1"/>
-              </p:ext>
-            </p:extLst>
-          </p:nvPr>
-        </p:nvSpPr>
-        <p:spPr>
-          <a:xfrm>
-            <a:off x="0" y="0"/>
-            <a:ext cx="12192000" cy="6858000"/>
-          </a:xfrm>
-          <a:prstGeom prst="rect">
-            <a:avLst/>
-          </a:prstGeom>
-          <a:ln>
-            <a:noFill/>
-          </a:ln>
-        </p:spPr>
-        <p:style>
-          <a:lnRef idx="2">
-            <a:schemeClr val="accent1">
-              <a:shade val="50000"/>
-            </a:schemeClr>
-          </a:lnRef>
-          <a:fillRef idx="1">
-            <a:schemeClr val="accent1"/>
-          </a:fillRef>
-          <a:effectRef idx="0">
-            <a:schemeClr val="accent1"/>
-          </a:effectRef>
-          <a:fontRef idx="minor">
-            <a:schemeClr val="lt1"/>
-          </a:fontRef>
-        </p:style>
-        <p:txBody>
-          <a:bodyPr rtlCol="0" anchor="ctr"/>
-          <a:lstStyle/>
-          <a:p>
-            <a:pPr algn="ctr"/>
-            <a:endParaRPr lang="en-US" dirty="0"/>
-          </a:p>
-        </p:txBody>
-      </p:sp>
-      <p:sp>
-        <p:nvSpPr>
-          <p:cNvPr id="2" name="Nadpis 1">
-            <a:extLst>
-              <a:ext uri="{FF2B5EF4-FFF2-40B4-BE49-F238E27FC236}">
-                <a16:creationId xmlns:a16="http://schemas.microsoft.com/office/drawing/2014/main" id="{13EAB497-149A-B26D-540B-FF75C2802410}"/>
-              </a:ext>
-            </a:extLst>
-          </p:cNvPr>
-          <p:cNvSpPr>
-            <a:spLocks noGrp="1"/>
-          </p:cNvSpPr>
-          <p:nvPr>
-            <p:ph type="title"/>
-          </p:nvPr>
-        </p:nvSpPr>
-        <p:spPr>
-          <a:xfrm>
-            <a:off x="411480" y="991443"/>
-            <a:ext cx="4443154" cy="1087819"/>
-          </a:xfrm>
-        </p:spPr>
-        <p:txBody>
-          <a:bodyPr anchor="b">
-            <a:normAutofit/>
-          </a:bodyPr>
-          <a:lstStyle/>
-          <a:p>
-            <a:r>
-              <a:rPr lang="sk-SK" sz="3400" dirty="0"/>
-              <a:t>Referenčný model ATM</a:t>
-            </a:r>
-          </a:p>
-        </p:txBody>
-      </p:sp>
-      <p:sp>
-        <p:nvSpPr>
-          <p:cNvPr id="2070" name="Rectangle 2069">
-            <a:extLst>
-              <a:ext uri="{FF2B5EF4-FFF2-40B4-BE49-F238E27FC236}">
-                <a16:creationId xmlns:a16="http://schemas.microsoft.com/office/drawing/2014/main" id="{33AE4636-AEEC-45D6-84D4-7AC2DA48ECF8}"/>
-              </a:ext>
-              <a:ext uri="{C183D7F6-B498-43B3-948B-1728B52AA6E4}">
-                <adec:decorative xmlns:adec="http://schemas.microsoft.com/office/drawing/2017/decorative" val="1"/>
-              </a:ext>
-            </a:extLst>
-          </p:cNvPr>
-          <p:cNvSpPr>
-            <a:spLocks noGrp="1" noRot="1" noChangeAspect="1" noMove="1" noResize="1" noEditPoints="1" noAdjustHandles="1" noChangeArrowheads="1" noChangeShapeType="1" noTextEdit="1"/>
-          </p:cNvSpPr>
-          <p:nvPr>
-            <p:extLst>
-              <p:ext uri="{386F3935-93C4-4BCD-93E2-E3B085C9AB24}">
-                <p16:designElem xmlns:p16="http://schemas.microsoft.com/office/powerpoint/2015/main" val="1"/>
-              </p:ext>
-            </p:extLst>
-          </p:nvPr>
-        </p:nvSpPr>
-        <p:spPr>
-          <a:xfrm rot="5400000">
-            <a:off x="649223" y="387939"/>
-            <a:ext cx="73152" cy="548640"/>
-          </a:xfrm>
-          <a:prstGeom prst="rect">
-            <a:avLst/>
-          </a:prstGeom>
-          <a:solidFill>
-            <a:schemeClr val="accent2"/>
-          </a:solidFill>
-          <a:ln>
-            <a:noFill/>
-          </a:ln>
-        </p:spPr>
-        <p:style>
-          <a:lnRef idx="2">
-            <a:schemeClr val="accent1">
-              <a:shade val="50000"/>
-            </a:schemeClr>
-          </a:lnRef>
-          <a:fillRef idx="1">
-            <a:schemeClr val="accent1"/>
-          </a:fillRef>
-          <a:effectRef idx="0">
-            <a:schemeClr val="accent1"/>
-          </a:effectRef>
-          <a:fontRef idx="minor">
-            <a:schemeClr val="lt1"/>
-          </a:fontRef>
-        </p:style>
-        <p:txBody>
-          <a:bodyPr rtlCol="0" anchor="ctr"/>
-          <a:lstStyle/>
-          <a:p>
-            <a:pPr algn="ctr"/>
-            <a:endParaRPr lang="en-US" dirty="0">
-              <a:solidFill>
-                <a:prstClr val="white"/>
-              </a:solidFill>
-              <a:latin typeface="Calibri" panose="020F0502020204030204"/>
-            </a:endParaRPr>
-          </a:p>
-        </p:txBody>
-      </p:sp>
-      <p:sp>
-        <p:nvSpPr>
-          <p:cNvPr id="2072" name="Rectangle 2071">
-            <a:extLst>
-              <a:ext uri="{FF2B5EF4-FFF2-40B4-BE49-F238E27FC236}">
-                <a16:creationId xmlns:a16="http://schemas.microsoft.com/office/drawing/2014/main" id="{8D9CE0F4-2EB2-4F1F-8AAC-DB3571D9FE10}"/>
-              </a:ext>
-              <a:ext uri="{C183D7F6-B498-43B3-948B-1728B52AA6E4}">
-                <adec:decorative xmlns:adec="http://schemas.microsoft.com/office/drawing/2017/decorative" val="1"/>
-              </a:ext>
-            </a:extLst>
-          </p:cNvPr>
-          <p:cNvSpPr>
-            <a:spLocks noGrp="1" noRot="1" noChangeAspect="1" noMove="1" noResize="1" noEditPoints="1" noAdjustHandles="1" noChangeArrowheads="1" noChangeShapeType="1" noTextEdit="1"/>
-          </p:cNvSpPr>
-          <p:nvPr>
-            <p:extLst>
-              <p:ext uri="{386F3935-93C4-4BCD-93E2-E3B085C9AB24}">
-                <p16:designElem xmlns:p16="http://schemas.microsoft.com/office/powerpoint/2015/main" val="1"/>
-              </p:ext>
-            </p:extLst>
-          </p:nvPr>
-        </p:nvSpPr>
-        <p:spPr>
-          <a:xfrm>
-            <a:off x="411480" y="2285541"/>
-            <a:ext cx="4389120" cy="18288"/>
-          </a:xfrm>
-          <a:prstGeom prst="rect">
-            <a:avLst/>
-          </a:prstGeom>
-          <a:solidFill>
-            <a:srgbClr val="D5D5D5"/>
-          </a:solidFill>
-          <a:ln w="3175">
-            <a:noFill/>
-          </a:ln>
-          <a:effectLst/>
-        </p:spPr>
-        <p:style>
-          <a:lnRef idx="2">
-            <a:schemeClr val="accent1">
-              <a:shade val="50000"/>
-            </a:schemeClr>
-          </a:lnRef>
-          <a:fillRef idx="1">
-            <a:schemeClr val="accent1"/>
-          </a:fillRef>
-          <a:effectRef idx="0">
-            <a:schemeClr val="accent1"/>
-          </a:effectRef>
-          <a:fontRef idx="minor">
-            <a:schemeClr val="lt1"/>
-          </a:fontRef>
-        </p:style>
-        <p:txBody>
-          <a:bodyPr rtlCol="0" anchor="ctr"/>
-          <a:lstStyle/>
-          <a:p>
-            <a:pPr algn="ctr"/>
-            <a:endParaRPr lang="en-US" dirty="0">
-              <a:solidFill>
-                <a:prstClr val="white"/>
-              </a:solidFill>
-              <a:latin typeface="Calibri" panose="020F0502020204030204"/>
-            </a:endParaRPr>
-          </a:p>
-        </p:txBody>
-      </p:sp>
-      <p:sp>
-        <p:nvSpPr>
-          <p:cNvPr id="3" name="Zástupný objekt pre obsah 2">
-            <a:extLst>
-              <a:ext uri="{FF2B5EF4-FFF2-40B4-BE49-F238E27FC236}">
-                <a16:creationId xmlns:a16="http://schemas.microsoft.com/office/drawing/2014/main" id="{727D3982-1AB5-5D22-70D6-8163FAE69FE9}"/>
-              </a:ext>
-            </a:extLst>
-          </p:cNvPr>
-          <p:cNvSpPr>
-            <a:spLocks noGrp="1"/>
-          </p:cNvSpPr>
-          <p:nvPr>
-            <p:ph idx="1"/>
-          </p:nvPr>
-        </p:nvSpPr>
-        <p:spPr>
-          <a:xfrm>
-            <a:off x="411480" y="2684095"/>
-            <a:ext cx="4443154" cy="3492868"/>
-          </a:xfrm>
-        </p:spPr>
-        <p:txBody>
-          <a:bodyPr>
-            <a:normAutofit/>
-          </a:bodyPr>
-          <a:lstStyle/>
-          <a:p>
-            <a:r>
-              <a:rPr lang="sk-SK" sz="1800" b="1" dirty="0"/>
-              <a:t>Adaptačná vrstva ATM (AAL) </a:t>
-            </a:r>
-            <a:r>
-              <a:rPr lang="sk-SK" sz="1800" dirty="0"/>
-              <a:t>- je zhodná so sieťovou vrstvou modelu OSI. Poskytuje prostriedky pre už existujúce siete na využívanie služieb ATM.</a:t>
-            </a:r>
-          </a:p>
-          <a:p>
-            <a:r>
-              <a:rPr lang="sk-SK" sz="1800" b="1" dirty="0"/>
-              <a:t>Vrstva ATM </a:t>
-            </a:r>
-            <a:r>
-              <a:rPr lang="sk-SK" sz="1800" dirty="0"/>
-              <a:t>- porovnateľná s dátovou vrstvou modelu OSI. 48-bajtové segmenty z vyššej vrstvy konvertuje na 53-bajtové bunky.</a:t>
-            </a:r>
-          </a:p>
-          <a:p>
-            <a:r>
-              <a:rPr lang="sk-SK" sz="1800" b="1" dirty="0"/>
-              <a:t>Fyzická vrstva </a:t>
-            </a:r>
-            <a:r>
-              <a:rPr lang="sk-SK" sz="1800" dirty="0"/>
-              <a:t>- je zhodná s fyzickou vrstvou modelu OSI. Na tejto vrstve sa bunky konvertujú na bitové streamy a prenášajú sa cez fyzické médium.</a:t>
-            </a:r>
-          </a:p>
-        </p:txBody>
-      </p:sp>
-      <p:pic>
-        <p:nvPicPr>
-          <p:cNvPr id="2052" name="Picture 4" descr="Obrázok, na ktorom je text, snímka obrazovky, písmo, číslo&#10;&#10;Automaticky generovaný popis">
-            <a:extLst>
-              <a:ext uri="{FF2B5EF4-FFF2-40B4-BE49-F238E27FC236}">
-                <a16:creationId xmlns:a16="http://schemas.microsoft.com/office/drawing/2014/main" id="{019A796C-7004-0CD5-8A35-A2A5C90030B8}"/>
-              </a:ext>
-            </a:extLst>
-          </p:cNvPr>
-          <p:cNvPicPr>
-            <a:picLocks noChangeAspect="1" noChangeArrowheads="1"/>
-          </p:cNvPicPr>
-          <p:nvPr/>
-        </p:nvPicPr>
-        <p:blipFill>
-          <a:blip r:embed="rId2">
-            <a:extLst>
-              <a:ext uri="{28A0092B-C50C-407E-A947-70E740481C1C}">
-                <a14:useLocalDpi xmlns:a14="http://schemas.microsoft.com/office/drawing/2010/main" val="0"/>
-              </a:ext>
-            </a:extLst>
-          </a:blip>
-          <a:stretch>
-            <a:fillRect/>
-          </a:stretch>
-        </p:blipFill>
-        <p:spPr bwMode="auto">
-          <a:xfrm>
-            <a:off x="5340096" y="1613375"/>
-            <a:ext cx="6440424" cy="3526132"/>
-          </a:xfrm>
-          <a:prstGeom prst="rect">
-            <a:avLst/>
-          </a:prstGeom>
-          <a:noFill/>
-          <a:extLst>
-            <a:ext uri="{909E8E84-426E-40DD-AFC4-6F175D3DCCD1}">
-              <a14:hiddenFill xmlns:a14="http://schemas.microsoft.com/office/drawing/2010/main">
-                <a:solidFill>
-                  <a:srgbClr val="FFFFFF"/>
-                </a:solidFill>
-              </a14:hiddenFill>
-            </a:ext>
-          </a:extLst>
-        </p:spPr>
-      </p:pic>
-      <p:sp>
-        <p:nvSpPr>
-          <p:cNvPr id="4" name="BlokTextu 3">
-            <a:extLst>
-              <a:ext uri="{FF2B5EF4-FFF2-40B4-BE49-F238E27FC236}">
-                <a16:creationId xmlns:a16="http://schemas.microsoft.com/office/drawing/2014/main" id="{97098263-F822-41BE-2EB8-5DB973A23495}"/>
-              </a:ext>
-            </a:extLst>
-          </p:cNvPr>
-          <p:cNvSpPr txBox="1"/>
-          <p:nvPr/>
-        </p:nvSpPr>
-        <p:spPr>
-          <a:xfrm>
-            <a:off x="5548604" y="2034074"/>
-            <a:ext cx="978986" cy="276999"/>
-          </a:xfrm>
-          <a:prstGeom prst="rect">
-            <a:avLst/>
-          </a:prstGeom>
-          <a:noFill/>
-        </p:spPr>
-        <p:txBody>
-          <a:bodyPr wrap="none" rtlCol="0">
-            <a:spAutoFit/>
-          </a:bodyPr>
-          <a:lstStyle/>
-          <a:p>
-            <a:r>
-              <a:rPr lang="sk-SK" sz="1200" dirty="0"/>
-              <a:t>Napr. router</a:t>
-            </a:r>
-          </a:p>
-        </p:txBody>
-      </p:sp>
-    </p:spTree>
-    <p:extLst>
-      <p:ext uri="{BB962C8B-B14F-4D97-AF65-F5344CB8AC3E}">
-        <p14:creationId xmlns:p14="http://schemas.microsoft.com/office/powerpoint/2010/main" val="1271199389"/>
-      </p:ext>
-    </p:extLst>
-  </p:cSld>
-  <p:clrMapOvr>
-    <a:masterClrMapping/>
-  </p:clrMapOvr>
-</p:sld>
-</file>
-
-<file path=ppt/slides/slide5.xml><?xml version="1.0" encoding="utf-8"?>
-<p:sld xmlns:a="http://schemas.openxmlformats.org/drawingml/2006/main" xmlns:r="http://schemas.openxmlformats.org/officeDocument/2006/relationships" xmlns:p="http://schemas.openxmlformats.org/presentationml/2006/main">
-  <p:cSld>
-    <p:bg>
-      <p:bgPr>
-        <a:solidFill>
-          <a:schemeClr val="bg1"/>
-        </a:solidFill>
-        <a:effectLst/>
-      </p:bgPr>
-    </p:bg>
-    <p:spTree>
-      <p:nvGrpSpPr>
-        <p:cNvPr id="1" name=""/>
-        <p:cNvGrpSpPr/>
-        <p:nvPr/>
-      </p:nvGrpSpPr>
-      <p:grpSpPr>
-        <a:xfrm>
-          <a:off x="0" y="0"/>
-          <a:ext cx="0" cy="0"/>
-          <a:chOff x="0" y="0"/>
-          <a:chExt cx="0" cy="0"/>
-        </a:xfrm>
-      </p:grpSpPr>
-      <p:sp useBgFill="1">
-        <p:nvSpPr>
-          <p:cNvPr id="22" name="Rectangle 21">
-            <a:extLst>
-              <a:ext uri="{FF2B5EF4-FFF2-40B4-BE49-F238E27FC236}">
-                <a16:creationId xmlns:a16="http://schemas.microsoft.com/office/drawing/2014/main" id="{92468898-5A6E-4D55-85EC-308E785EE06C}"/>
-              </a:ext>
-              <a:ext uri="{C183D7F6-B498-43B3-948B-1728B52AA6E4}">
-                <adec:decorative xmlns:adec="http://schemas.microsoft.com/office/drawing/2017/decorative" val="1"/>
-              </a:ext>
-            </a:extLst>
-          </p:cNvPr>
-          <p:cNvSpPr>
-            <a:spLocks noGrp="1" noRot="1" noChangeAspect="1" noMove="1" noResize="1" noEditPoints="1" noAdjustHandles="1" noChangeArrowheads="1" noChangeShapeType="1" noTextEdit="1"/>
-          </p:cNvSpPr>
-          <p:nvPr>
-            <p:extLst>
-              <p:ext uri="{386F3935-93C4-4BCD-93E2-E3B085C9AB24}">
-                <p16:designElem xmlns:p16="http://schemas.microsoft.com/office/powerpoint/2015/main" val="1"/>
-              </p:ext>
-            </p:extLst>
-          </p:nvPr>
-        </p:nvSpPr>
-        <p:spPr>
-          <a:xfrm>
-            <a:off x="0" y="0"/>
-            <a:ext cx="12192000" cy="6858000"/>
-          </a:xfrm>
-          <a:prstGeom prst="rect">
-            <a:avLst/>
-          </a:prstGeom>
-          <a:ln>
-            <a:noFill/>
-          </a:ln>
-        </p:spPr>
-        <p:style>
-          <a:lnRef idx="2">
-            <a:schemeClr val="accent1">
-              <a:shade val="50000"/>
-            </a:schemeClr>
-          </a:lnRef>
-          <a:fillRef idx="1">
-            <a:schemeClr val="accent1"/>
-          </a:fillRef>
-          <a:effectRef idx="0">
-            <a:schemeClr val="accent1"/>
-          </a:effectRef>
-          <a:fontRef idx="minor">
-            <a:schemeClr val="lt1"/>
-          </a:fontRef>
-        </p:style>
-        <p:txBody>
-          <a:bodyPr rtlCol="0" anchor="ctr"/>
-          <a:lstStyle/>
-          <a:p>
-            <a:pPr algn="ctr"/>
-            <a:endParaRPr lang="en-US" dirty="0"/>
-          </a:p>
-        </p:txBody>
-      </p:sp>
-      <p:sp>
-        <p:nvSpPr>
-          <p:cNvPr id="2" name="Nadpis 1">
-            <a:extLst>
-              <a:ext uri="{FF2B5EF4-FFF2-40B4-BE49-F238E27FC236}">
-                <a16:creationId xmlns:a16="http://schemas.microsoft.com/office/drawing/2014/main" id="{267F4DC1-DF1A-C737-3A81-3AB6C2176E5F}"/>
-              </a:ext>
-            </a:extLst>
-          </p:cNvPr>
-          <p:cNvSpPr>
-            <a:spLocks noGrp="1"/>
-          </p:cNvSpPr>
-          <p:nvPr>
-            <p:ph type="title"/>
-          </p:nvPr>
-        </p:nvSpPr>
-        <p:spPr>
-          <a:xfrm>
-            <a:off x="429768" y="411480"/>
-            <a:ext cx="11201400" cy="1106424"/>
-          </a:xfrm>
-        </p:spPr>
-        <p:txBody>
-          <a:bodyPr>
-            <a:normAutofit/>
-          </a:bodyPr>
-          <a:lstStyle/>
-          <a:p>
-            <a:r>
-              <a:rPr lang="en-US" sz="3600" dirty="0"/>
-              <a:t>Typy ATM servisov</a:t>
-            </a:r>
-            <a:endParaRPr lang="sk-SK" sz="3600" dirty="0"/>
-          </a:p>
-        </p:txBody>
-      </p:sp>
-      <p:sp>
-        <p:nvSpPr>
-          <p:cNvPr id="24" name="Rectangle 23">
-            <a:extLst>
-              <a:ext uri="{FF2B5EF4-FFF2-40B4-BE49-F238E27FC236}">
-                <a16:creationId xmlns:a16="http://schemas.microsoft.com/office/drawing/2014/main" id="{3E23A947-2D45-4208-AE2B-64948C87A3EB}"/>
-              </a:ext>
-              <a:ext uri="{C183D7F6-B498-43B3-948B-1728B52AA6E4}">
-                <adec:decorative xmlns:adec="http://schemas.microsoft.com/office/drawing/2017/decorative" val="1"/>
-              </a:ext>
-            </a:extLst>
-          </p:cNvPr>
-          <p:cNvSpPr>
-            <a:spLocks noGrp="1" noRot="1" noChangeAspect="1" noMove="1" noResize="1" noEditPoints="1" noAdjustHandles="1" noChangeArrowheads="1" noChangeShapeType="1" noTextEdit="1"/>
-          </p:cNvSpPr>
-          <p:nvPr>
-            <p:extLst>
-              <p:ext uri="{386F3935-93C4-4BCD-93E2-E3B085C9AB24}">
-                <p16:designElem xmlns:p16="http://schemas.microsoft.com/office/powerpoint/2015/main" val="1"/>
-              </p:ext>
-            </p:extLst>
-          </p:nvPr>
-        </p:nvSpPr>
-        <p:spPr>
-          <a:xfrm>
-            <a:off x="0" y="598458"/>
-            <a:ext cx="128016" cy="704088"/>
-          </a:xfrm>
-          <a:prstGeom prst="rect">
-            <a:avLst/>
-          </a:prstGeom>
-          <a:solidFill>
-            <a:schemeClr val="accent2"/>
-          </a:solidFill>
-          <a:ln>
-            <a:noFill/>
-          </a:ln>
-        </p:spPr>
-        <p:style>
-          <a:lnRef idx="2">
-            <a:schemeClr val="accent1">
-              <a:shade val="50000"/>
-            </a:schemeClr>
-          </a:lnRef>
-          <a:fillRef idx="1">
-            <a:schemeClr val="accent1"/>
-          </a:fillRef>
-          <a:effectRef idx="0">
-            <a:schemeClr val="accent1"/>
-          </a:effectRef>
-          <a:fontRef idx="minor">
-            <a:schemeClr val="lt1"/>
-          </a:fontRef>
-        </p:style>
-        <p:txBody>
-          <a:bodyPr rtlCol="0" anchor="ctr"/>
-          <a:lstStyle/>
-          <a:p>
-            <a:pPr algn="ctr"/>
-            <a:endParaRPr lang="en-US" dirty="0">
-              <a:solidFill>
-                <a:prstClr val="white"/>
-              </a:solidFill>
-              <a:latin typeface="Calibri" panose="020F0502020204030204"/>
-            </a:endParaRPr>
-          </a:p>
-        </p:txBody>
-      </p:sp>
-      <p:sp useBgFill="1">
-        <p:nvSpPr>
-          <p:cNvPr id="26" name="Rectangle 25">
-            <a:extLst>
-              <a:ext uri="{FF2B5EF4-FFF2-40B4-BE49-F238E27FC236}">
-                <a16:creationId xmlns:a16="http://schemas.microsoft.com/office/drawing/2014/main" id="{E5BBB0F9-6A59-4D02-A9C7-A2D6516684CE}"/>
-              </a:ext>
-              <a:ext uri="{C183D7F6-B498-43B3-948B-1728B52AA6E4}">
-                <adec:decorative xmlns:adec="http://schemas.microsoft.com/office/drawing/2017/decorative" val="1"/>
-              </a:ext>
-            </a:extLst>
-          </p:cNvPr>
-          <p:cNvSpPr>
-            <a:spLocks noGrp="1" noRot="1" noChangeAspect="1" noMove="1" noResize="1" noEditPoints="1" noAdjustHandles="1" noChangeArrowheads="1" noChangeShapeType="1" noTextEdit="1"/>
-          </p:cNvSpPr>
-          <p:nvPr>
-            <p:extLst>
-              <p:ext uri="{386F3935-93C4-4BCD-93E2-E3B085C9AB24}">
-                <p16:designElem xmlns:p16="http://schemas.microsoft.com/office/powerpoint/2015/main" val="1"/>
-              </p:ext>
-            </p:extLst>
-          </p:nvPr>
-        </p:nvSpPr>
-        <p:spPr>
-          <a:xfrm>
-            <a:off x="7543801" y="1721922"/>
-            <a:ext cx="4218432" cy="4520560"/>
-          </a:xfrm>
-          <a:prstGeom prst="rect">
-            <a:avLst/>
-          </a:prstGeom>
-          <a:ln w="9525">
-            <a:solidFill>
-              <a:srgbClr val="DEDEDE"/>
-            </a:solidFill>
-          </a:ln>
-          <a:effectLst>
-            <a:outerShdw blurRad="50800" dist="38100" dir="2700000" algn="tl" rotWithShape="0">
-              <a:schemeClr val="bg1">
-                <a:lumMod val="85000"/>
-                <a:alpha val="50000"/>
-              </a:schemeClr>
-            </a:outerShdw>
-          </a:effectLst>
-        </p:spPr>
-        <p:style>
-          <a:lnRef idx="2">
-            <a:schemeClr val="accent1">
-              <a:shade val="50000"/>
-            </a:schemeClr>
-          </a:lnRef>
-          <a:fillRef idx="1">
-            <a:schemeClr val="accent1"/>
-          </a:fillRef>
-          <a:effectRef idx="0">
-            <a:schemeClr val="accent1"/>
-          </a:effectRef>
-          <a:fontRef idx="minor">
-            <a:schemeClr val="lt1"/>
-          </a:fontRef>
-        </p:style>
-        <p:txBody>
-          <a:bodyPr rtlCol="0" anchor="ctr"/>
-          <a:lstStyle/>
-          <a:p>
-            <a:pPr marL="0" marR="0" lvl="0" indent="0" algn="ctr" defTabSz="914400" rtl="0" eaLnBrk="1" fontAlgn="auto" latinLnBrk="0" hangingPunct="1">
-              <a:lnSpc>
-                <a:spcPct val="100000"/>
-              </a:lnSpc>
-              <a:spcBef>
-                <a:spcPts val="0"/>
-              </a:spcBef>
-              <a:spcAft>
-                <a:spcPts val="0"/>
-              </a:spcAft>
-              <a:buClrTx/>
-              <a:buSzTx/>
-              <a:buFontTx/>
-              <a:buNone/>
-              <a:tabLst/>
-              <a:defRPr/>
-            </a:pPr>
-            <a:endParaRPr kumimoji="0" lang="en-US" sz="1800" b="0" i="0" u="none" strike="noStrike" kern="1200" cap="none" spc="0" normalizeH="0" baseline="0" noProof="0" dirty="0">
-              <a:ln>
-                <a:noFill/>
-              </a:ln>
-              <a:solidFill>
-                <a:prstClr val="white"/>
-              </a:solidFill>
-              <a:effectLst/>
-              <a:uLnTx/>
-              <a:uFillTx/>
-              <a:latin typeface="Calibri" panose="020F0502020204030204"/>
-              <a:ea typeface="+mn-ea"/>
-              <a:cs typeface="+mn-cs"/>
-            </a:endParaRPr>
-          </a:p>
-        </p:txBody>
-      </p:sp>
-      <p:graphicFrame>
-        <p:nvGraphicFramePr>
-          <p:cNvPr id="5" name="Zástupný objekt pre obsah 2">
-            <a:extLst>
-              <a:ext uri="{FF2B5EF4-FFF2-40B4-BE49-F238E27FC236}">
-                <a16:creationId xmlns:a16="http://schemas.microsoft.com/office/drawing/2014/main" id="{63A3781A-E14D-D450-B993-9BF9CDAAADC9}"/>
-              </a:ext>
-            </a:extLst>
-          </p:cNvPr>
-          <p:cNvGraphicFramePr>
-            <a:graphicFrameLocks noGrp="1"/>
-          </p:cNvGraphicFramePr>
-          <p:nvPr>
-            <p:ph idx="1"/>
-            <p:extLst>
-              <p:ext uri="{D42A27DB-BD31-4B8C-83A1-F6EECF244321}">
-                <p14:modId xmlns:p14="http://schemas.microsoft.com/office/powerpoint/2010/main" val="618283532"/>
-              </p:ext>
-            </p:extLst>
-          </p:nvPr>
-        </p:nvGraphicFramePr>
-        <p:xfrm>
-          <a:off x="7938752" y="2020824"/>
-          <a:ext cx="3455097" cy="3959352"/>
-        </p:xfrm>
-        <a:graphic>
-          <a:graphicData uri="http://schemas.openxmlformats.org/drawingml/2006/diagram">
-            <dgm:relIds xmlns:dgm="http://schemas.openxmlformats.org/drawingml/2006/diagram" xmlns:r="http://schemas.openxmlformats.org/officeDocument/2006/relationships" r:dm="rId3" r:lo="rId4" r:qs="rId5" r:cs="rId6"/>
-          </a:graphicData>
-        </a:graphic>
-      </p:graphicFrame>
-      <p:pic>
-        <p:nvPicPr>
-          <p:cNvPr id="4" name="Obrázok 3" descr="Obrázok, na ktorom je text, snímka obrazovky, písmo, elektrická modrá&#10;&#10;Automaticky generovaný popis">
-            <a:extLst>
-              <a:ext uri="{FF2B5EF4-FFF2-40B4-BE49-F238E27FC236}">
-                <a16:creationId xmlns:a16="http://schemas.microsoft.com/office/drawing/2014/main" id="{2406013A-7E81-640D-F950-A24EB0588CEF}"/>
-              </a:ext>
-            </a:extLst>
-          </p:cNvPr>
-          <p:cNvPicPr>
-            <a:picLocks noChangeAspect="1"/>
-          </p:cNvPicPr>
-          <p:nvPr/>
-        </p:nvPicPr>
-        <p:blipFill>
-          <a:blip r:embed="rId8">
-            <a:extLst>
-              <a:ext uri="{28A0092B-C50C-407E-A947-70E740481C1C}">
-                <a14:useLocalDpi xmlns:a14="http://schemas.microsoft.com/office/drawing/2010/main" val="0"/>
-              </a:ext>
-            </a:extLst>
-          </a:blip>
-          <a:stretch>
-            <a:fillRect/>
-          </a:stretch>
-        </p:blipFill>
-        <p:spPr>
-          <a:xfrm>
-            <a:off x="512379" y="2434830"/>
-            <a:ext cx="6519044" cy="3094743"/>
-          </a:xfrm>
-          <a:prstGeom prst="rect">
-            <a:avLst/>
-          </a:prstGeom>
-        </p:spPr>
-      </p:pic>
-    </p:spTree>
-    <p:extLst>
-      <p:ext uri="{BB962C8B-B14F-4D97-AF65-F5344CB8AC3E}">
-        <p14:creationId xmlns:p14="http://schemas.microsoft.com/office/powerpoint/2010/main" val="1786525153"/>
-      </p:ext>
-    </p:extLst>
-  </p:cSld>
-  <p:clrMapOvr>
-    <a:masterClrMapping/>
-  </p:clrMapOvr>
-</p:sld>
-</file>
-
-<file path=ppt/slides/slide6.xml><?xml version="1.0" encoding="utf-8"?>
-<p:sld xmlns:a="http://schemas.openxmlformats.org/drawingml/2006/main" xmlns:r="http://schemas.openxmlformats.org/officeDocument/2006/relationships" xmlns:p="http://schemas.openxmlformats.org/presentationml/2006/main">
-  <p:cSld>
-    <p:bg>
-      <p:bgPr>
-        <a:solidFill>
-          <a:schemeClr val="bg1"/>
-        </a:solidFill>
-        <a:effectLst/>
-      </p:bgPr>
-    </p:bg>
-    <p:spTree>
-      <p:nvGrpSpPr>
-        <p:cNvPr id="1" name=""/>
-        <p:cNvGrpSpPr/>
-        <p:nvPr/>
-      </p:nvGrpSpPr>
-      <p:grpSpPr>
-        <a:xfrm>
-          <a:off x="0" y="0"/>
-          <a:ext cx="0" cy="0"/>
-          <a:chOff x="0" y="0"/>
-          <a:chExt cx="0" cy="0"/>
-        </a:xfrm>
-      </p:grpSpPr>
-      <p:sp useBgFill="1">
-        <p:nvSpPr>
-          <p:cNvPr id="1034" name="Rectangle 1033">
-            <a:extLst>
-              <a:ext uri="{FF2B5EF4-FFF2-40B4-BE49-F238E27FC236}">
-                <a16:creationId xmlns:a16="http://schemas.microsoft.com/office/drawing/2014/main" id="{49B9E8A9-352D-4DCB-9485-C777000D4979}"/>
-              </a:ext>
-              <a:ext uri="{C183D7F6-B498-43B3-948B-1728B52AA6E4}">
-                <adec:decorative xmlns:adec="http://schemas.microsoft.com/office/drawing/2017/decorative" val="1"/>
-              </a:ext>
-            </a:extLst>
-          </p:cNvPr>
-          <p:cNvSpPr>
-            <a:spLocks noGrp="1" noRot="1" noChangeAspect="1" noMove="1" noResize="1" noEditPoints="1" noAdjustHandles="1" noChangeArrowheads="1" noChangeShapeType="1" noTextEdit="1"/>
-          </p:cNvSpPr>
-          <p:nvPr>
-            <p:extLst>
-              <p:ext uri="{386F3935-93C4-4BCD-93E2-E3B085C9AB24}">
-                <p16:designElem xmlns:p16="http://schemas.microsoft.com/office/powerpoint/2015/main" val="1"/>
-              </p:ext>
-            </p:extLst>
-          </p:nvPr>
-        </p:nvSpPr>
-        <p:spPr>
-          <a:xfrm>
-            <a:off x="0" y="0"/>
-            <a:ext cx="12192000" cy="6858000"/>
-          </a:xfrm>
-          <a:prstGeom prst="rect">
-            <a:avLst/>
-          </a:prstGeom>
-          <a:ln>
-            <a:noFill/>
-          </a:ln>
-        </p:spPr>
-        <p:style>
-          <a:lnRef idx="2">
-            <a:schemeClr val="accent1">
-              <a:shade val="50000"/>
-            </a:schemeClr>
-          </a:lnRef>
-          <a:fillRef idx="1">
-            <a:schemeClr val="accent1"/>
-          </a:fillRef>
-          <a:effectRef idx="0">
-            <a:schemeClr val="accent1"/>
-          </a:effectRef>
-          <a:fontRef idx="minor">
-            <a:schemeClr val="lt1"/>
-          </a:fontRef>
-        </p:style>
-        <p:txBody>
-          <a:bodyPr rtlCol="0" anchor="ctr"/>
-          <a:lstStyle/>
-          <a:p>
-            <a:pPr algn="ctr"/>
-            <a:endParaRPr lang="en-US" dirty="0"/>
-          </a:p>
-        </p:txBody>
-      </p:sp>
-      <p:sp>
-        <p:nvSpPr>
-          <p:cNvPr id="2" name="Nadpis 1">
-            <a:extLst>
-              <a:ext uri="{FF2B5EF4-FFF2-40B4-BE49-F238E27FC236}">
-                <a16:creationId xmlns:a16="http://schemas.microsoft.com/office/drawing/2014/main" id="{B7800F98-38B0-DD88-614C-3212F9FDBF1E}"/>
-              </a:ext>
-            </a:extLst>
-          </p:cNvPr>
-          <p:cNvSpPr>
-            <a:spLocks noGrp="1"/>
-          </p:cNvSpPr>
-          <p:nvPr>
-            <p:ph type="title"/>
-          </p:nvPr>
-        </p:nvSpPr>
-        <p:spPr>
-          <a:xfrm>
-            <a:off x="612648" y="1078992"/>
-            <a:ext cx="6272784" cy="1536192"/>
-          </a:xfrm>
-        </p:spPr>
-        <p:txBody>
-          <a:bodyPr anchor="b">
-            <a:normAutofit/>
-          </a:bodyPr>
-          <a:lstStyle/>
-          <a:p>
-            <a:r>
-              <a:rPr lang="sk-SK" sz="5200" dirty="0"/>
-              <a:t>Typické</a:t>
-            </a:r>
-            <a:r>
-              <a:rPr lang="en-US" sz="5200" dirty="0"/>
-              <a:t> r</a:t>
-            </a:r>
-            <a:r>
-              <a:rPr lang="sk-SK" sz="5200" dirty="0"/>
-              <a:t>ý</a:t>
-            </a:r>
-            <a:r>
-              <a:rPr lang="en-US" sz="5200" dirty="0"/>
-              <a:t>chlosti ATM</a:t>
-            </a:r>
-            <a:endParaRPr lang="sk-SK" sz="5200" dirty="0"/>
-          </a:p>
-        </p:txBody>
-      </p:sp>
-      <p:sp>
-        <p:nvSpPr>
-          <p:cNvPr id="1036" name="Rectangle 1035">
-            <a:extLst>
-              <a:ext uri="{FF2B5EF4-FFF2-40B4-BE49-F238E27FC236}">
-                <a16:creationId xmlns:a16="http://schemas.microsoft.com/office/drawing/2014/main" id="{C2A9B0E5-C2C1-4B85-99A9-117A659D5FE0}"/>
-              </a:ext>
-              <a:ext uri="{C183D7F6-B498-43B3-948B-1728B52AA6E4}">
-                <adec:decorative xmlns:adec="http://schemas.microsoft.com/office/drawing/2017/decorative" val="1"/>
-              </a:ext>
-            </a:extLst>
-          </p:cNvPr>
-          <p:cNvSpPr>
-            <a:spLocks noGrp="1" noRot="1" noChangeAspect="1" noMove="1" noResize="1" noEditPoints="1" noAdjustHandles="1" noChangeArrowheads="1" noChangeShapeType="1" noTextEdit="1"/>
-          </p:cNvSpPr>
-          <p:nvPr>
-            <p:extLst>
-              <p:ext uri="{386F3935-93C4-4BCD-93E2-E3B085C9AB24}">
-                <p16:designElem xmlns:p16="http://schemas.microsoft.com/office/powerpoint/2015/main" val="1"/>
-              </p:ext>
-            </p:extLst>
-          </p:nvPr>
-        </p:nvSpPr>
-        <p:spPr>
-          <a:xfrm rot="5400000">
-            <a:off x="853202" y="363389"/>
-            <a:ext cx="73152" cy="548640"/>
-          </a:xfrm>
-          <a:prstGeom prst="rect">
-            <a:avLst/>
-          </a:prstGeom>
-          <a:solidFill>
-            <a:schemeClr val="accent2"/>
-          </a:solidFill>
-          <a:ln>
-            <a:noFill/>
-          </a:ln>
-        </p:spPr>
-        <p:style>
-          <a:lnRef idx="2">
-            <a:schemeClr val="accent1">
-              <a:shade val="50000"/>
-            </a:schemeClr>
-          </a:lnRef>
-          <a:fillRef idx="1">
-            <a:schemeClr val="accent1"/>
-          </a:fillRef>
-          <a:effectRef idx="0">
-            <a:schemeClr val="accent1"/>
-          </a:effectRef>
-          <a:fontRef idx="minor">
-            <a:schemeClr val="lt1"/>
-          </a:fontRef>
-        </p:style>
-        <p:txBody>
-          <a:bodyPr rtlCol="0" anchor="ctr"/>
-          <a:lstStyle/>
-          <a:p>
-            <a:pPr algn="ctr"/>
-            <a:endParaRPr lang="en-US" dirty="0">
-              <a:solidFill>
-                <a:prstClr val="white"/>
-              </a:solidFill>
-              <a:latin typeface="Calibri" panose="020F0502020204030204"/>
-            </a:endParaRPr>
-          </a:p>
-        </p:txBody>
-      </p:sp>
-      <p:sp>
-        <p:nvSpPr>
-          <p:cNvPr id="1038" name="Rectangle 1037">
-            <a:extLst>
-              <a:ext uri="{FF2B5EF4-FFF2-40B4-BE49-F238E27FC236}">
-                <a16:creationId xmlns:a16="http://schemas.microsoft.com/office/drawing/2014/main" id="{3A8AEACA-9535-4BE8-A91B-8BE82BA54751}"/>
-              </a:ext>
-              <a:ext uri="{C183D7F6-B498-43B3-948B-1728B52AA6E4}">
-                <adec:decorative xmlns:adec="http://schemas.microsoft.com/office/drawing/2017/decorative" val="1"/>
-              </a:ext>
-            </a:extLst>
-          </p:cNvPr>
-          <p:cNvSpPr>
-            <a:spLocks noGrp="1" noRot="1" noChangeAspect="1" noMove="1" noResize="1" noEditPoints="1" noAdjustHandles="1" noChangeArrowheads="1" noChangeShapeType="1" noTextEdit="1"/>
-          </p:cNvSpPr>
-          <p:nvPr>
-            <p:extLst>
-              <p:ext uri="{386F3935-93C4-4BCD-93E2-E3B085C9AB24}">
-                <p16:designElem xmlns:p16="http://schemas.microsoft.com/office/powerpoint/2015/main" val="1"/>
-              </p:ext>
-            </p:extLst>
-          </p:nvPr>
-        </p:nvSpPr>
-        <p:spPr>
-          <a:xfrm>
-            <a:off x="618506" y="2935541"/>
-            <a:ext cx="6217920" cy="18288"/>
-          </a:xfrm>
-          <a:prstGeom prst="rect">
-            <a:avLst/>
-          </a:prstGeom>
-          <a:solidFill>
-            <a:srgbClr val="D5D5D5"/>
-          </a:solidFill>
-          <a:ln w="3175">
-            <a:noFill/>
-          </a:ln>
-          <a:effectLst/>
-        </p:spPr>
-        <p:style>
-          <a:lnRef idx="2">
-            <a:schemeClr val="accent1">
-              <a:shade val="50000"/>
-            </a:schemeClr>
-          </a:lnRef>
-          <a:fillRef idx="1">
-            <a:schemeClr val="accent1"/>
-          </a:fillRef>
-          <a:effectRef idx="0">
-            <a:schemeClr val="accent1"/>
-          </a:effectRef>
-          <a:fontRef idx="minor">
-            <a:schemeClr val="lt1"/>
-          </a:fontRef>
-        </p:style>
-        <p:txBody>
-          <a:bodyPr rtlCol="0" anchor="ctr"/>
-          <a:lstStyle/>
-          <a:p>
-            <a:pPr marL="0" marR="0" lvl="0" indent="0" algn="ctr" defTabSz="914400" rtl="0" eaLnBrk="1" fontAlgn="auto" latinLnBrk="0" hangingPunct="1">
-              <a:lnSpc>
-                <a:spcPct val="100000"/>
-              </a:lnSpc>
-              <a:spcBef>
-                <a:spcPts val="0"/>
-              </a:spcBef>
-              <a:spcAft>
-                <a:spcPts val="0"/>
-              </a:spcAft>
-              <a:buClrTx/>
-              <a:buSzTx/>
-              <a:buFontTx/>
-              <a:buNone/>
-              <a:tabLst/>
-              <a:defRPr/>
-            </a:pPr>
-            <a:endParaRPr kumimoji="0" lang="en-US" sz="1800" b="0" i="0" u="none" strike="noStrike" kern="1200" cap="none" spc="0" normalizeH="0" baseline="0" noProof="0" dirty="0">
-              <a:ln>
-                <a:noFill/>
-              </a:ln>
-              <a:solidFill>
-                <a:prstClr val="white"/>
-              </a:solidFill>
-              <a:effectLst/>
-              <a:uLnTx/>
-              <a:uFillTx/>
-              <a:latin typeface="Calibri" panose="020F0502020204030204"/>
-              <a:ea typeface="+mn-ea"/>
-              <a:cs typeface="+mn-cs"/>
-            </a:endParaRPr>
-          </a:p>
-        </p:txBody>
-      </p:sp>
-      <p:pic>
-        <p:nvPicPr>
-          <p:cNvPr id="7" name="Graphic 6" descr="USB výplň plnou farbou">
-            <a:extLst>
-              <a:ext uri="{FF2B5EF4-FFF2-40B4-BE49-F238E27FC236}">
-                <a16:creationId xmlns:a16="http://schemas.microsoft.com/office/drawing/2014/main" id="{5CABE8D8-CE82-C855-075E-6502552EBF6F}"/>
-              </a:ext>
-            </a:extLst>
-          </p:cNvPr>
-          <p:cNvPicPr>
-            <a:picLocks noChangeAspect="1"/>
-          </p:cNvPicPr>
-          <p:nvPr/>
-        </p:nvPicPr>
-        <p:blipFill>
-          <a:blip r:embed="rId2">
-            <a:extLst>
-              <a:ext uri="{28A0092B-C50C-407E-A947-70E740481C1C}">
-                <a14:useLocalDpi xmlns:a14="http://schemas.microsoft.com/office/drawing/2010/main" val="0"/>
-              </a:ext>
-              <a:ext uri="{96DAC541-7B7A-43D3-8B79-37D633B846F1}">
-                <asvg:svgBlip xmlns:asvg="http://schemas.microsoft.com/office/drawing/2016/SVG/main" r:embed="rId3"/>
-              </a:ext>
-            </a:extLst>
-          </a:blip>
-          <a:stretch/>
-        </p:blipFill>
-        <p:spPr>
-          <a:xfrm>
-            <a:off x="8381574" y="331311"/>
-            <a:ext cx="2834640" cy="2834640"/>
-          </a:xfrm>
-          <a:prstGeom prst="rect">
-            <a:avLst/>
-          </a:prstGeom>
-        </p:spPr>
-      </p:pic>
-      <p:sp>
-        <p:nvSpPr>
-          <p:cNvPr id="3" name="Zástupný objekt pre obsah 2">
-            <a:extLst>
-              <a:ext uri="{FF2B5EF4-FFF2-40B4-BE49-F238E27FC236}">
-                <a16:creationId xmlns:a16="http://schemas.microsoft.com/office/drawing/2014/main" id="{2004093A-E4C6-A094-44B3-E02C28816A38}"/>
-              </a:ext>
-            </a:extLst>
-          </p:cNvPr>
-          <p:cNvSpPr>
-            <a:spLocks noGrp="1"/>
-          </p:cNvSpPr>
-          <p:nvPr>
-            <p:ph idx="1"/>
-          </p:nvPr>
-        </p:nvSpPr>
-        <p:spPr>
-          <a:xfrm>
-            <a:off x="612648" y="3355848"/>
-            <a:ext cx="6272784" cy="2825496"/>
-          </a:xfrm>
-        </p:spPr>
-        <p:txBody>
-          <a:bodyPr>
-            <a:normAutofit/>
-          </a:bodyPr>
-          <a:lstStyle/>
-          <a:p>
-            <a:pPr>
-              <a:buFont typeface="Wingdings" panose="05000000000000000000" pitchFamily="2" charset="2"/>
-              <a:buChar char="§"/>
-            </a:pPr>
-            <a:r>
-              <a:rPr lang="en-US" sz="2200" dirty="0"/>
-              <a:t>25 Mbps </a:t>
-            </a:r>
-            <a:r>
-              <a:rPr lang="sk-SK" sz="2200" dirty="0"/>
-              <a:t>cez</a:t>
-            </a:r>
-            <a:r>
-              <a:rPr lang="en-US" sz="2200" dirty="0"/>
-              <a:t> UTP kateg</a:t>
-            </a:r>
-            <a:r>
-              <a:rPr lang="sk-SK" sz="2200" dirty="0"/>
-              <a:t>ó</a:t>
-            </a:r>
-            <a:r>
-              <a:rPr lang="en-US" sz="2200" dirty="0"/>
-              <a:t>ria 5 k</a:t>
-            </a:r>
-            <a:r>
-              <a:rPr lang="sk-SK" sz="2200" dirty="0"/>
-              <a:t>á</a:t>
-            </a:r>
-            <a:r>
-              <a:rPr lang="en-US" sz="2200" dirty="0"/>
-              <a:t>ble</a:t>
-            </a:r>
-          </a:p>
-          <a:p>
-            <a:pPr>
-              <a:buFont typeface="Wingdings" panose="05000000000000000000" pitchFamily="2" charset="2"/>
-              <a:buChar char="§"/>
-            </a:pPr>
-            <a:r>
-              <a:rPr lang="en-US" sz="2200" dirty="0"/>
-              <a:t>155 Mbps cez bud UTP alebo </a:t>
-            </a:r>
-            <a:r>
-              <a:rPr lang="sk-SK" sz="2200" dirty="0"/>
-              <a:t>optické</a:t>
-            </a:r>
-            <a:r>
-              <a:rPr lang="en-US" sz="2200" dirty="0"/>
-              <a:t> k</a:t>
-            </a:r>
-            <a:r>
-              <a:rPr lang="sk-SK" sz="2200" dirty="0"/>
-              <a:t>á</a:t>
-            </a:r>
-            <a:r>
-              <a:rPr lang="en-US" sz="2200" dirty="0"/>
-              <a:t>ble</a:t>
-            </a:r>
-          </a:p>
-          <a:p>
-            <a:pPr>
-              <a:buFont typeface="Wingdings" panose="05000000000000000000" pitchFamily="2" charset="2"/>
-              <a:buChar char="§"/>
-            </a:pPr>
-            <a:r>
-              <a:rPr lang="en-US" sz="2200" dirty="0"/>
-              <a:t>622 Mbps a 4,8 Gbps cez iba optick</a:t>
-            </a:r>
-            <a:r>
-              <a:rPr lang="sk-SK" sz="2200" dirty="0"/>
-              <a:t>é</a:t>
-            </a:r>
-            <a:r>
-              <a:rPr lang="en-US" sz="2200" dirty="0"/>
-              <a:t> k</a:t>
-            </a:r>
-            <a:r>
-              <a:rPr lang="sk-SK" sz="2200" dirty="0"/>
-              <a:t>á</a:t>
-            </a:r>
-            <a:r>
-              <a:rPr lang="en-US" sz="2200" dirty="0"/>
-              <a:t>ble</a:t>
-            </a:r>
-            <a:endParaRPr lang="sk-SK" sz="2200" dirty="0"/>
-          </a:p>
-        </p:txBody>
-      </p:sp>
-      <p:pic>
-        <p:nvPicPr>
-          <p:cNvPr id="1029" name="Picture 5" descr="Optical fiber - Free networking icons">
-            <a:extLst>
-              <a:ext uri="{FF2B5EF4-FFF2-40B4-BE49-F238E27FC236}">
-                <a16:creationId xmlns:a16="http://schemas.microsoft.com/office/drawing/2014/main" id="{F5AF6890-69A7-6755-44FC-6A349CEACB62}"/>
-              </a:ext>
-            </a:extLst>
-          </p:cNvPr>
-          <p:cNvPicPr>
-            <a:picLocks noChangeAspect="1" noChangeArrowheads="1"/>
-          </p:cNvPicPr>
-          <p:nvPr/>
-        </p:nvPicPr>
-        <p:blipFill>
-          <a:blip r:embed="rId4">
-            <a:extLst>
-              <a:ext uri="{28A0092B-C50C-407E-A947-70E740481C1C}">
-                <a14:useLocalDpi xmlns:a14="http://schemas.microsoft.com/office/drawing/2010/main" val="0"/>
-              </a:ext>
-            </a:extLst>
-          </a:blip>
-          <a:stretch>
-            <a:fillRect/>
-          </a:stretch>
-        </p:blipFill>
-        <p:spPr bwMode="auto">
-          <a:xfrm>
-            <a:off x="8381574" y="3343830"/>
-            <a:ext cx="2834640" cy="2834640"/>
-          </a:xfrm>
-          <a:prstGeom prst="rect">
-            <a:avLst/>
-          </a:prstGeom>
-          <a:noFill/>
-          <a:extLst>
-            <a:ext uri="{909E8E84-426E-40DD-AFC4-6F175D3DCCD1}">
-              <a14:hiddenFill xmlns:a14="http://schemas.microsoft.com/office/drawing/2010/main">
-                <a:solidFill>
-                  <a:srgbClr val="FFFFFF"/>
-                </a:solidFill>
-              </a14:hiddenFill>
-            </a:ext>
-          </a:extLst>
-        </p:spPr>
-      </p:pic>
-    </p:spTree>
-    <p:extLst>
-      <p:ext uri="{BB962C8B-B14F-4D97-AF65-F5344CB8AC3E}">
-        <p14:creationId xmlns:p14="http://schemas.microsoft.com/office/powerpoint/2010/main" val="4190714237"/>
-      </p:ext>
-    </p:extLst>
-  </p:cSld>
-  <p:clrMapOvr>
-    <a:masterClrMapping/>
-  </p:clrMapOvr>
-</p:sld>
-</file>
-
-<file path=ppt/slides/slide7.xml><?xml version="1.0" encoding="utf-8"?>
-<p:sld xmlns:a="http://schemas.openxmlformats.org/drawingml/2006/main" xmlns:r="http://schemas.openxmlformats.org/officeDocument/2006/relationships" xmlns:p="http://schemas.openxmlformats.org/presentationml/2006/main">
-  <p:cSld>
-    <p:bg>
-      <p:bgPr>
-        <a:solidFill>
-          <a:schemeClr val="bg1"/>
-        </a:solidFill>
-        <a:effectLst/>
-      </p:bgPr>
-    </p:bg>
-    <p:spTree>
-      <p:nvGrpSpPr>
-        <p:cNvPr id="1" name=""/>
-        <p:cNvGrpSpPr/>
-        <p:nvPr/>
-      </p:nvGrpSpPr>
-      <p:grpSpPr>
-        <a:xfrm>
-          <a:off x="0" y="0"/>
-          <a:ext cx="0" cy="0"/>
-          <a:chOff x="0" y="0"/>
-          <a:chExt cx="0" cy="0"/>
-        </a:xfrm>
-      </p:grpSpPr>
-      <p:sp useBgFill="1">
-        <p:nvSpPr>
           <p:cNvPr id="9" name="Rectangle 8">
             <a:extLst>
               <a:ext uri="{FF2B5EF4-FFF2-40B4-BE49-F238E27FC236}">
@@ -20815,7 +19467,7 @@
             </a:r>
             <a:r>
               <a:rPr lang="sk-SK" sz="4000" dirty="0"/>
-              <a:t>výhody ATM</a:t>
+              <a:t>ýhody ATM</a:t>
             </a:r>
           </a:p>
         </p:txBody>
@@ -20932,7 +19584,7 @@
 </p:sld>
 </file>
 
-<file path=ppt/slides/slide8.xml><?xml version="1.0" encoding="utf-8"?>
+<file path=ppt/slides/slide5.xml><?xml version="1.0" encoding="utf-8"?>
 <p:sld xmlns:a="http://schemas.openxmlformats.org/drawingml/2006/main" xmlns:r="http://schemas.openxmlformats.org/officeDocument/2006/relationships" xmlns:p="http://schemas.openxmlformats.org/presentationml/2006/main">
   <p:cSld>
     <p:bg>
@@ -21471,7 +20123,7 @@
             <p:ph idx="1"/>
             <p:extLst>
               <p:ext uri="{D42A27DB-BD31-4B8C-83A1-F6EECF244321}">
-                <p14:modId xmlns:p14="http://schemas.microsoft.com/office/powerpoint/2010/main" val="2197168351"/>
+                <p14:modId xmlns:p14="http://schemas.microsoft.com/office/powerpoint/2010/main" val="849080588"/>
               </p:ext>
             </p:extLst>
           </p:nvPr>
@@ -21490,6 +20142,1290 @@
     <p:extLst>
       <p:ext uri="{BB962C8B-B14F-4D97-AF65-F5344CB8AC3E}">
         <p14:creationId xmlns:p14="http://schemas.microsoft.com/office/powerpoint/2010/main" val="975063588"/>
+      </p:ext>
+    </p:extLst>
+  </p:cSld>
+  <p:clrMapOvr>
+    <a:masterClrMapping/>
+  </p:clrMapOvr>
+</p:sld>
+</file>
+
+<file path=ppt/slides/slide6.xml><?xml version="1.0" encoding="utf-8"?>
+<p:sld xmlns:a="http://schemas.openxmlformats.org/drawingml/2006/main" xmlns:r="http://schemas.openxmlformats.org/officeDocument/2006/relationships" xmlns:p="http://schemas.openxmlformats.org/presentationml/2006/main">
+  <p:cSld>
+    <p:bg>
+      <p:bgPr>
+        <a:solidFill>
+          <a:schemeClr val="bg1"/>
+        </a:solidFill>
+        <a:effectLst/>
+      </p:bgPr>
+    </p:bg>
+    <p:spTree>
+      <p:nvGrpSpPr>
+        <p:cNvPr id="1" name=""/>
+        <p:cNvGrpSpPr/>
+        <p:nvPr/>
+      </p:nvGrpSpPr>
+      <p:grpSpPr>
+        <a:xfrm>
+          <a:off x="0" y="0"/>
+          <a:ext cx="0" cy="0"/>
+          <a:chOff x="0" y="0"/>
+          <a:chExt cx="0" cy="0"/>
+        </a:xfrm>
+      </p:grpSpPr>
+      <p:sp useBgFill="1">
+        <p:nvSpPr>
+          <p:cNvPr id="2068" name="Rectangle 2067">
+            <a:extLst>
+              <a:ext uri="{FF2B5EF4-FFF2-40B4-BE49-F238E27FC236}">
+                <a16:creationId xmlns:a16="http://schemas.microsoft.com/office/drawing/2014/main" id="{0B9EE3F3-89B7-43C3-8651-C4C96830993D}"/>
+              </a:ext>
+              <a:ext uri="{C183D7F6-B498-43B3-948B-1728B52AA6E4}">
+                <adec:decorative xmlns:adec="http://schemas.microsoft.com/office/drawing/2017/decorative" val="1"/>
+              </a:ext>
+            </a:extLst>
+          </p:cNvPr>
+          <p:cNvSpPr>
+            <a:spLocks noGrp="1" noRot="1" noChangeAspect="1" noMove="1" noResize="1" noEditPoints="1" noAdjustHandles="1" noChangeArrowheads="1" noChangeShapeType="1" noTextEdit="1"/>
+          </p:cNvSpPr>
+          <p:nvPr>
+            <p:extLst>
+              <p:ext uri="{386F3935-93C4-4BCD-93E2-E3B085C9AB24}">
+                <p16:designElem xmlns:p16="http://schemas.microsoft.com/office/powerpoint/2015/main" val="1"/>
+              </p:ext>
+            </p:extLst>
+          </p:nvPr>
+        </p:nvSpPr>
+        <p:spPr>
+          <a:xfrm>
+            <a:off x="0" y="0"/>
+            <a:ext cx="12192000" cy="6858000"/>
+          </a:xfrm>
+          <a:prstGeom prst="rect">
+            <a:avLst/>
+          </a:prstGeom>
+          <a:ln>
+            <a:noFill/>
+          </a:ln>
+        </p:spPr>
+        <p:style>
+          <a:lnRef idx="2">
+            <a:schemeClr val="accent1">
+              <a:shade val="50000"/>
+            </a:schemeClr>
+          </a:lnRef>
+          <a:fillRef idx="1">
+            <a:schemeClr val="accent1"/>
+          </a:fillRef>
+          <a:effectRef idx="0">
+            <a:schemeClr val="accent1"/>
+          </a:effectRef>
+          <a:fontRef idx="minor">
+            <a:schemeClr val="lt1"/>
+          </a:fontRef>
+        </p:style>
+        <p:txBody>
+          <a:bodyPr rtlCol="0" anchor="ctr"/>
+          <a:lstStyle/>
+          <a:p>
+            <a:pPr algn="ctr"/>
+            <a:endParaRPr lang="en-US" dirty="0"/>
+          </a:p>
+        </p:txBody>
+      </p:sp>
+      <p:sp>
+        <p:nvSpPr>
+          <p:cNvPr id="2" name="Nadpis 1">
+            <a:extLst>
+              <a:ext uri="{FF2B5EF4-FFF2-40B4-BE49-F238E27FC236}">
+                <a16:creationId xmlns:a16="http://schemas.microsoft.com/office/drawing/2014/main" id="{13EAB497-149A-B26D-540B-FF75C2802410}"/>
+              </a:ext>
+            </a:extLst>
+          </p:cNvPr>
+          <p:cNvSpPr>
+            <a:spLocks noGrp="1"/>
+          </p:cNvSpPr>
+          <p:nvPr>
+            <p:ph type="title"/>
+          </p:nvPr>
+        </p:nvSpPr>
+        <p:spPr>
+          <a:xfrm>
+            <a:off x="411480" y="991443"/>
+            <a:ext cx="4443154" cy="1087819"/>
+          </a:xfrm>
+        </p:spPr>
+        <p:txBody>
+          <a:bodyPr anchor="b">
+            <a:normAutofit/>
+          </a:bodyPr>
+          <a:lstStyle/>
+          <a:p>
+            <a:r>
+              <a:rPr lang="sk-SK" sz="3400" dirty="0"/>
+              <a:t>Referenčný model ATM</a:t>
+            </a:r>
+          </a:p>
+        </p:txBody>
+      </p:sp>
+      <p:sp>
+        <p:nvSpPr>
+          <p:cNvPr id="2070" name="Rectangle 2069">
+            <a:extLst>
+              <a:ext uri="{FF2B5EF4-FFF2-40B4-BE49-F238E27FC236}">
+                <a16:creationId xmlns:a16="http://schemas.microsoft.com/office/drawing/2014/main" id="{33AE4636-AEEC-45D6-84D4-7AC2DA48ECF8}"/>
+              </a:ext>
+              <a:ext uri="{C183D7F6-B498-43B3-948B-1728B52AA6E4}">
+                <adec:decorative xmlns:adec="http://schemas.microsoft.com/office/drawing/2017/decorative" val="1"/>
+              </a:ext>
+            </a:extLst>
+          </p:cNvPr>
+          <p:cNvSpPr>
+            <a:spLocks noGrp="1" noRot="1" noChangeAspect="1" noMove="1" noResize="1" noEditPoints="1" noAdjustHandles="1" noChangeArrowheads="1" noChangeShapeType="1" noTextEdit="1"/>
+          </p:cNvSpPr>
+          <p:nvPr>
+            <p:extLst>
+              <p:ext uri="{386F3935-93C4-4BCD-93E2-E3B085C9AB24}">
+                <p16:designElem xmlns:p16="http://schemas.microsoft.com/office/powerpoint/2015/main" val="1"/>
+              </p:ext>
+            </p:extLst>
+          </p:nvPr>
+        </p:nvSpPr>
+        <p:spPr>
+          <a:xfrm rot="5400000">
+            <a:off x="649223" y="387939"/>
+            <a:ext cx="73152" cy="548640"/>
+          </a:xfrm>
+          <a:prstGeom prst="rect">
+            <a:avLst/>
+          </a:prstGeom>
+          <a:solidFill>
+            <a:schemeClr val="accent2"/>
+          </a:solidFill>
+          <a:ln>
+            <a:noFill/>
+          </a:ln>
+        </p:spPr>
+        <p:style>
+          <a:lnRef idx="2">
+            <a:schemeClr val="accent1">
+              <a:shade val="50000"/>
+            </a:schemeClr>
+          </a:lnRef>
+          <a:fillRef idx="1">
+            <a:schemeClr val="accent1"/>
+          </a:fillRef>
+          <a:effectRef idx="0">
+            <a:schemeClr val="accent1"/>
+          </a:effectRef>
+          <a:fontRef idx="minor">
+            <a:schemeClr val="lt1"/>
+          </a:fontRef>
+        </p:style>
+        <p:txBody>
+          <a:bodyPr rtlCol="0" anchor="ctr"/>
+          <a:lstStyle/>
+          <a:p>
+            <a:pPr algn="ctr"/>
+            <a:endParaRPr lang="en-US" dirty="0">
+              <a:solidFill>
+                <a:prstClr val="white"/>
+              </a:solidFill>
+              <a:latin typeface="Calibri" panose="020F0502020204030204"/>
+            </a:endParaRPr>
+          </a:p>
+        </p:txBody>
+      </p:sp>
+      <p:sp>
+        <p:nvSpPr>
+          <p:cNvPr id="2072" name="Rectangle 2071">
+            <a:extLst>
+              <a:ext uri="{FF2B5EF4-FFF2-40B4-BE49-F238E27FC236}">
+                <a16:creationId xmlns:a16="http://schemas.microsoft.com/office/drawing/2014/main" id="{8D9CE0F4-2EB2-4F1F-8AAC-DB3571D9FE10}"/>
+              </a:ext>
+              <a:ext uri="{C183D7F6-B498-43B3-948B-1728B52AA6E4}">
+                <adec:decorative xmlns:adec="http://schemas.microsoft.com/office/drawing/2017/decorative" val="1"/>
+              </a:ext>
+            </a:extLst>
+          </p:cNvPr>
+          <p:cNvSpPr>
+            <a:spLocks noGrp="1" noRot="1" noChangeAspect="1" noMove="1" noResize="1" noEditPoints="1" noAdjustHandles="1" noChangeArrowheads="1" noChangeShapeType="1" noTextEdit="1"/>
+          </p:cNvSpPr>
+          <p:nvPr>
+            <p:extLst>
+              <p:ext uri="{386F3935-93C4-4BCD-93E2-E3B085C9AB24}">
+                <p16:designElem xmlns:p16="http://schemas.microsoft.com/office/powerpoint/2015/main" val="1"/>
+              </p:ext>
+            </p:extLst>
+          </p:nvPr>
+        </p:nvSpPr>
+        <p:spPr>
+          <a:xfrm>
+            <a:off x="411480" y="2285541"/>
+            <a:ext cx="4389120" cy="18288"/>
+          </a:xfrm>
+          <a:prstGeom prst="rect">
+            <a:avLst/>
+          </a:prstGeom>
+          <a:solidFill>
+            <a:srgbClr val="D5D5D5"/>
+          </a:solidFill>
+          <a:ln w="3175">
+            <a:noFill/>
+          </a:ln>
+          <a:effectLst/>
+        </p:spPr>
+        <p:style>
+          <a:lnRef idx="2">
+            <a:schemeClr val="accent1">
+              <a:shade val="50000"/>
+            </a:schemeClr>
+          </a:lnRef>
+          <a:fillRef idx="1">
+            <a:schemeClr val="accent1"/>
+          </a:fillRef>
+          <a:effectRef idx="0">
+            <a:schemeClr val="accent1"/>
+          </a:effectRef>
+          <a:fontRef idx="minor">
+            <a:schemeClr val="lt1"/>
+          </a:fontRef>
+        </p:style>
+        <p:txBody>
+          <a:bodyPr rtlCol="0" anchor="ctr"/>
+          <a:lstStyle/>
+          <a:p>
+            <a:pPr algn="ctr"/>
+            <a:endParaRPr lang="en-US" dirty="0">
+              <a:solidFill>
+                <a:prstClr val="white"/>
+              </a:solidFill>
+              <a:latin typeface="Calibri" panose="020F0502020204030204"/>
+            </a:endParaRPr>
+          </a:p>
+        </p:txBody>
+      </p:sp>
+      <p:sp>
+        <p:nvSpPr>
+          <p:cNvPr id="3" name="Zástupný objekt pre obsah 2">
+            <a:extLst>
+              <a:ext uri="{FF2B5EF4-FFF2-40B4-BE49-F238E27FC236}">
+                <a16:creationId xmlns:a16="http://schemas.microsoft.com/office/drawing/2014/main" id="{727D3982-1AB5-5D22-70D6-8163FAE69FE9}"/>
+              </a:ext>
+            </a:extLst>
+          </p:cNvPr>
+          <p:cNvSpPr>
+            <a:spLocks noGrp="1"/>
+          </p:cNvSpPr>
+          <p:nvPr>
+            <p:ph idx="1"/>
+          </p:nvPr>
+        </p:nvSpPr>
+        <p:spPr>
+          <a:xfrm>
+            <a:off x="411480" y="2684095"/>
+            <a:ext cx="4443154" cy="3492868"/>
+          </a:xfrm>
+        </p:spPr>
+        <p:txBody>
+          <a:bodyPr>
+            <a:normAutofit/>
+          </a:bodyPr>
+          <a:lstStyle/>
+          <a:p>
+            <a:r>
+              <a:rPr lang="sk-SK" sz="1800" b="1" dirty="0"/>
+              <a:t>Adaptačná vrstva ATM (AAL) </a:t>
+            </a:r>
+            <a:r>
+              <a:rPr lang="sk-SK" sz="1800" dirty="0"/>
+              <a:t>- je zhodná so sieťovou vrstvou modelu OSI. Poskytuje prostriedky pre už existujúce siete na využívanie služieb ATM.</a:t>
+            </a:r>
+          </a:p>
+          <a:p>
+            <a:r>
+              <a:rPr lang="sk-SK" sz="1800" b="1" dirty="0"/>
+              <a:t>Vrstva ATM </a:t>
+            </a:r>
+            <a:r>
+              <a:rPr lang="sk-SK" sz="1800" dirty="0"/>
+              <a:t>- porovnateľná s dátovou vrstvou modelu OSI. 48-bajtové segmenty z vyššej vrstvy konvertuje na 53-bajtové bunky.</a:t>
+            </a:r>
+          </a:p>
+          <a:p>
+            <a:r>
+              <a:rPr lang="sk-SK" sz="1800" b="1" dirty="0"/>
+              <a:t>Fyzická vrstva </a:t>
+            </a:r>
+            <a:r>
+              <a:rPr lang="sk-SK" sz="1800" dirty="0"/>
+              <a:t>- je zhodná s fyzickou vrstvou modelu OSI. Na tejto vrstve sa bunky konvertujú na bitové streamy a prenášajú sa cez fyzické médium.</a:t>
+            </a:r>
+          </a:p>
+        </p:txBody>
+      </p:sp>
+      <p:pic>
+        <p:nvPicPr>
+          <p:cNvPr id="2052" name="Picture 4" descr="Obrázok, na ktorom je text, snímka obrazovky, písmo, číslo&#10;&#10;Automaticky generovaný popis">
+            <a:extLst>
+              <a:ext uri="{FF2B5EF4-FFF2-40B4-BE49-F238E27FC236}">
+                <a16:creationId xmlns:a16="http://schemas.microsoft.com/office/drawing/2014/main" id="{019A796C-7004-0CD5-8A35-A2A5C90030B8}"/>
+              </a:ext>
+            </a:extLst>
+          </p:cNvPr>
+          <p:cNvPicPr>
+            <a:picLocks noChangeAspect="1" noChangeArrowheads="1"/>
+          </p:cNvPicPr>
+          <p:nvPr/>
+        </p:nvPicPr>
+        <p:blipFill>
+          <a:blip r:embed="rId2">
+            <a:extLst>
+              <a:ext uri="{28A0092B-C50C-407E-A947-70E740481C1C}">
+                <a14:useLocalDpi xmlns:a14="http://schemas.microsoft.com/office/drawing/2010/main" val="0"/>
+              </a:ext>
+            </a:extLst>
+          </a:blip>
+          <a:stretch>
+            <a:fillRect/>
+          </a:stretch>
+        </p:blipFill>
+        <p:spPr bwMode="auto">
+          <a:xfrm>
+            <a:off x="5340096" y="1613375"/>
+            <a:ext cx="6440424" cy="3526132"/>
+          </a:xfrm>
+          <a:prstGeom prst="rect">
+            <a:avLst/>
+          </a:prstGeom>
+          <a:noFill/>
+          <a:extLst>
+            <a:ext uri="{909E8E84-426E-40DD-AFC4-6F175D3DCCD1}">
+              <a14:hiddenFill xmlns:a14="http://schemas.microsoft.com/office/drawing/2010/main">
+                <a:solidFill>
+                  <a:srgbClr val="FFFFFF"/>
+                </a:solidFill>
+              </a14:hiddenFill>
+            </a:ext>
+          </a:extLst>
+        </p:spPr>
+      </p:pic>
+      <p:sp>
+        <p:nvSpPr>
+          <p:cNvPr id="4" name="BlokTextu 3">
+            <a:extLst>
+              <a:ext uri="{FF2B5EF4-FFF2-40B4-BE49-F238E27FC236}">
+                <a16:creationId xmlns:a16="http://schemas.microsoft.com/office/drawing/2014/main" id="{97098263-F822-41BE-2EB8-5DB973A23495}"/>
+              </a:ext>
+            </a:extLst>
+          </p:cNvPr>
+          <p:cNvSpPr txBox="1"/>
+          <p:nvPr/>
+        </p:nvSpPr>
+        <p:spPr>
+          <a:xfrm>
+            <a:off x="5548604" y="2034074"/>
+            <a:ext cx="978986" cy="276999"/>
+          </a:xfrm>
+          <a:prstGeom prst="rect">
+            <a:avLst/>
+          </a:prstGeom>
+          <a:noFill/>
+        </p:spPr>
+        <p:txBody>
+          <a:bodyPr wrap="none" rtlCol="0">
+            <a:spAutoFit/>
+          </a:bodyPr>
+          <a:lstStyle/>
+          <a:p>
+            <a:r>
+              <a:rPr lang="sk-SK" sz="1200" dirty="0"/>
+              <a:t>Napr. router</a:t>
+            </a:r>
+          </a:p>
+        </p:txBody>
+      </p:sp>
+    </p:spTree>
+    <p:extLst>
+      <p:ext uri="{BB962C8B-B14F-4D97-AF65-F5344CB8AC3E}">
+        <p14:creationId xmlns:p14="http://schemas.microsoft.com/office/powerpoint/2010/main" val="1271199389"/>
+      </p:ext>
+    </p:extLst>
+  </p:cSld>
+  <p:clrMapOvr>
+    <a:masterClrMapping/>
+  </p:clrMapOvr>
+</p:sld>
+</file>
+
+<file path=ppt/slides/slide7.xml><?xml version="1.0" encoding="utf-8"?>
+<p:sld xmlns:a="http://schemas.openxmlformats.org/drawingml/2006/main" xmlns:r="http://schemas.openxmlformats.org/officeDocument/2006/relationships" xmlns:p="http://schemas.openxmlformats.org/presentationml/2006/main">
+  <p:cSld>
+    <p:bg>
+      <p:bgPr>
+        <a:solidFill>
+          <a:schemeClr val="bg1"/>
+        </a:solidFill>
+        <a:effectLst/>
+      </p:bgPr>
+    </p:bg>
+    <p:spTree>
+      <p:nvGrpSpPr>
+        <p:cNvPr id="1" name=""/>
+        <p:cNvGrpSpPr/>
+        <p:nvPr/>
+      </p:nvGrpSpPr>
+      <p:grpSpPr>
+        <a:xfrm>
+          <a:off x="0" y="0"/>
+          <a:ext cx="0" cy="0"/>
+          <a:chOff x="0" y="0"/>
+          <a:chExt cx="0" cy="0"/>
+        </a:xfrm>
+      </p:grpSpPr>
+      <p:sp useBgFill="1">
+        <p:nvSpPr>
+          <p:cNvPr id="22" name="Rectangle 21">
+            <a:extLst>
+              <a:ext uri="{FF2B5EF4-FFF2-40B4-BE49-F238E27FC236}">
+                <a16:creationId xmlns:a16="http://schemas.microsoft.com/office/drawing/2014/main" id="{92468898-5A6E-4D55-85EC-308E785EE06C}"/>
+              </a:ext>
+              <a:ext uri="{C183D7F6-B498-43B3-948B-1728B52AA6E4}">
+                <adec:decorative xmlns:adec="http://schemas.microsoft.com/office/drawing/2017/decorative" val="1"/>
+              </a:ext>
+            </a:extLst>
+          </p:cNvPr>
+          <p:cNvSpPr>
+            <a:spLocks noGrp="1" noRot="1" noChangeAspect="1" noMove="1" noResize="1" noEditPoints="1" noAdjustHandles="1" noChangeArrowheads="1" noChangeShapeType="1" noTextEdit="1"/>
+          </p:cNvSpPr>
+          <p:nvPr>
+            <p:extLst>
+              <p:ext uri="{386F3935-93C4-4BCD-93E2-E3B085C9AB24}">
+                <p16:designElem xmlns:p16="http://schemas.microsoft.com/office/powerpoint/2015/main" val="1"/>
+              </p:ext>
+            </p:extLst>
+          </p:nvPr>
+        </p:nvSpPr>
+        <p:spPr>
+          <a:xfrm>
+            <a:off x="0" y="0"/>
+            <a:ext cx="12192000" cy="6858000"/>
+          </a:xfrm>
+          <a:prstGeom prst="rect">
+            <a:avLst/>
+          </a:prstGeom>
+          <a:ln>
+            <a:noFill/>
+          </a:ln>
+        </p:spPr>
+        <p:style>
+          <a:lnRef idx="2">
+            <a:schemeClr val="accent1">
+              <a:shade val="50000"/>
+            </a:schemeClr>
+          </a:lnRef>
+          <a:fillRef idx="1">
+            <a:schemeClr val="accent1"/>
+          </a:fillRef>
+          <a:effectRef idx="0">
+            <a:schemeClr val="accent1"/>
+          </a:effectRef>
+          <a:fontRef idx="minor">
+            <a:schemeClr val="lt1"/>
+          </a:fontRef>
+        </p:style>
+        <p:txBody>
+          <a:bodyPr rtlCol="0" anchor="ctr"/>
+          <a:lstStyle/>
+          <a:p>
+            <a:pPr algn="ctr"/>
+            <a:endParaRPr lang="en-US" dirty="0"/>
+          </a:p>
+        </p:txBody>
+      </p:sp>
+      <p:sp>
+        <p:nvSpPr>
+          <p:cNvPr id="2" name="Nadpis 1">
+            <a:extLst>
+              <a:ext uri="{FF2B5EF4-FFF2-40B4-BE49-F238E27FC236}">
+                <a16:creationId xmlns:a16="http://schemas.microsoft.com/office/drawing/2014/main" id="{267F4DC1-DF1A-C737-3A81-3AB6C2176E5F}"/>
+              </a:ext>
+            </a:extLst>
+          </p:cNvPr>
+          <p:cNvSpPr>
+            <a:spLocks noGrp="1"/>
+          </p:cNvSpPr>
+          <p:nvPr>
+            <p:ph type="title"/>
+          </p:nvPr>
+        </p:nvSpPr>
+        <p:spPr>
+          <a:xfrm>
+            <a:off x="429768" y="411480"/>
+            <a:ext cx="11201400" cy="1106424"/>
+          </a:xfrm>
+        </p:spPr>
+        <p:txBody>
+          <a:bodyPr>
+            <a:normAutofit/>
+          </a:bodyPr>
+          <a:lstStyle/>
+          <a:p>
+            <a:r>
+              <a:rPr lang="en-US" sz="3600" dirty="0"/>
+              <a:t>Typy ATM servisov</a:t>
+            </a:r>
+            <a:endParaRPr lang="sk-SK" sz="3600" dirty="0"/>
+          </a:p>
+        </p:txBody>
+      </p:sp>
+      <p:sp>
+        <p:nvSpPr>
+          <p:cNvPr id="24" name="Rectangle 23">
+            <a:extLst>
+              <a:ext uri="{FF2B5EF4-FFF2-40B4-BE49-F238E27FC236}">
+                <a16:creationId xmlns:a16="http://schemas.microsoft.com/office/drawing/2014/main" id="{3E23A947-2D45-4208-AE2B-64948C87A3EB}"/>
+              </a:ext>
+              <a:ext uri="{C183D7F6-B498-43B3-948B-1728B52AA6E4}">
+                <adec:decorative xmlns:adec="http://schemas.microsoft.com/office/drawing/2017/decorative" val="1"/>
+              </a:ext>
+            </a:extLst>
+          </p:cNvPr>
+          <p:cNvSpPr>
+            <a:spLocks noGrp="1" noRot="1" noChangeAspect="1" noMove="1" noResize="1" noEditPoints="1" noAdjustHandles="1" noChangeArrowheads="1" noChangeShapeType="1" noTextEdit="1"/>
+          </p:cNvSpPr>
+          <p:nvPr>
+            <p:extLst>
+              <p:ext uri="{386F3935-93C4-4BCD-93E2-E3B085C9AB24}">
+                <p16:designElem xmlns:p16="http://schemas.microsoft.com/office/powerpoint/2015/main" val="1"/>
+              </p:ext>
+            </p:extLst>
+          </p:nvPr>
+        </p:nvSpPr>
+        <p:spPr>
+          <a:xfrm>
+            <a:off x="0" y="598458"/>
+            <a:ext cx="128016" cy="704088"/>
+          </a:xfrm>
+          <a:prstGeom prst="rect">
+            <a:avLst/>
+          </a:prstGeom>
+          <a:solidFill>
+            <a:schemeClr val="accent2"/>
+          </a:solidFill>
+          <a:ln>
+            <a:noFill/>
+          </a:ln>
+        </p:spPr>
+        <p:style>
+          <a:lnRef idx="2">
+            <a:schemeClr val="accent1">
+              <a:shade val="50000"/>
+            </a:schemeClr>
+          </a:lnRef>
+          <a:fillRef idx="1">
+            <a:schemeClr val="accent1"/>
+          </a:fillRef>
+          <a:effectRef idx="0">
+            <a:schemeClr val="accent1"/>
+          </a:effectRef>
+          <a:fontRef idx="minor">
+            <a:schemeClr val="lt1"/>
+          </a:fontRef>
+        </p:style>
+        <p:txBody>
+          <a:bodyPr rtlCol="0" anchor="ctr"/>
+          <a:lstStyle/>
+          <a:p>
+            <a:pPr algn="ctr"/>
+            <a:endParaRPr lang="en-US" dirty="0">
+              <a:solidFill>
+                <a:prstClr val="white"/>
+              </a:solidFill>
+              <a:latin typeface="Calibri" panose="020F0502020204030204"/>
+            </a:endParaRPr>
+          </a:p>
+        </p:txBody>
+      </p:sp>
+      <p:sp useBgFill="1">
+        <p:nvSpPr>
+          <p:cNvPr id="26" name="Rectangle 25">
+            <a:extLst>
+              <a:ext uri="{FF2B5EF4-FFF2-40B4-BE49-F238E27FC236}">
+                <a16:creationId xmlns:a16="http://schemas.microsoft.com/office/drawing/2014/main" id="{E5BBB0F9-6A59-4D02-A9C7-A2D6516684CE}"/>
+              </a:ext>
+              <a:ext uri="{C183D7F6-B498-43B3-948B-1728B52AA6E4}">
+                <adec:decorative xmlns:adec="http://schemas.microsoft.com/office/drawing/2017/decorative" val="1"/>
+              </a:ext>
+            </a:extLst>
+          </p:cNvPr>
+          <p:cNvSpPr>
+            <a:spLocks noGrp="1" noRot="1" noChangeAspect="1" noMove="1" noResize="1" noEditPoints="1" noAdjustHandles="1" noChangeArrowheads="1" noChangeShapeType="1" noTextEdit="1"/>
+          </p:cNvSpPr>
+          <p:nvPr>
+            <p:extLst>
+              <p:ext uri="{386F3935-93C4-4BCD-93E2-E3B085C9AB24}">
+                <p16:designElem xmlns:p16="http://schemas.microsoft.com/office/powerpoint/2015/main" val="1"/>
+              </p:ext>
+            </p:extLst>
+          </p:nvPr>
+        </p:nvSpPr>
+        <p:spPr>
+          <a:xfrm>
+            <a:off x="7543801" y="1721922"/>
+            <a:ext cx="4218432" cy="4520560"/>
+          </a:xfrm>
+          <a:prstGeom prst="rect">
+            <a:avLst/>
+          </a:prstGeom>
+          <a:ln w="9525">
+            <a:solidFill>
+              <a:srgbClr val="DEDEDE"/>
+            </a:solidFill>
+          </a:ln>
+          <a:effectLst>
+            <a:outerShdw blurRad="50800" dist="38100" dir="2700000" algn="tl" rotWithShape="0">
+              <a:schemeClr val="bg1">
+                <a:lumMod val="85000"/>
+                <a:alpha val="50000"/>
+              </a:schemeClr>
+            </a:outerShdw>
+          </a:effectLst>
+        </p:spPr>
+        <p:style>
+          <a:lnRef idx="2">
+            <a:schemeClr val="accent1">
+              <a:shade val="50000"/>
+            </a:schemeClr>
+          </a:lnRef>
+          <a:fillRef idx="1">
+            <a:schemeClr val="accent1"/>
+          </a:fillRef>
+          <a:effectRef idx="0">
+            <a:schemeClr val="accent1"/>
+          </a:effectRef>
+          <a:fontRef idx="minor">
+            <a:schemeClr val="lt1"/>
+          </a:fontRef>
+        </p:style>
+        <p:txBody>
+          <a:bodyPr rtlCol="0" anchor="ctr"/>
+          <a:lstStyle/>
+          <a:p>
+            <a:pPr marL="0" marR="0" lvl="0" indent="0" algn="ctr" defTabSz="914400" rtl="0" eaLnBrk="1" fontAlgn="auto" latinLnBrk="0" hangingPunct="1">
+              <a:lnSpc>
+                <a:spcPct val="100000"/>
+              </a:lnSpc>
+              <a:spcBef>
+                <a:spcPts val="0"/>
+              </a:spcBef>
+              <a:spcAft>
+                <a:spcPts val="0"/>
+              </a:spcAft>
+              <a:buClrTx/>
+              <a:buSzTx/>
+              <a:buFontTx/>
+              <a:buNone/>
+              <a:tabLst/>
+              <a:defRPr/>
+            </a:pPr>
+            <a:endParaRPr kumimoji="0" lang="en-US" sz="1800" b="0" i="0" u="none" strike="noStrike" kern="1200" cap="none" spc="0" normalizeH="0" baseline="0" noProof="0" dirty="0">
+              <a:ln>
+                <a:noFill/>
+              </a:ln>
+              <a:solidFill>
+                <a:prstClr val="white"/>
+              </a:solidFill>
+              <a:effectLst/>
+              <a:uLnTx/>
+              <a:uFillTx/>
+              <a:latin typeface="Calibri" panose="020F0502020204030204"/>
+              <a:ea typeface="+mn-ea"/>
+              <a:cs typeface="+mn-cs"/>
+            </a:endParaRPr>
+          </a:p>
+        </p:txBody>
+      </p:sp>
+      <p:graphicFrame>
+        <p:nvGraphicFramePr>
+          <p:cNvPr id="5" name="Zástupný objekt pre obsah 2">
+            <a:extLst>
+              <a:ext uri="{FF2B5EF4-FFF2-40B4-BE49-F238E27FC236}">
+                <a16:creationId xmlns:a16="http://schemas.microsoft.com/office/drawing/2014/main" id="{63A3781A-E14D-D450-B993-9BF9CDAAADC9}"/>
+              </a:ext>
+            </a:extLst>
+          </p:cNvPr>
+          <p:cNvGraphicFramePr>
+            <a:graphicFrameLocks noGrp="1"/>
+          </p:cNvGraphicFramePr>
+          <p:nvPr>
+            <p:ph idx="1"/>
+            <p:extLst>
+              <p:ext uri="{D42A27DB-BD31-4B8C-83A1-F6EECF244321}">
+                <p14:modId xmlns:p14="http://schemas.microsoft.com/office/powerpoint/2010/main" val="618283532"/>
+              </p:ext>
+            </p:extLst>
+          </p:nvPr>
+        </p:nvGraphicFramePr>
+        <p:xfrm>
+          <a:off x="7938752" y="2020824"/>
+          <a:ext cx="3455097" cy="3959352"/>
+        </p:xfrm>
+        <a:graphic>
+          <a:graphicData uri="http://schemas.openxmlformats.org/drawingml/2006/diagram">
+            <dgm:relIds xmlns:dgm="http://schemas.openxmlformats.org/drawingml/2006/diagram" xmlns:r="http://schemas.openxmlformats.org/officeDocument/2006/relationships" r:dm="rId3" r:lo="rId4" r:qs="rId5" r:cs="rId6"/>
+          </a:graphicData>
+        </a:graphic>
+      </p:graphicFrame>
+      <p:pic>
+        <p:nvPicPr>
+          <p:cNvPr id="4" name="Obrázok 3" descr="Obrázok, na ktorom je text, snímka obrazovky, písmo, elektrická modrá&#10;&#10;Automaticky generovaný popis">
+            <a:extLst>
+              <a:ext uri="{FF2B5EF4-FFF2-40B4-BE49-F238E27FC236}">
+                <a16:creationId xmlns:a16="http://schemas.microsoft.com/office/drawing/2014/main" id="{2406013A-7E81-640D-F950-A24EB0588CEF}"/>
+              </a:ext>
+            </a:extLst>
+          </p:cNvPr>
+          <p:cNvPicPr>
+            <a:picLocks noChangeAspect="1"/>
+          </p:cNvPicPr>
+          <p:nvPr/>
+        </p:nvPicPr>
+        <p:blipFill>
+          <a:blip r:embed="rId8">
+            <a:extLst>
+              <a:ext uri="{28A0092B-C50C-407E-A947-70E740481C1C}">
+                <a14:useLocalDpi xmlns:a14="http://schemas.microsoft.com/office/drawing/2010/main" val="0"/>
+              </a:ext>
+            </a:extLst>
+          </a:blip>
+          <a:stretch>
+            <a:fillRect/>
+          </a:stretch>
+        </p:blipFill>
+        <p:spPr>
+          <a:xfrm>
+            <a:off x="512379" y="2434830"/>
+            <a:ext cx="6519044" cy="3094743"/>
+          </a:xfrm>
+          <a:prstGeom prst="rect">
+            <a:avLst/>
+          </a:prstGeom>
+        </p:spPr>
+      </p:pic>
+    </p:spTree>
+    <p:extLst>
+      <p:ext uri="{BB962C8B-B14F-4D97-AF65-F5344CB8AC3E}">
+        <p14:creationId xmlns:p14="http://schemas.microsoft.com/office/powerpoint/2010/main" val="1786525153"/>
+      </p:ext>
+    </p:extLst>
+  </p:cSld>
+  <p:clrMapOvr>
+    <a:masterClrMapping/>
+  </p:clrMapOvr>
+</p:sld>
+</file>
+
+<file path=ppt/slides/slide8.xml><?xml version="1.0" encoding="utf-8"?>
+<p:sld xmlns:a="http://schemas.openxmlformats.org/drawingml/2006/main" xmlns:r="http://schemas.openxmlformats.org/officeDocument/2006/relationships" xmlns:p="http://schemas.openxmlformats.org/presentationml/2006/main">
+  <p:cSld>
+    <p:bg>
+      <p:bgPr>
+        <a:solidFill>
+          <a:schemeClr val="bg1"/>
+        </a:solidFill>
+        <a:effectLst/>
+      </p:bgPr>
+    </p:bg>
+    <p:spTree>
+      <p:nvGrpSpPr>
+        <p:cNvPr id="1" name=""/>
+        <p:cNvGrpSpPr/>
+        <p:nvPr/>
+      </p:nvGrpSpPr>
+      <p:grpSpPr>
+        <a:xfrm>
+          <a:off x="0" y="0"/>
+          <a:ext cx="0" cy="0"/>
+          <a:chOff x="0" y="0"/>
+          <a:chExt cx="0" cy="0"/>
+        </a:xfrm>
+      </p:grpSpPr>
+      <p:sp useBgFill="1">
+        <p:nvSpPr>
+          <p:cNvPr id="1034" name="Rectangle 1033">
+            <a:extLst>
+              <a:ext uri="{FF2B5EF4-FFF2-40B4-BE49-F238E27FC236}">
+                <a16:creationId xmlns:a16="http://schemas.microsoft.com/office/drawing/2014/main" id="{49B9E8A9-352D-4DCB-9485-C777000D4979}"/>
+              </a:ext>
+              <a:ext uri="{C183D7F6-B498-43B3-948B-1728B52AA6E4}">
+                <adec:decorative xmlns:adec="http://schemas.microsoft.com/office/drawing/2017/decorative" val="1"/>
+              </a:ext>
+            </a:extLst>
+          </p:cNvPr>
+          <p:cNvSpPr>
+            <a:spLocks noGrp="1" noRot="1" noChangeAspect="1" noMove="1" noResize="1" noEditPoints="1" noAdjustHandles="1" noChangeArrowheads="1" noChangeShapeType="1" noTextEdit="1"/>
+          </p:cNvSpPr>
+          <p:nvPr>
+            <p:extLst>
+              <p:ext uri="{386F3935-93C4-4BCD-93E2-E3B085C9AB24}">
+                <p16:designElem xmlns:p16="http://schemas.microsoft.com/office/powerpoint/2015/main" val="1"/>
+              </p:ext>
+            </p:extLst>
+          </p:nvPr>
+        </p:nvSpPr>
+        <p:spPr>
+          <a:xfrm>
+            <a:off x="0" y="0"/>
+            <a:ext cx="12192000" cy="6858000"/>
+          </a:xfrm>
+          <a:prstGeom prst="rect">
+            <a:avLst/>
+          </a:prstGeom>
+          <a:ln>
+            <a:noFill/>
+          </a:ln>
+        </p:spPr>
+        <p:style>
+          <a:lnRef idx="2">
+            <a:schemeClr val="accent1">
+              <a:shade val="50000"/>
+            </a:schemeClr>
+          </a:lnRef>
+          <a:fillRef idx="1">
+            <a:schemeClr val="accent1"/>
+          </a:fillRef>
+          <a:effectRef idx="0">
+            <a:schemeClr val="accent1"/>
+          </a:effectRef>
+          <a:fontRef idx="minor">
+            <a:schemeClr val="lt1"/>
+          </a:fontRef>
+        </p:style>
+        <p:txBody>
+          <a:bodyPr rtlCol="0" anchor="ctr"/>
+          <a:lstStyle/>
+          <a:p>
+            <a:pPr algn="ctr"/>
+            <a:endParaRPr lang="en-US" dirty="0"/>
+          </a:p>
+        </p:txBody>
+      </p:sp>
+      <p:sp>
+        <p:nvSpPr>
+          <p:cNvPr id="2" name="Nadpis 1">
+            <a:extLst>
+              <a:ext uri="{FF2B5EF4-FFF2-40B4-BE49-F238E27FC236}">
+                <a16:creationId xmlns:a16="http://schemas.microsoft.com/office/drawing/2014/main" id="{B7800F98-38B0-DD88-614C-3212F9FDBF1E}"/>
+              </a:ext>
+            </a:extLst>
+          </p:cNvPr>
+          <p:cNvSpPr>
+            <a:spLocks noGrp="1"/>
+          </p:cNvSpPr>
+          <p:nvPr>
+            <p:ph type="title"/>
+          </p:nvPr>
+        </p:nvSpPr>
+        <p:spPr>
+          <a:xfrm>
+            <a:off x="612648" y="1078992"/>
+            <a:ext cx="6272784" cy="1536192"/>
+          </a:xfrm>
+        </p:spPr>
+        <p:txBody>
+          <a:bodyPr anchor="b">
+            <a:normAutofit/>
+          </a:bodyPr>
+          <a:lstStyle/>
+          <a:p>
+            <a:r>
+              <a:rPr lang="sk-SK" sz="5200" dirty="0"/>
+              <a:t>Typické</a:t>
+            </a:r>
+            <a:r>
+              <a:rPr lang="en-US" sz="5200" dirty="0"/>
+              <a:t> r</a:t>
+            </a:r>
+            <a:r>
+              <a:rPr lang="sk-SK" sz="5200" dirty="0"/>
+              <a:t>ý</a:t>
+            </a:r>
+            <a:r>
+              <a:rPr lang="en-US" sz="5200" dirty="0"/>
+              <a:t>chlosti ATM</a:t>
+            </a:r>
+            <a:endParaRPr lang="sk-SK" sz="5200" dirty="0"/>
+          </a:p>
+        </p:txBody>
+      </p:sp>
+      <p:sp>
+        <p:nvSpPr>
+          <p:cNvPr id="1036" name="Rectangle 1035">
+            <a:extLst>
+              <a:ext uri="{FF2B5EF4-FFF2-40B4-BE49-F238E27FC236}">
+                <a16:creationId xmlns:a16="http://schemas.microsoft.com/office/drawing/2014/main" id="{C2A9B0E5-C2C1-4B85-99A9-117A659D5FE0}"/>
+              </a:ext>
+              <a:ext uri="{C183D7F6-B498-43B3-948B-1728B52AA6E4}">
+                <adec:decorative xmlns:adec="http://schemas.microsoft.com/office/drawing/2017/decorative" val="1"/>
+              </a:ext>
+            </a:extLst>
+          </p:cNvPr>
+          <p:cNvSpPr>
+            <a:spLocks noGrp="1" noRot="1" noChangeAspect="1" noMove="1" noResize="1" noEditPoints="1" noAdjustHandles="1" noChangeArrowheads="1" noChangeShapeType="1" noTextEdit="1"/>
+          </p:cNvSpPr>
+          <p:nvPr>
+            <p:extLst>
+              <p:ext uri="{386F3935-93C4-4BCD-93E2-E3B085C9AB24}">
+                <p16:designElem xmlns:p16="http://schemas.microsoft.com/office/powerpoint/2015/main" val="1"/>
+              </p:ext>
+            </p:extLst>
+          </p:nvPr>
+        </p:nvSpPr>
+        <p:spPr>
+          <a:xfrm rot="5400000">
+            <a:off x="853202" y="363389"/>
+            <a:ext cx="73152" cy="548640"/>
+          </a:xfrm>
+          <a:prstGeom prst="rect">
+            <a:avLst/>
+          </a:prstGeom>
+          <a:solidFill>
+            <a:schemeClr val="accent2"/>
+          </a:solidFill>
+          <a:ln>
+            <a:noFill/>
+          </a:ln>
+        </p:spPr>
+        <p:style>
+          <a:lnRef idx="2">
+            <a:schemeClr val="accent1">
+              <a:shade val="50000"/>
+            </a:schemeClr>
+          </a:lnRef>
+          <a:fillRef idx="1">
+            <a:schemeClr val="accent1"/>
+          </a:fillRef>
+          <a:effectRef idx="0">
+            <a:schemeClr val="accent1"/>
+          </a:effectRef>
+          <a:fontRef idx="minor">
+            <a:schemeClr val="lt1"/>
+          </a:fontRef>
+        </p:style>
+        <p:txBody>
+          <a:bodyPr rtlCol="0" anchor="ctr"/>
+          <a:lstStyle/>
+          <a:p>
+            <a:pPr algn="ctr"/>
+            <a:endParaRPr lang="en-US" dirty="0">
+              <a:solidFill>
+                <a:prstClr val="white"/>
+              </a:solidFill>
+              <a:latin typeface="Calibri" panose="020F0502020204030204"/>
+            </a:endParaRPr>
+          </a:p>
+        </p:txBody>
+      </p:sp>
+      <p:sp>
+        <p:nvSpPr>
+          <p:cNvPr id="1038" name="Rectangle 1037">
+            <a:extLst>
+              <a:ext uri="{FF2B5EF4-FFF2-40B4-BE49-F238E27FC236}">
+                <a16:creationId xmlns:a16="http://schemas.microsoft.com/office/drawing/2014/main" id="{3A8AEACA-9535-4BE8-A91B-8BE82BA54751}"/>
+              </a:ext>
+              <a:ext uri="{C183D7F6-B498-43B3-948B-1728B52AA6E4}">
+                <adec:decorative xmlns:adec="http://schemas.microsoft.com/office/drawing/2017/decorative" val="1"/>
+              </a:ext>
+            </a:extLst>
+          </p:cNvPr>
+          <p:cNvSpPr>
+            <a:spLocks noGrp="1" noRot="1" noChangeAspect="1" noMove="1" noResize="1" noEditPoints="1" noAdjustHandles="1" noChangeArrowheads="1" noChangeShapeType="1" noTextEdit="1"/>
+          </p:cNvSpPr>
+          <p:nvPr>
+            <p:extLst>
+              <p:ext uri="{386F3935-93C4-4BCD-93E2-E3B085C9AB24}">
+                <p16:designElem xmlns:p16="http://schemas.microsoft.com/office/powerpoint/2015/main" val="1"/>
+              </p:ext>
+            </p:extLst>
+          </p:nvPr>
+        </p:nvSpPr>
+        <p:spPr>
+          <a:xfrm>
+            <a:off x="618506" y="2935541"/>
+            <a:ext cx="6217920" cy="18288"/>
+          </a:xfrm>
+          <a:prstGeom prst="rect">
+            <a:avLst/>
+          </a:prstGeom>
+          <a:solidFill>
+            <a:srgbClr val="D5D5D5"/>
+          </a:solidFill>
+          <a:ln w="3175">
+            <a:noFill/>
+          </a:ln>
+          <a:effectLst/>
+        </p:spPr>
+        <p:style>
+          <a:lnRef idx="2">
+            <a:schemeClr val="accent1">
+              <a:shade val="50000"/>
+            </a:schemeClr>
+          </a:lnRef>
+          <a:fillRef idx="1">
+            <a:schemeClr val="accent1"/>
+          </a:fillRef>
+          <a:effectRef idx="0">
+            <a:schemeClr val="accent1"/>
+          </a:effectRef>
+          <a:fontRef idx="minor">
+            <a:schemeClr val="lt1"/>
+          </a:fontRef>
+        </p:style>
+        <p:txBody>
+          <a:bodyPr rtlCol="0" anchor="ctr"/>
+          <a:lstStyle/>
+          <a:p>
+            <a:pPr marL="0" marR="0" lvl="0" indent="0" algn="ctr" defTabSz="914400" rtl="0" eaLnBrk="1" fontAlgn="auto" latinLnBrk="0" hangingPunct="1">
+              <a:lnSpc>
+                <a:spcPct val="100000"/>
+              </a:lnSpc>
+              <a:spcBef>
+                <a:spcPts val="0"/>
+              </a:spcBef>
+              <a:spcAft>
+                <a:spcPts val="0"/>
+              </a:spcAft>
+              <a:buClrTx/>
+              <a:buSzTx/>
+              <a:buFontTx/>
+              <a:buNone/>
+              <a:tabLst/>
+              <a:defRPr/>
+            </a:pPr>
+            <a:endParaRPr kumimoji="0" lang="en-US" sz="1800" b="0" i="0" u="none" strike="noStrike" kern="1200" cap="none" spc="0" normalizeH="0" baseline="0" noProof="0" dirty="0">
+              <a:ln>
+                <a:noFill/>
+              </a:ln>
+              <a:solidFill>
+                <a:prstClr val="white"/>
+              </a:solidFill>
+              <a:effectLst/>
+              <a:uLnTx/>
+              <a:uFillTx/>
+              <a:latin typeface="Calibri" panose="020F0502020204030204"/>
+              <a:ea typeface="+mn-ea"/>
+              <a:cs typeface="+mn-cs"/>
+            </a:endParaRPr>
+          </a:p>
+        </p:txBody>
+      </p:sp>
+      <p:pic>
+        <p:nvPicPr>
+          <p:cNvPr id="7" name="Graphic 6" descr="USB výplň plnou farbou">
+            <a:extLst>
+              <a:ext uri="{FF2B5EF4-FFF2-40B4-BE49-F238E27FC236}">
+                <a16:creationId xmlns:a16="http://schemas.microsoft.com/office/drawing/2014/main" id="{5CABE8D8-CE82-C855-075E-6502552EBF6F}"/>
+              </a:ext>
+            </a:extLst>
+          </p:cNvPr>
+          <p:cNvPicPr>
+            <a:picLocks noChangeAspect="1"/>
+          </p:cNvPicPr>
+          <p:nvPr/>
+        </p:nvPicPr>
+        <p:blipFill>
+          <a:blip r:embed="rId2">
+            <a:extLst>
+              <a:ext uri="{28A0092B-C50C-407E-A947-70E740481C1C}">
+                <a14:useLocalDpi xmlns:a14="http://schemas.microsoft.com/office/drawing/2010/main" val="0"/>
+              </a:ext>
+              <a:ext uri="{96DAC541-7B7A-43D3-8B79-37D633B846F1}">
+                <asvg:svgBlip xmlns:asvg="http://schemas.microsoft.com/office/drawing/2016/SVG/main" r:embed="rId3"/>
+              </a:ext>
+            </a:extLst>
+          </a:blip>
+          <a:stretch/>
+        </p:blipFill>
+        <p:spPr>
+          <a:xfrm>
+            <a:off x="8381574" y="331311"/>
+            <a:ext cx="2834640" cy="2834640"/>
+          </a:xfrm>
+          <a:prstGeom prst="rect">
+            <a:avLst/>
+          </a:prstGeom>
+        </p:spPr>
+      </p:pic>
+      <p:sp>
+        <p:nvSpPr>
+          <p:cNvPr id="3" name="Zástupný objekt pre obsah 2">
+            <a:extLst>
+              <a:ext uri="{FF2B5EF4-FFF2-40B4-BE49-F238E27FC236}">
+                <a16:creationId xmlns:a16="http://schemas.microsoft.com/office/drawing/2014/main" id="{2004093A-E4C6-A094-44B3-E02C28816A38}"/>
+              </a:ext>
+            </a:extLst>
+          </p:cNvPr>
+          <p:cNvSpPr>
+            <a:spLocks noGrp="1"/>
+          </p:cNvSpPr>
+          <p:nvPr>
+            <p:ph idx="1"/>
+          </p:nvPr>
+        </p:nvSpPr>
+        <p:spPr>
+          <a:xfrm>
+            <a:off x="612648" y="3355848"/>
+            <a:ext cx="6272784" cy="2825496"/>
+          </a:xfrm>
+        </p:spPr>
+        <p:txBody>
+          <a:bodyPr>
+            <a:normAutofit/>
+          </a:bodyPr>
+          <a:lstStyle/>
+          <a:p>
+            <a:pPr>
+              <a:buFont typeface="Wingdings" panose="05000000000000000000" pitchFamily="2" charset="2"/>
+              <a:buChar char="§"/>
+            </a:pPr>
+            <a:r>
+              <a:rPr lang="en-US" sz="2200" dirty="0"/>
+              <a:t>25 Mbps </a:t>
+            </a:r>
+            <a:r>
+              <a:rPr lang="sk-SK" sz="2200" dirty="0"/>
+              <a:t>cez</a:t>
+            </a:r>
+            <a:r>
+              <a:rPr lang="en-US" sz="2200" dirty="0"/>
+              <a:t> UTP kateg</a:t>
+            </a:r>
+            <a:r>
+              <a:rPr lang="sk-SK" sz="2200" dirty="0"/>
+              <a:t>ó</a:t>
+            </a:r>
+            <a:r>
+              <a:rPr lang="en-US" sz="2200" dirty="0"/>
+              <a:t>ria 5 k</a:t>
+            </a:r>
+            <a:r>
+              <a:rPr lang="sk-SK" sz="2200" dirty="0"/>
+              <a:t>á</a:t>
+            </a:r>
+            <a:r>
+              <a:rPr lang="en-US" sz="2200" dirty="0"/>
+              <a:t>ble</a:t>
+            </a:r>
+          </a:p>
+          <a:p>
+            <a:pPr>
+              <a:buFont typeface="Wingdings" panose="05000000000000000000" pitchFamily="2" charset="2"/>
+              <a:buChar char="§"/>
+            </a:pPr>
+            <a:r>
+              <a:rPr lang="en-US" sz="2200" dirty="0"/>
+              <a:t>155 Mbps cez bud UTP alebo </a:t>
+            </a:r>
+            <a:r>
+              <a:rPr lang="sk-SK" sz="2200" dirty="0"/>
+              <a:t>optické</a:t>
+            </a:r>
+            <a:r>
+              <a:rPr lang="en-US" sz="2200" dirty="0"/>
+              <a:t> k</a:t>
+            </a:r>
+            <a:r>
+              <a:rPr lang="sk-SK" sz="2200" dirty="0"/>
+              <a:t>á</a:t>
+            </a:r>
+            <a:r>
+              <a:rPr lang="en-US" sz="2200" dirty="0"/>
+              <a:t>ble</a:t>
+            </a:r>
+          </a:p>
+          <a:p>
+            <a:pPr>
+              <a:buFont typeface="Wingdings" panose="05000000000000000000" pitchFamily="2" charset="2"/>
+              <a:buChar char="§"/>
+            </a:pPr>
+            <a:r>
+              <a:rPr lang="en-US" sz="2200" dirty="0"/>
+              <a:t>622 Mbps a 4,8 Gbps cez iba optick</a:t>
+            </a:r>
+            <a:r>
+              <a:rPr lang="sk-SK" sz="2200" dirty="0"/>
+              <a:t>é</a:t>
+            </a:r>
+            <a:r>
+              <a:rPr lang="en-US" sz="2200" dirty="0"/>
+              <a:t> k</a:t>
+            </a:r>
+            <a:r>
+              <a:rPr lang="sk-SK" sz="2200" dirty="0"/>
+              <a:t>á</a:t>
+            </a:r>
+            <a:r>
+              <a:rPr lang="en-US" sz="2200" dirty="0"/>
+              <a:t>ble</a:t>
+            </a:r>
+            <a:endParaRPr lang="sk-SK" sz="2200" dirty="0"/>
+          </a:p>
+        </p:txBody>
+      </p:sp>
+      <p:pic>
+        <p:nvPicPr>
+          <p:cNvPr id="1029" name="Picture 5" descr="Optical fiber - Free networking icons">
+            <a:extLst>
+              <a:ext uri="{FF2B5EF4-FFF2-40B4-BE49-F238E27FC236}">
+                <a16:creationId xmlns:a16="http://schemas.microsoft.com/office/drawing/2014/main" id="{F5AF6890-69A7-6755-44FC-6A349CEACB62}"/>
+              </a:ext>
+            </a:extLst>
+          </p:cNvPr>
+          <p:cNvPicPr>
+            <a:picLocks noChangeAspect="1" noChangeArrowheads="1"/>
+          </p:cNvPicPr>
+          <p:nvPr/>
+        </p:nvPicPr>
+        <p:blipFill>
+          <a:blip r:embed="rId4">
+            <a:extLst>
+              <a:ext uri="{28A0092B-C50C-407E-A947-70E740481C1C}">
+                <a14:useLocalDpi xmlns:a14="http://schemas.microsoft.com/office/drawing/2010/main" val="0"/>
+              </a:ext>
+            </a:extLst>
+          </a:blip>
+          <a:stretch>
+            <a:fillRect/>
+          </a:stretch>
+        </p:blipFill>
+        <p:spPr bwMode="auto">
+          <a:xfrm>
+            <a:off x="8381574" y="3343830"/>
+            <a:ext cx="2834640" cy="2834640"/>
+          </a:xfrm>
+          <a:prstGeom prst="rect">
+            <a:avLst/>
+          </a:prstGeom>
+          <a:noFill/>
+          <a:extLst>
+            <a:ext uri="{909E8E84-426E-40DD-AFC4-6F175D3DCCD1}">
+              <a14:hiddenFill xmlns:a14="http://schemas.microsoft.com/office/drawing/2010/main">
+                <a:solidFill>
+                  <a:srgbClr val="FFFFFF"/>
+                </a:solidFill>
+              </a14:hiddenFill>
+            </a:ext>
+          </a:extLst>
+        </p:spPr>
+      </p:pic>
+    </p:spTree>
+    <p:extLst>
+      <p:ext uri="{BB962C8B-B14F-4D97-AF65-F5344CB8AC3E}">
+        <p14:creationId xmlns:p14="http://schemas.microsoft.com/office/powerpoint/2010/main" val="4190714237"/>
       </p:ext>
     </p:extLst>
   </p:cSld>
